--- a/paper/figures/overview.pptx
+++ b/paper/figures/overview.pptx
@@ -2,7 +2,7 @@
 <file path=ppt/presentation.xml><?xml version="1.0" encoding="utf-8"?>
 <p:presentation xmlns:a="http://schemas.openxmlformats.org/drawingml/2006/main" xmlns:r="http://schemas.openxmlformats.org/officeDocument/2006/relationships" xmlns:p="http://schemas.openxmlformats.org/presentationml/2006/main" saveSubsetFonts="1" autoCompressPictures="0">
   <p:sldMasterIdLst>
-    <p:sldMasterId id="2147483684" r:id="rId1"/>
+    <p:sldMasterId id="2147483708" r:id="rId1"/>
   </p:sldMasterIdLst>
   <p:notesMasterIdLst>
     <p:notesMasterId r:id="rId3"/>
@@ -10,7 +10,7 @@
   <p:sldIdLst>
     <p:sldId id="256" r:id="rId2"/>
   </p:sldIdLst>
-  <p:sldSz cx="10080625" cy="6858000"/>
+  <p:sldSz cx="9720263" cy="6119813"/>
   <p:notesSz cx="6858000" cy="9144000"/>
   <p:defaultTextStyle>
     <a:defPPr>
@@ -197,7 +197,7 @@
           <a:p>
             <a:fld id="{F72DF778-FFF7-FE49-B5CB-1F3248E829EE}" type="datetimeFigureOut">
               <a:rPr lang="en-DE" smtClean="0"/>
-              <a:t>29.05.24</a:t>
+              <a:t>05.06.24</a:t>
             </a:fld>
             <a:endParaRPr lang="en-DE"/>
           </a:p>
@@ -215,8 +215,8 @@
         </p:nvSpPr>
         <p:spPr>
           <a:xfrm>
-            <a:off x="1160463" y="1143000"/>
-            <a:ext cx="4537075" cy="3086100"/>
+            <a:off x="979488" y="1143000"/>
+            <a:ext cx="4899025" cy="3086100"/>
           </a:xfrm>
           <a:prstGeom prst="rect">
             <a:avLst/>
@@ -371,8 +371,8 @@
   </p:cSld>
   <p:clrMap bg1="lt1" tx1="dk1" bg2="lt2" tx2="dk2" accent1="accent1" accent2="accent2" accent3="accent3" accent4="accent4" accent5="accent5" accent6="accent6" hlink="hlink" folHlink="folHlink"/>
   <p:notesStyle>
-    <a:lvl1pPr marL="0" algn="l" defTabSz="914400" rtl="0" eaLnBrk="1" latinLnBrk="0" hangingPunct="1">
-      <a:defRPr sz="1200" kern="1200">
+    <a:lvl1pPr marL="0" algn="l" defTabSz="874532" rtl="0" eaLnBrk="1" latinLnBrk="0" hangingPunct="1">
+      <a:defRPr sz="1148" kern="1200">
         <a:solidFill>
           <a:schemeClr val="tx1"/>
         </a:solidFill>
@@ -381,8 +381,8 @@
         <a:cs typeface="+mn-cs"/>
       </a:defRPr>
     </a:lvl1pPr>
-    <a:lvl2pPr marL="457200" algn="l" defTabSz="914400" rtl="0" eaLnBrk="1" latinLnBrk="0" hangingPunct="1">
-      <a:defRPr sz="1200" kern="1200">
+    <a:lvl2pPr marL="437266" algn="l" defTabSz="874532" rtl="0" eaLnBrk="1" latinLnBrk="0" hangingPunct="1">
+      <a:defRPr sz="1148" kern="1200">
         <a:solidFill>
           <a:schemeClr val="tx1"/>
         </a:solidFill>
@@ -391,8 +391,8 @@
         <a:cs typeface="+mn-cs"/>
       </a:defRPr>
     </a:lvl2pPr>
-    <a:lvl3pPr marL="914400" algn="l" defTabSz="914400" rtl="0" eaLnBrk="1" latinLnBrk="0" hangingPunct="1">
-      <a:defRPr sz="1200" kern="1200">
+    <a:lvl3pPr marL="874532" algn="l" defTabSz="874532" rtl="0" eaLnBrk="1" latinLnBrk="0" hangingPunct="1">
+      <a:defRPr sz="1148" kern="1200">
         <a:solidFill>
           <a:schemeClr val="tx1"/>
         </a:solidFill>
@@ -401,8 +401,8 @@
         <a:cs typeface="+mn-cs"/>
       </a:defRPr>
     </a:lvl3pPr>
-    <a:lvl4pPr marL="1371600" algn="l" defTabSz="914400" rtl="0" eaLnBrk="1" latinLnBrk="0" hangingPunct="1">
-      <a:defRPr sz="1200" kern="1200">
+    <a:lvl4pPr marL="1311798" algn="l" defTabSz="874532" rtl="0" eaLnBrk="1" latinLnBrk="0" hangingPunct="1">
+      <a:defRPr sz="1148" kern="1200">
         <a:solidFill>
           <a:schemeClr val="tx1"/>
         </a:solidFill>
@@ -411,8 +411,8 @@
         <a:cs typeface="+mn-cs"/>
       </a:defRPr>
     </a:lvl4pPr>
-    <a:lvl5pPr marL="1828800" algn="l" defTabSz="914400" rtl="0" eaLnBrk="1" latinLnBrk="0" hangingPunct="1">
-      <a:defRPr sz="1200" kern="1200">
+    <a:lvl5pPr marL="1749064" algn="l" defTabSz="874532" rtl="0" eaLnBrk="1" latinLnBrk="0" hangingPunct="1">
+      <a:defRPr sz="1148" kern="1200">
         <a:solidFill>
           <a:schemeClr val="tx1"/>
         </a:solidFill>
@@ -421,8 +421,8 @@
         <a:cs typeface="+mn-cs"/>
       </a:defRPr>
     </a:lvl5pPr>
-    <a:lvl6pPr marL="2286000" algn="l" defTabSz="914400" rtl="0" eaLnBrk="1" latinLnBrk="0" hangingPunct="1">
-      <a:defRPr sz="1200" kern="1200">
+    <a:lvl6pPr marL="2186330" algn="l" defTabSz="874532" rtl="0" eaLnBrk="1" latinLnBrk="0" hangingPunct="1">
+      <a:defRPr sz="1148" kern="1200">
         <a:solidFill>
           <a:schemeClr val="tx1"/>
         </a:solidFill>
@@ -431,8 +431,8 @@
         <a:cs typeface="+mn-cs"/>
       </a:defRPr>
     </a:lvl6pPr>
-    <a:lvl7pPr marL="2743200" algn="l" defTabSz="914400" rtl="0" eaLnBrk="1" latinLnBrk="0" hangingPunct="1">
-      <a:defRPr sz="1200" kern="1200">
+    <a:lvl7pPr marL="2623596" algn="l" defTabSz="874532" rtl="0" eaLnBrk="1" latinLnBrk="0" hangingPunct="1">
+      <a:defRPr sz="1148" kern="1200">
         <a:solidFill>
           <a:schemeClr val="tx1"/>
         </a:solidFill>
@@ -441,8 +441,8 @@
         <a:cs typeface="+mn-cs"/>
       </a:defRPr>
     </a:lvl7pPr>
-    <a:lvl8pPr marL="3200400" algn="l" defTabSz="914400" rtl="0" eaLnBrk="1" latinLnBrk="0" hangingPunct="1">
-      <a:defRPr sz="1200" kern="1200">
+    <a:lvl8pPr marL="3060863" algn="l" defTabSz="874532" rtl="0" eaLnBrk="1" latinLnBrk="0" hangingPunct="1">
+      <a:defRPr sz="1148" kern="1200">
         <a:solidFill>
           <a:schemeClr val="tx1"/>
         </a:solidFill>
@@ -451,8 +451,8 @@
         <a:cs typeface="+mn-cs"/>
       </a:defRPr>
     </a:lvl8pPr>
-    <a:lvl9pPr marL="3657600" algn="l" defTabSz="914400" rtl="0" eaLnBrk="1" latinLnBrk="0" hangingPunct="1">
-      <a:defRPr sz="1200" kern="1200">
+    <a:lvl9pPr marL="3498129" algn="l" defTabSz="874532" rtl="0" eaLnBrk="1" latinLnBrk="0" hangingPunct="1">
+      <a:defRPr sz="1148" kern="1200">
         <a:solidFill>
           <a:schemeClr val="tx1"/>
         </a:solidFill>
@@ -494,8 +494,8 @@
         </p:nvSpPr>
         <p:spPr>
           <a:xfrm>
-            <a:off x="1160463" y="1143000"/>
-            <a:ext cx="4537075" cy="3086100"/>
+            <a:off x="979488" y="1143000"/>
+            <a:ext cx="4899025" cy="3086100"/>
           </a:xfrm>
         </p:spPr>
       </p:sp>
@@ -583,15 +583,15 @@
         </p:nvSpPr>
         <p:spPr>
           <a:xfrm>
-            <a:off x="756047" y="1122363"/>
-            <a:ext cx="8568531" cy="2387600"/>
+            <a:off x="1215033" y="1001553"/>
+            <a:ext cx="7290197" cy="2130602"/>
           </a:xfrm>
         </p:spPr>
         <p:txBody>
           <a:bodyPr anchor="b"/>
           <a:lstStyle>
             <a:lvl1pPr algn="ctr">
-              <a:defRPr sz="6000"/>
+              <a:defRPr sz="4784"/>
             </a:lvl1pPr>
           </a:lstStyle>
           <a:p>
@@ -615,8 +615,8 @@
         </p:nvSpPr>
         <p:spPr>
           <a:xfrm>
-            <a:off x="1260078" y="3602038"/>
-            <a:ext cx="7560469" cy="1655762"/>
+            <a:off x="1215033" y="3214319"/>
+            <a:ext cx="7290197" cy="1477538"/>
           </a:xfrm>
         </p:spPr>
         <p:txBody>
@@ -624,39 +624,39 @@
           <a:lstStyle>
             <a:lvl1pPr marL="0" indent="0" algn="ctr">
               <a:buNone/>
-              <a:defRPr sz="2400"/>
+              <a:defRPr sz="1914"/>
             </a:lvl1pPr>
-            <a:lvl2pPr marL="457200" indent="0" algn="ctr">
+            <a:lvl2pPr marL="364526" indent="0" algn="ctr">
               <a:buNone/>
-              <a:defRPr sz="2000"/>
+              <a:defRPr sz="1595"/>
             </a:lvl2pPr>
-            <a:lvl3pPr marL="914400" indent="0" algn="ctr">
+            <a:lvl3pPr marL="729051" indent="0" algn="ctr">
               <a:buNone/>
-              <a:defRPr sz="1800"/>
+              <a:defRPr sz="1435"/>
             </a:lvl3pPr>
-            <a:lvl4pPr marL="1371600" indent="0" algn="ctr">
+            <a:lvl4pPr marL="1093577" indent="0" algn="ctr">
               <a:buNone/>
-              <a:defRPr sz="1600"/>
+              <a:defRPr sz="1276"/>
             </a:lvl4pPr>
-            <a:lvl5pPr marL="1828800" indent="0" algn="ctr">
+            <a:lvl5pPr marL="1458102" indent="0" algn="ctr">
               <a:buNone/>
-              <a:defRPr sz="1600"/>
+              <a:defRPr sz="1276"/>
             </a:lvl5pPr>
-            <a:lvl6pPr marL="2286000" indent="0" algn="ctr">
+            <a:lvl6pPr marL="1822628" indent="0" algn="ctr">
               <a:buNone/>
-              <a:defRPr sz="1600"/>
+              <a:defRPr sz="1276"/>
             </a:lvl6pPr>
-            <a:lvl7pPr marL="2743200" indent="0" algn="ctr">
+            <a:lvl7pPr marL="2187153" indent="0" algn="ctr">
               <a:buNone/>
-              <a:defRPr sz="1600"/>
+              <a:defRPr sz="1276"/>
             </a:lvl7pPr>
-            <a:lvl8pPr marL="3200400" indent="0" algn="ctr">
+            <a:lvl8pPr marL="2551679" indent="0" algn="ctr">
               <a:buNone/>
-              <a:defRPr sz="1600"/>
+              <a:defRPr sz="1276"/>
             </a:lvl8pPr>
-            <a:lvl9pPr marL="3657600" indent="0" algn="ctr">
+            <a:lvl9pPr marL="2916204" indent="0" algn="ctr">
               <a:buNone/>
-              <a:defRPr sz="1600"/>
+              <a:defRPr sz="1276"/>
             </a:lvl9pPr>
           </a:lstStyle>
           <a:p>
@@ -685,7 +685,7 @@
           <a:p>
             <a:fld id="{859E5242-0199-2345-8FDD-CAC2E561CA3C}" type="datetimeFigureOut">
               <a:rPr lang="en-DE" smtClean="0"/>
-              <a:t>29.05.24</a:t>
+              <a:t>05.06.24</a:t>
             </a:fld>
             <a:endParaRPr lang="en-DE"/>
           </a:p>
@@ -736,7 +736,7 @@
     </p:spTree>
     <p:extLst>
       <p:ext uri="{BB962C8B-B14F-4D97-AF65-F5344CB8AC3E}">
-        <p14:creationId xmlns:p14="http://schemas.microsoft.com/office/powerpoint/2010/main" val="456039294"/>
+        <p14:creationId xmlns:p14="http://schemas.microsoft.com/office/powerpoint/2010/main" val="487991800"/>
       </p:ext>
     </p:extLst>
   </p:cSld>
@@ -855,7 +855,7 @@
           <a:p>
             <a:fld id="{859E5242-0199-2345-8FDD-CAC2E561CA3C}" type="datetimeFigureOut">
               <a:rPr lang="en-DE" smtClean="0"/>
-              <a:t>29.05.24</a:t>
+              <a:t>05.06.24</a:t>
             </a:fld>
             <a:endParaRPr lang="en-DE"/>
           </a:p>
@@ -906,7 +906,7 @@
     </p:spTree>
     <p:extLst>
       <p:ext uri="{BB962C8B-B14F-4D97-AF65-F5344CB8AC3E}">
-        <p14:creationId xmlns:p14="http://schemas.microsoft.com/office/powerpoint/2010/main" val="4225790934"/>
+        <p14:creationId xmlns:p14="http://schemas.microsoft.com/office/powerpoint/2010/main" val="2293222167"/>
       </p:ext>
     </p:extLst>
   </p:cSld>
@@ -945,8 +945,8 @@
         </p:nvSpPr>
         <p:spPr>
           <a:xfrm>
-            <a:off x="7213948" y="365125"/>
-            <a:ext cx="2173635" cy="5811838"/>
+            <a:off x="6956063" y="325823"/>
+            <a:ext cx="2095932" cy="5186259"/>
           </a:xfrm>
         </p:spPr>
         <p:txBody>
@@ -973,8 +973,8 @@
         </p:nvSpPr>
         <p:spPr>
           <a:xfrm>
-            <a:off x="693044" y="365125"/>
-            <a:ext cx="6394896" cy="5811838"/>
+            <a:off x="668268" y="325823"/>
+            <a:ext cx="6166292" cy="5186259"/>
           </a:xfrm>
         </p:spPr>
         <p:txBody>
@@ -1035,7 +1035,7 @@
           <a:p>
             <a:fld id="{859E5242-0199-2345-8FDD-CAC2E561CA3C}" type="datetimeFigureOut">
               <a:rPr lang="en-DE" smtClean="0"/>
-              <a:t>29.05.24</a:t>
+              <a:t>05.06.24</a:t>
             </a:fld>
             <a:endParaRPr lang="en-DE"/>
           </a:p>
@@ -1086,7 +1086,7 @@
     </p:spTree>
     <p:extLst>
       <p:ext uri="{BB962C8B-B14F-4D97-AF65-F5344CB8AC3E}">
-        <p14:creationId xmlns:p14="http://schemas.microsoft.com/office/powerpoint/2010/main" val="1584450818"/>
+        <p14:creationId xmlns:p14="http://schemas.microsoft.com/office/powerpoint/2010/main" val="1327281349"/>
       </p:ext>
     </p:extLst>
   </p:cSld>
@@ -1205,7 +1205,7 @@
           <a:p>
             <a:fld id="{859E5242-0199-2345-8FDD-CAC2E561CA3C}" type="datetimeFigureOut">
               <a:rPr lang="en-DE" smtClean="0"/>
-              <a:t>29.05.24</a:t>
+              <a:t>05.06.24</a:t>
             </a:fld>
             <a:endParaRPr lang="en-DE"/>
           </a:p>
@@ -1256,7 +1256,7 @@
     </p:spTree>
     <p:extLst>
       <p:ext uri="{BB962C8B-B14F-4D97-AF65-F5344CB8AC3E}">
-        <p14:creationId xmlns:p14="http://schemas.microsoft.com/office/powerpoint/2010/main" val="4076371"/>
+        <p14:creationId xmlns:p14="http://schemas.microsoft.com/office/powerpoint/2010/main" val="106639413"/>
       </p:ext>
     </p:extLst>
   </p:cSld>
@@ -1295,15 +1295,15 @@
         </p:nvSpPr>
         <p:spPr>
           <a:xfrm>
-            <a:off x="687793" y="1709740"/>
-            <a:ext cx="8694539" cy="2852737"/>
+            <a:off x="663205" y="1525704"/>
+            <a:ext cx="8383727" cy="2545672"/>
           </a:xfrm>
         </p:spPr>
         <p:txBody>
           <a:bodyPr anchor="b"/>
           <a:lstStyle>
             <a:lvl1pPr>
-              <a:defRPr sz="6000"/>
+              <a:defRPr sz="4784"/>
             </a:lvl1pPr>
           </a:lstStyle>
           <a:p>
@@ -1327,8 +1327,8 @@
         </p:nvSpPr>
         <p:spPr>
           <a:xfrm>
-            <a:off x="687793" y="4589465"/>
-            <a:ext cx="8694539" cy="1500187"/>
+            <a:off x="663205" y="4095459"/>
+            <a:ext cx="8383727" cy="1338709"/>
           </a:xfrm>
         </p:spPr>
         <p:txBody>
@@ -1336,7 +1336,7 @@
           <a:lstStyle>
             <a:lvl1pPr marL="0" indent="0">
               <a:buNone/>
-              <a:defRPr sz="2400">
+              <a:defRPr sz="1914">
                 <a:solidFill>
                   <a:schemeClr val="tx1">
                     <a:tint val="82000"/>
@@ -1344,9 +1344,9 @@
                 </a:solidFill>
               </a:defRPr>
             </a:lvl1pPr>
-            <a:lvl2pPr marL="457200" indent="0">
+            <a:lvl2pPr marL="364526" indent="0">
               <a:buNone/>
-              <a:defRPr sz="2000">
+              <a:defRPr sz="1595">
                 <a:solidFill>
                   <a:schemeClr val="tx1">
                     <a:tint val="82000"/>
@@ -1354,9 +1354,9 @@
                 </a:solidFill>
               </a:defRPr>
             </a:lvl2pPr>
-            <a:lvl3pPr marL="914400" indent="0">
+            <a:lvl3pPr marL="729051" indent="0">
               <a:buNone/>
-              <a:defRPr sz="1800">
+              <a:defRPr sz="1435">
                 <a:solidFill>
                   <a:schemeClr val="tx1">
                     <a:tint val="82000"/>
@@ -1364,9 +1364,9 @@
                 </a:solidFill>
               </a:defRPr>
             </a:lvl3pPr>
-            <a:lvl4pPr marL="1371600" indent="0">
+            <a:lvl4pPr marL="1093577" indent="0">
               <a:buNone/>
-              <a:defRPr sz="1600">
+              <a:defRPr sz="1276">
                 <a:solidFill>
                   <a:schemeClr val="tx1">
                     <a:tint val="82000"/>
@@ -1374,9 +1374,9 @@
                 </a:solidFill>
               </a:defRPr>
             </a:lvl4pPr>
-            <a:lvl5pPr marL="1828800" indent="0">
+            <a:lvl5pPr marL="1458102" indent="0">
               <a:buNone/>
-              <a:defRPr sz="1600">
+              <a:defRPr sz="1276">
                 <a:solidFill>
                   <a:schemeClr val="tx1">
                     <a:tint val="82000"/>
@@ -1384,9 +1384,9 @@
                 </a:solidFill>
               </a:defRPr>
             </a:lvl5pPr>
-            <a:lvl6pPr marL="2286000" indent="0">
+            <a:lvl6pPr marL="1822628" indent="0">
               <a:buNone/>
-              <a:defRPr sz="1600">
+              <a:defRPr sz="1276">
                 <a:solidFill>
                   <a:schemeClr val="tx1">
                     <a:tint val="82000"/>
@@ -1394,9 +1394,9 @@
                 </a:solidFill>
               </a:defRPr>
             </a:lvl6pPr>
-            <a:lvl7pPr marL="2743200" indent="0">
+            <a:lvl7pPr marL="2187153" indent="0">
               <a:buNone/>
-              <a:defRPr sz="1600">
+              <a:defRPr sz="1276">
                 <a:solidFill>
                   <a:schemeClr val="tx1">
                     <a:tint val="82000"/>
@@ -1404,9 +1404,9 @@
                 </a:solidFill>
               </a:defRPr>
             </a:lvl7pPr>
-            <a:lvl8pPr marL="3200400" indent="0">
+            <a:lvl8pPr marL="2551679" indent="0">
               <a:buNone/>
-              <a:defRPr sz="1600">
+              <a:defRPr sz="1276">
                 <a:solidFill>
                   <a:schemeClr val="tx1">
                     <a:tint val="82000"/>
@@ -1414,9 +1414,9 @@
                 </a:solidFill>
               </a:defRPr>
             </a:lvl8pPr>
-            <a:lvl9pPr marL="3657600" indent="0">
+            <a:lvl9pPr marL="2916204" indent="0">
               <a:buNone/>
-              <a:defRPr sz="1600">
+              <a:defRPr sz="1276">
                 <a:solidFill>
                   <a:schemeClr val="tx1">
                     <a:tint val="82000"/>
@@ -1451,7 +1451,7 @@
           <a:p>
             <a:fld id="{859E5242-0199-2345-8FDD-CAC2E561CA3C}" type="datetimeFigureOut">
               <a:rPr lang="en-DE" smtClean="0"/>
-              <a:t>29.05.24</a:t>
+              <a:t>05.06.24</a:t>
             </a:fld>
             <a:endParaRPr lang="en-DE"/>
           </a:p>
@@ -1502,7 +1502,7 @@
     </p:spTree>
     <p:extLst>
       <p:ext uri="{BB962C8B-B14F-4D97-AF65-F5344CB8AC3E}">
-        <p14:creationId xmlns:p14="http://schemas.microsoft.com/office/powerpoint/2010/main" val="66800951"/>
+        <p14:creationId xmlns:p14="http://schemas.microsoft.com/office/powerpoint/2010/main" val="3135465667"/>
       </p:ext>
     </p:extLst>
   </p:cSld>
@@ -1564,8 +1564,8 @@
         </p:nvSpPr>
         <p:spPr>
           <a:xfrm>
-            <a:off x="693043" y="1825625"/>
-            <a:ext cx="4284266" cy="4351338"/>
+            <a:off x="668268" y="1629117"/>
+            <a:ext cx="4131112" cy="3882965"/>
           </a:xfrm>
         </p:spPr>
         <p:txBody>
@@ -1621,8 +1621,8 @@
         </p:nvSpPr>
         <p:spPr>
           <a:xfrm>
-            <a:off x="5103316" y="1825625"/>
-            <a:ext cx="4284266" cy="4351338"/>
+            <a:off x="4920883" y="1629117"/>
+            <a:ext cx="4131112" cy="3882965"/>
           </a:xfrm>
         </p:spPr>
         <p:txBody>
@@ -1683,7 +1683,7 @@
           <a:p>
             <a:fld id="{859E5242-0199-2345-8FDD-CAC2E561CA3C}" type="datetimeFigureOut">
               <a:rPr lang="en-DE" smtClean="0"/>
-              <a:t>29.05.24</a:t>
+              <a:t>05.06.24</a:t>
             </a:fld>
             <a:endParaRPr lang="en-DE"/>
           </a:p>
@@ -1734,7 +1734,7 @@
     </p:spTree>
     <p:extLst>
       <p:ext uri="{BB962C8B-B14F-4D97-AF65-F5344CB8AC3E}">
-        <p14:creationId xmlns:p14="http://schemas.microsoft.com/office/powerpoint/2010/main" val="3650065974"/>
+        <p14:creationId xmlns:p14="http://schemas.microsoft.com/office/powerpoint/2010/main" val="2616608301"/>
       </p:ext>
     </p:extLst>
   </p:cSld>
@@ -1773,8 +1773,8 @@
         </p:nvSpPr>
         <p:spPr>
           <a:xfrm>
-            <a:off x="694356" y="365126"/>
-            <a:ext cx="8694539" cy="1325563"/>
+            <a:off x="669534" y="325824"/>
+            <a:ext cx="8383727" cy="1182881"/>
           </a:xfrm>
         </p:spPr>
         <p:txBody>
@@ -1801,8 +1801,8 @@
         </p:nvSpPr>
         <p:spPr>
           <a:xfrm>
-            <a:off x="694357" y="1681163"/>
-            <a:ext cx="4264576" cy="823912"/>
+            <a:off x="669535" y="1500205"/>
+            <a:ext cx="4112126" cy="735227"/>
           </a:xfrm>
         </p:spPr>
         <p:txBody>
@@ -1810,39 +1810,39 @@
           <a:lstStyle>
             <a:lvl1pPr marL="0" indent="0">
               <a:buNone/>
-              <a:defRPr sz="2400" b="1"/>
+              <a:defRPr sz="1914" b="1"/>
             </a:lvl1pPr>
-            <a:lvl2pPr marL="457200" indent="0">
+            <a:lvl2pPr marL="364526" indent="0">
               <a:buNone/>
-              <a:defRPr sz="2000" b="1"/>
+              <a:defRPr sz="1595" b="1"/>
             </a:lvl2pPr>
-            <a:lvl3pPr marL="914400" indent="0">
+            <a:lvl3pPr marL="729051" indent="0">
               <a:buNone/>
-              <a:defRPr sz="1800" b="1"/>
+              <a:defRPr sz="1435" b="1"/>
             </a:lvl3pPr>
-            <a:lvl4pPr marL="1371600" indent="0">
+            <a:lvl4pPr marL="1093577" indent="0">
               <a:buNone/>
-              <a:defRPr sz="1600" b="1"/>
+              <a:defRPr sz="1276" b="1"/>
             </a:lvl4pPr>
-            <a:lvl5pPr marL="1828800" indent="0">
+            <a:lvl5pPr marL="1458102" indent="0">
               <a:buNone/>
-              <a:defRPr sz="1600" b="1"/>
+              <a:defRPr sz="1276" b="1"/>
             </a:lvl5pPr>
-            <a:lvl6pPr marL="2286000" indent="0">
+            <a:lvl6pPr marL="1822628" indent="0">
               <a:buNone/>
-              <a:defRPr sz="1600" b="1"/>
+              <a:defRPr sz="1276" b="1"/>
             </a:lvl6pPr>
-            <a:lvl7pPr marL="2743200" indent="0">
+            <a:lvl7pPr marL="2187153" indent="0">
               <a:buNone/>
-              <a:defRPr sz="1600" b="1"/>
+              <a:defRPr sz="1276" b="1"/>
             </a:lvl7pPr>
-            <a:lvl8pPr marL="3200400" indent="0">
+            <a:lvl8pPr marL="2551679" indent="0">
               <a:buNone/>
-              <a:defRPr sz="1600" b="1"/>
+              <a:defRPr sz="1276" b="1"/>
             </a:lvl8pPr>
-            <a:lvl9pPr marL="3657600" indent="0">
+            <a:lvl9pPr marL="2916204" indent="0">
               <a:buNone/>
-              <a:defRPr sz="1600" b="1"/>
+              <a:defRPr sz="1276" b="1"/>
             </a:lvl9pPr>
           </a:lstStyle>
           <a:p>
@@ -1866,8 +1866,8 @@
         </p:nvSpPr>
         <p:spPr>
           <a:xfrm>
-            <a:off x="694357" y="2505075"/>
-            <a:ext cx="4264576" cy="3684588"/>
+            <a:off x="669535" y="2235432"/>
+            <a:ext cx="4112126" cy="3287983"/>
           </a:xfrm>
         </p:spPr>
         <p:txBody>
@@ -1923,8 +1923,8 @@
         </p:nvSpPr>
         <p:spPr>
           <a:xfrm>
-            <a:off x="5103317" y="1681163"/>
-            <a:ext cx="4285579" cy="823912"/>
+            <a:off x="4920883" y="1500205"/>
+            <a:ext cx="4132378" cy="735227"/>
           </a:xfrm>
         </p:spPr>
         <p:txBody>
@@ -1932,39 +1932,39 @@
           <a:lstStyle>
             <a:lvl1pPr marL="0" indent="0">
               <a:buNone/>
-              <a:defRPr sz="2400" b="1"/>
+              <a:defRPr sz="1914" b="1"/>
             </a:lvl1pPr>
-            <a:lvl2pPr marL="457200" indent="0">
+            <a:lvl2pPr marL="364526" indent="0">
               <a:buNone/>
-              <a:defRPr sz="2000" b="1"/>
+              <a:defRPr sz="1595" b="1"/>
             </a:lvl2pPr>
-            <a:lvl3pPr marL="914400" indent="0">
+            <a:lvl3pPr marL="729051" indent="0">
               <a:buNone/>
-              <a:defRPr sz="1800" b="1"/>
+              <a:defRPr sz="1435" b="1"/>
             </a:lvl3pPr>
-            <a:lvl4pPr marL="1371600" indent="0">
+            <a:lvl4pPr marL="1093577" indent="0">
               <a:buNone/>
-              <a:defRPr sz="1600" b="1"/>
+              <a:defRPr sz="1276" b="1"/>
             </a:lvl4pPr>
-            <a:lvl5pPr marL="1828800" indent="0">
+            <a:lvl5pPr marL="1458102" indent="0">
               <a:buNone/>
-              <a:defRPr sz="1600" b="1"/>
+              <a:defRPr sz="1276" b="1"/>
             </a:lvl5pPr>
-            <a:lvl6pPr marL="2286000" indent="0">
+            <a:lvl6pPr marL="1822628" indent="0">
               <a:buNone/>
-              <a:defRPr sz="1600" b="1"/>
+              <a:defRPr sz="1276" b="1"/>
             </a:lvl6pPr>
-            <a:lvl7pPr marL="2743200" indent="0">
+            <a:lvl7pPr marL="2187153" indent="0">
               <a:buNone/>
-              <a:defRPr sz="1600" b="1"/>
+              <a:defRPr sz="1276" b="1"/>
             </a:lvl7pPr>
-            <a:lvl8pPr marL="3200400" indent="0">
+            <a:lvl8pPr marL="2551679" indent="0">
               <a:buNone/>
-              <a:defRPr sz="1600" b="1"/>
+              <a:defRPr sz="1276" b="1"/>
             </a:lvl8pPr>
-            <a:lvl9pPr marL="3657600" indent="0">
+            <a:lvl9pPr marL="2916204" indent="0">
               <a:buNone/>
-              <a:defRPr sz="1600" b="1"/>
+              <a:defRPr sz="1276" b="1"/>
             </a:lvl9pPr>
           </a:lstStyle>
           <a:p>
@@ -1988,8 +1988,8 @@
         </p:nvSpPr>
         <p:spPr>
           <a:xfrm>
-            <a:off x="5103317" y="2505075"/>
-            <a:ext cx="4285579" cy="3684588"/>
+            <a:off x="4920883" y="2235432"/>
+            <a:ext cx="4132378" cy="3287983"/>
           </a:xfrm>
         </p:spPr>
         <p:txBody>
@@ -2050,7 +2050,7 @@
           <a:p>
             <a:fld id="{859E5242-0199-2345-8FDD-CAC2E561CA3C}" type="datetimeFigureOut">
               <a:rPr lang="en-DE" smtClean="0"/>
-              <a:t>29.05.24</a:t>
+              <a:t>05.06.24</a:t>
             </a:fld>
             <a:endParaRPr lang="en-DE"/>
           </a:p>
@@ -2101,7 +2101,7 @@
     </p:spTree>
     <p:extLst>
       <p:ext uri="{BB962C8B-B14F-4D97-AF65-F5344CB8AC3E}">
-        <p14:creationId xmlns:p14="http://schemas.microsoft.com/office/powerpoint/2010/main" val="2495611657"/>
+        <p14:creationId xmlns:p14="http://schemas.microsoft.com/office/powerpoint/2010/main" val="1203464360"/>
       </p:ext>
     </p:extLst>
   </p:cSld>
@@ -2168,7 +2168,7 @@
           <a:p>
             <a:fld id="{859E5242-0199-2345-8FDD-CAC2E561CA3C}" type="datetimeFigureOut">
               <a:rPr lang="en-DE" smtClean="0"/>
-              <a:t>29.05.24</a:t>
+              <a:t>05.06.24</a:t>
             </a:fld>
             <a:endParaRPr lang="en-DE"/>
           </a:p>
@@ -2219,7 +2219,7 @@
     </p:spTree>
     <p:extLst>
       <p:ext uri="{BB962C8B-B14F-4D97-AF65-F5344CB8AC3E}">
-        <p14:creationId xmlns:p14="http://schemas.microsoft.com/office/powerpoint/2010/main" val="1844061654"/>
+        <p14:creationId xmlns:p14="http://schemas.microsoft.com/office/powerpoint/2010/main" val="982722155"/>
       </p:ext>
     </p:extLst>
   </p:cSld>
@@ -2263,7 +2263,7 @@
           <a:p>
             <a:fld id="{859E5242-0199-2345-8FDD-CAC2E561CA3C}" type="datetimeFigureOut">
               <a:rPr lang="en-DE" smtClean="0"/>
-              <a:t>29.05.24</a:t>
+              <a:t>05.06.24</a:t>
             </a:fld>
             <a:endParaRPr lang="en-DE"/>
           </a:p>
@@ -2314,7 +2314,7 @@
     </p:spTree>
     <p:extLst>
       <p:ext uri="{BB962C8B-B14F-4D97-AF65-F5344CB8AC3E}">
-        <p14:creationId xmlns:p14="http://schemas.microsoft.com/office/powerpoint/2010/main" val="1624047180"/>
+        <p14:creationId xmlns:p14="http://schemas.microsoft.com/office/powerpoint/2010/main" val="267305539"/>
       </p:ext>
     </p:extLst>
   </p:cSld>
@@ -2353,15 +2353,15 @@
         </p:nvSpPr>
         <p:spPr>
           <a:xfrm>
-            <a:off x="694356" y="457200"/>
-            <a:ext cx="3251264" cy="1600200"/>
+            <a:off x="669534" y="407988"/>
+            <a:ext cx="3135038" cy="1427956"/>
           </a:xfrm>
         </p:spPr>
         <p:txBody>
           <a:bodyPr anchor="b"/>
           <a:lstStyle>
             <a:lvl1pPr>
-              <a:defRPr sz="3200"/>
+              <a:defRPr sz="2551"/>
             </a:lvl1pPr>
           </a:lstStyle>
           <a:p>
@@ -2385,39 +2385,39 @@
         </p:nvSpPr>
         <p:spPr>
           <a:xfrm>
-            <a:off x="4285579" y="987426"/>
-            <a:ext cx="5103316" cy="4873625"/>
+            <a:off x="4132378" y="881140"/>
+            <a:ext cx="4920883" cy="4349034"/>
           </a:xfrm>
         </p:spPr>
         <p:txBody>
           <a:bodyPr/>
           <a:lstStyle>
             <a:lvl1pPr>
-              <a:defRPr sz="3200"/>
+              <a:defRPr sz="2551"/>
             </a:lvl1pPr>
             <a:lvl2pPr>
-              <a:defRPr sz="2800"/>
+              <a:defRPr sz="2232"/>
             </a:lvl2pPr>
             <a:lvl3pPr>
-              <a:defRPr sz="2400"/>
+              <a:defRPr sz="1914"/>
             </a:lvl3pPr>
             <a:lvl4pPr>
-              <a:defRPr sz="2000"/>
+              <a:defRPr sz="1595"/>
             </a:lvl4pPr>
             <a:lvl5pPr>
-              <a:defRPr sz="2000"/>
+              <a:defRPr sz="1595"/>
             </a:lvl5pPr>
             <a:lvl6pPr>
-              <a:defRPr sz="2000"/>
+              <a:defRPr sz="1595"/>
             </a:lvl6pPr>
             <a:lvl7pPr>
-              <a:defRPr sz="2000"/>
+              <a:defRPr sz="1595"/>
             </a:lvl7pPr>
             <a:lvl8pPr>
-              <a:defRPr sz="2000"/>
+              <a:defRPr sz="1595"/>
             </a:lvl8pPr>
             <a:lvl9pPr>
-              <a:defRPr sz="2000"/>
+              <a:defRPr sz="1595"/>
             </a:lvl9pPr>
           </a:lstStyle>
           <a:p>
@@ -2470,8 +2470,8 @@
         </p:nvSpPr>
         <p:spPr>
           <a:xfrm>
-            <a:off x="694356" y="2057400"/>
-            <a:ext cx="3251264" cy="3811588"/>
+            <a:off x="669534" y="1835944"/>
+            <a:ext cx="3135038" cy="3401313"/>
           </a:xfrm>
         </p:spPr>
         <p:txBody>
@@ -2479,39 +2479,39 @@
           <a:lstStyle>
             <a:lvl1pPr marL="0" indent="0">
               <a:buNone/>
-              <a:defRPr sz="1600"/>
+              <a:defRPr sz="1276"/>
             </a:lvl1pPr>
-            <a:lvl2pPr marL="457200" indent="0">
+            <a:lvl2pPr marL="364526" indent="0">
               <a:buNone/>
-              <a:defRPr sz="1400"/>
+              <a:defRPr sz="1116"/>
             </a:lvl2pPr>
-            <a:lvl3pPr marL="914400" indent="0">
+            <a:lvl3pPr marL="729051" indent="0">
               <a:buNone/>
-              <a:defRPr sz="1200"/>
+              <a:defRPr sz="957"/>
             </a:lvl3pPr>
-            <a:lvl4pPr marL="1371600" indent="0">
+            <a:lvl4pPr marL="1093577" indent="0">
               <a:buNone/>
-              <a:defRPr sz="1000"/>
+              <a:defRPr sz="797"/>
             </a:lvl4pPr>
-            <a:lvl5pPr marL="1828800" indent="0">
+            <a:lvl5pPr marL="1458102" indent="0">
               <a:buNone/>
-              <a:defRPr sz="1000"/>
+              <a:defRPr sz="797"/>
             </a:lvl5pPr>
-            <a:lvl6pPr marL="2286000" indent="0">
+            <a:lvl6pPr marL="1822628" indent="0">
               <a:buNone/>
-              <a:defRPr sz="1000"/>
+              <a:defRPr sz="797"/>
             </a:lvl6pPr>
-            <a:lvl7pPr marL="2743200" indent="0">
+            <a:lvl7pPr marL="2187153" indent="0">
               <a:buNone/>
-              <a:defRPr sz="1000"/>
+              <a:defRPr sz="797"/>
             </a:lvl7pPr>
-            <a:lvl8pPr marL="3200400" indent="0">
+            <a:lvl8pPr marL="2551679" indent="0">
               <a:buNone/>
-              <a:defRPr sz="1000"/>
+              <a:defRPr sz="797"/>
             </a:lvl8pPr>
-            <a:lvl9pPr marL="3657600" indent="0">
+            <a:lvl9pPr marL="2916204" indent="0">
               <a:buNone/>
-              <a:defRPr sz="1000"/>
+              <a:defRPr sz="797"/>
             </a:lvl9pPr>
           </a:lstStyle>
           <a:p>
@@ -2540,7 +2540,7 @@
           <a:p>
             <a:fld id="{859E5242-0199-2345-8FDD-CAC2E561CA3C}" type="datetimeFigureOut">
               <a:rPr lang="en-DE" smtClean="0"/>
-              <a:t>29.05.24</a:t>
+              <a:t>05.06.24</a:t>
             </a:fld>
             <a:endParaRPr lang="en-DE"/>
           </a:p>
@@ -2591,7 +2591,7 @@
     </p:spTree>
     <p:extLst>
       <p:ext uri="{BB962C8B-B14F-4D97-AF65-F5344CB8AC3E}">
-        <p14:creationId xmlns:p14="http://schemas.microsoft.com/office/powerpoint/2010/main" val="683690241"/>
+        <p14:creationId xmlns:p14="http://schemas.microsoft.com/office/powerpoint/2010/main" val="2129733150"/>
       </p:ext>
     </p:extLst>
   </p:cSld>
@@ -2630,15 +2630,15 @@
         </p:nvSpPr>
         <p:spPr>
           <a:xfrm>
-            <a:off x="694356" y="457200"/>
-            <a:ext cx="3251264" cy="1600200"/>
+            <a:off x="669534" y="407988"/>
+            <a:ext cx="3135038" cy="1427956"/>
           </a:xfrm>
         </p:spPr>
         <p:txBody>
           <a:bodyPr anchor="b"/>
           <a:lstStyle>
             <a:lvl1pPr>
-              <a:defRPr sz="3200"/>
+              <a:defRPr sz="2551"/>
             </a:lvl1pPr>
           </a:lstStyle>
           <a:p>
@@ -2662,8 +2662,8 @@
         </p:nvSpPr>
         <p:spPr>
           <a:xfrm>
-            <a:off x="4285579" y="987426"/>
-            <a:ext cx="5103316" cy="4873625"/>
+            <a:off x="4132378" y="881140"/>
+            <a:ext cx="4920883" cy="4349034"/>
           </a:xfrm>
         </p:spPr>
         <p:txBody>
@@ -2671,39 +2671,39 @@
           <a:lstStyle>
             <a:lvl1pPr marL="0" indent="0">
               <a:buNone/>
-              <a:defRPr sz="3200"/>
+              <a:defRPr sz="2551"/>
             </a:lvl1pPr>
-            <a:lvl2pPr marL="457200" indent="0">
+            <a:lvl2pPr marL="364526" indent="0">
               <a:buNone/>
-              <a:defRPr sz="2800"/>
+              <a:defRPr sz="2232"/>
             </a:lvl2pPr>
-            <a:lvl3pPr marL="914400" indent="0">
+            <a:lvl3pPr marL="729051" indent="0">
               <a:buNone/>
-              <a:defRPr sz="2400"/>
+              <a:defRPr sz="1914"/>
             </a:lvl3pPr>
-            <a:lvl4pPr marL="1371600" indent="0">
+            <a:lvl4pPr marL="1093577" indent="0">
               <a:buNone/>
-              <a:defRPr sz="2000"/>
+              <a:defRPr sz="1595"/>
             </a:lvl4pPr>
-            <a:lvl5pPr marL="1828800" indent="0">
+            <a:lvl5pPr marL="1458102" indent="0">
               <a:buNone/>
-              <a:defRPr sz="2000"/>
+              <a:defRPr sz="1595"/>
             </a:lvl5pPr>
-            <a:lvl6pPr marL="2286000" indent="0">
+            <a:lvl6pPr marL="1822628" indent="0">
               <a:buNone/>
-              <a:defRPr sz="2000"/>
+              <a:defRPr sz="1595"/>
             </a:lvl6pPr>
-            <a:lvl7pPr marL="2743200" indent="0">
+            <a:lvl7pPr marL="2187153" indent="0">
               <a:buNone/>
-              <a:defRPr sz="2000"/>
+              <a:defRPr sz="1595"/>
             </a:lvl7pPr>
-            <a:lvl8pPr marL="3200400" indent="0">
+            <a:lvl8pPr marL="2551679" indent="0">
               <a:buNone/>
-              <a:defRPr sz="2000"/>
+              <a:defRPr sz="1595"/>
             </a:lvl8pPr>
-            <a:lvl9pPr marL="3657600" indent="0">
+            <a:lvl9pPr marL="2916204" indent="0">
               <a:buNone/>
-              <a:defRPr sz="2000"/>
+              <a:defRPr sz="1595"/>
             </a:lvl9pPr>
           </a:lstStyle>
           <a:p>
@@ -2727,8 +2727,8 @@
         </p:nvSpPr>
         <p:spPr>
           <a:xfrm>
-            <a:off x="694356" y="2057400"/>
-            <a:ext cx="3251264" cy="3811588"/>
+            <a:off x="669534" y="1835944"/>
+            <a:ext cx="3135038" cy="3401313"/>
           </a:xfrm>
         </p:spPr>
         <p:txBody>
@@ -2736,39 +2736,39 @@
           <a:lstStyle>
             <a:lvl1pPr marL="0" indent="0">
               <a:buNone/>
-              <a:defRPr sz="1600"/>
+              <a:defRPr sz="1276"/>
             </a:lvl1pPr>
-            <a:lvl2pPr marL="457200" indent="0">
+            <a:lvl2pPr marL="364526" indent="0">
               <a:buNone/>
-              <a:defRPr sz="1400"/>
+              <a:defRPr sz="1116"/>
             </a:lvl2pPr>
-            <a:lvl3pPr marL="914400" indent="0">
+            <a:lvl3pPr marL="729051" indent="0">
               <a:buNone/>
-              <a:defRPr sz="1200"/>
+              <a:defRPr sz="957"/>
             </a:lvl3pPr>
-            <a:lvl4pPr marL="1371600" indent="0">
+            <a:lvl4pPr marL="1093577" indent="0">
               <a:buNone/>
-              <a:defRPr sz="1000"/>
+              <a:defRPr sz="797"/>
             </a:lvl4pPr>
-            <a:lvl5pPr marL="1828800" indent="0">
+            <a:lvl5pPr marL="1458102" indent="0">
               <a:buNone/>
-              <a:defRPr sz="1000"/>
+              <a:defRPr sz="797"/>
             </a:lvl5pPr>
-            <a:lvl6pPr marL="2286000" indent="0">
+            <a:lvl6pPr marL="1822628" indent="0">
               <a:buNone/>
-              <a:defRPr sz="1000"/>
+              <a:defRPr sz="797"/>
             </a:lvl6pPr>
-            <a:lvl7pPr marL="2743200" indent="0">
+            <a:lvl7pPr marL="2187153" indent="0">
               <a:buNone/>
-              <a:defRPr sz="1000"/>
+              <a:defRPr sz="797"/>
             </a:lvl7pPr>
-            <a:lvl8pPr marL="3200400" indent="0">
+            <a:lvl8pPr marL="2551679" indent="0">
               <a:buNone/>
-              <a:defRPr sz="1000"/>
+              <a:defRPr sz="797"/>
             </a:lvl8pPr>
-            <a:lvl9pPr marL="3657600" indent="0">
+            <a:lvl9pPr marL="2916204" indent="0">
               <a:buNone/>
-              <a:defRPr sz="1000"/>
+              <a:defRPr sz="797"/>
             </a:lvl9pPr>
           </a:lstStyle>
           <a:p>
@@ -2797,7 +2797,7 @@
           <a:p>
             <a:fld id="{859E5242-0199-2345-8FDD-CAC2E561CA3C}" type="datetimeFigureOut">
               <a:rPr lang="en-DE" smtClean="0"/>
-              <a:t>29.05.24</a:t>
+              <a:t>05.06.24</a:t>
             </a:fld>
             <a:endParaRPr lang="en-DE"/>
           </a:p>
@@ -2848,7 +2848,7 @@
     </p:spTree>
     <p:extLst>
       <p:ext uri="{BB962C8B-B14F-4D97-AF65-F5344CB8AC3E}">
-        <p14:creationId xmlns:p14="http://schemas.microsoft.com/office/powerpoint/2010/main" val="1524421441"/>
+        <p14:creationId xmlns:p14="http://schemas.microsoft.com/office/powerpoint/2010/main" val="1311069824"/>
       </p:ext>
     </p:extLst>
   </p:cSld>
@@ -2892,8 +2892,8 @@
         </p:nvSpPr>
         <p:spPr>
           <a:xfrm>
-            <a:off x="693043" y="365126"/>
-            <a:ext cx="8694539" cy="1325563"/>
+            <a:off x="668268" y="325824"/>
+            <a:ext cx="8383727" cy="1182881"/>
           </a:xfrm>
           <a:prstGeom prst="rect">
             <a:avLst/>
@@ -2925,8 +2925,8 @@
         </p:nvSpPr>
         <p:spPr>
           <a:xfrm>
-            <a:off x="693043" y="1825625"/>
-            <a:ext cx="8694539" cy="4351338"/>
+            <a:off x="668268" y="1629117"/>
+            <a:ext cx="8383727" cy="3882965"/>
           </a:xfrm>
           <a:prstGeom prst="rect">
             <a:avLst/>
@@ -2987,8 +2987,8 @@
         </p:nvSpPr>
         <p:spPr>
           <a:xfrm>
-            <a:off x="693043" y="6356352"/>
-            <a:ext cx="2268141" cy="365125"/>
+            <a:off x="668268" y="5672161"/>
+            <a:ext cx="2187059" cy="325823"/>
           </a:xfrm>
           <a:prstGeom prst="rect">
             <a:avLst/>
@@ -2998,7 +2998,7 @@
           <a:bodyPr vert="horz" lIns="91440" tIns="45720" rIns="91440" bIns="45720" rtlCol="0" anchor="ctr"/>
           <a:lstStyle>
             <a:lvl1pPr algn="l">
-              <a:defRPr sz="1200">
+              <a:defRPr sz="957">
                 <a:solidFill>
                   <a:schemeClr val="tx1">
                     <a:tint val="82000"/>
@@ -3010,7 +3010,7 @@
           <a:p>
             <a:fld id="{859E5242-0199-2345-8FDD-CAC2E561CA3C}" type="datetimeFigureOut">
               <a:rPr lang="en-DE" smtClean="0"/>
-              <a:t>29.05.24</a:t>
+              <a:t>05.06.24</a:t>
             </a:fld>
             <a:endParaRPr lang="en-DE"/>
           </a:p>
@@ -3028,8 +3028,8 @@
         </p:nvSpPr>
         <p:spPr>
           <a:xfrm>
-            <a:off x="3339207" y="6356352"/>
-            <a:ext cx="3402211" cy="365125"/>
+            <a:off x="3219837" y="5672161"/>
+            <a:ext cx="3280589" cy="325823"/>
           </a:xfrm>
           <a:prstGeom prst="rect">
             <a:avLst/>
@@ -3039,7 +3039,7 @@
           <a:bodyPr vert="horz" lIns="91440" tIns="45720" rIns="91440" bIns="45720" rtlCol="0" anchor="ctr"/>
           <a:lstStyle>
             <a:lvl1pPr algn="ctr">
-              <a:defRPr sz="1200">
+              <a:defRPr sz="957">
                 <a:solidFill>
                   <a:schemeClr val="tx1">
                     <a:tint val="82000"/>
@@ -3065,8 +3065,8 @@
         </p:nvSpPr>
         <p:spPr>
           <a:xfrm>
-            <a:off x="7119441" y="6356352"/>
-            <a:ext cx="2268141" cy="365125"/>
+            <a:off x="6864936" y="5672161"/>
+            <a:ext cx="2187059" cy="325823"/>
           </a:xfrm>
           <a:prstGeom prst="rect">
             <a:avLst/>
@@ -3076,7 +3076,7 @@
           <a:bodyPr vert="horz" lIns="91440" tIns="45720" rIns="91440" bIns="45720" rtlCol="0" anchor="ctr"/>
           <a:lstStyle>
             <a:lvl1pPr algn="r">
-              <a:defRPr sz="1200">
+              <a:defRPr sz="957">
                 <a:solidFill>
                   <a:schemeClr val="tx1">
                     <a:tint val="82000"/>
@@ -3097,27 +3097,27 @@
     </p:spTree>
     <p:extLst>
       <p:ext uri="{BB962C8B-B14F-4D97-AF65-F5344CB8AC3E}">
-        <p14:creationId xmlns:p14="http://schemas.microsoft.com/office/powerpoint/2010/main" val="2963889970"/>
+        <p14:creationId xmlns:p14="http://schemas.microsoft.com/office/powerpoint/2010/main" val="1562615891"/>
       </p:ext>
     </p:extLst>
   </p:cSld>
   <p:clrMap bg1="lt1" tx1="dk1" bg2="lt2" tx2="dk2" accent1="accent1" accent2="accent2" accent3="accent3" accent4="accent4" accent5="accent5" accent6="accent6" hlink="hlink" folHlink="folHlink"/>
   <p:sldLayoutIdLst>
-    <p:sldLayoutId id="2147483685" r:id="rId1"/>
-    <p:sldLayoutId id="2147483686" r:id="rId2"/>
-    <p:sldLayoutId id="2147483687" r:id="rId3"/>
-    <p:sldLayoutId id="2147483688" r:id="rId4"/>
-    <p:sldLayoutId id="2147483689" r:id="rId5"/>
-    <p:sldLayoutId id="2147483690" r:id="rId6"/>
-    <p:sldLayoutId id="2147483691" r:id="rId7"/>
-    <p:sldLayoutId id="2147483692" r:id="rId8"/>
-    <p:sldLayoutId id="2147483693" r:id="rId9"/>
-    <p:sldLayoutId id="2147483694" r:id="rId10"/>
-    <p:sldLayoutId id="2147483695" r:id="rId11"/>
+    <p:sldLayoutId id="2147483709" r:id="rId1"/>
+    <p:sldLayoutId id="2147483710" r:id="rId2"/>
+    <p:sldLayoutId id="2147483711" r:id="rId3"/>
+    <p:sldLayoutId id="2147483712" r:id="rId4"/>
+    <p:sldLayoutId id="2147483713" r:id="rId5"/>
+    <p:sldLayoutId id="2147483714" r:id="rId6"/>
+    <p:sldLayoutId id="2147483715" r:id="rId7"/>
+    <p:sldLayoutId id="2147483716" r:id="rId8"/>
+    <p:sldLayoutId id="2147483717" r:id="rId9"/>
+    <p:sldLayoutId id="2147483718" r:id="rId10"/>
+    <p:sldLayoutId id="2147483719" r:id="rId11"/>
   </p:sldLayoutIdLst>
   <p:txStyles>
     <p:titleStyle>
-      <a:lvl1pPr algn="l" defTabSz="914400" rtl="0" eaLnBrk="1" latinLnBrk="0" hangingPunct="1">
+      <a:lvl1pPr algn="l" defTabSz="729051" rtl="0" eaLnBrk="1" latinLnBrk="0" hangingPunct="1">
         <a:lnSpc>
           <a:spcPct val="90000"/>
         </a:lnSpc>
@@ -3125,7 +3125,7 @@
           <a:spcPct val="0"/>
         </a:spcBef>
         <a:buNone/>
-        <a:defRPr sz="4400" kern="1200">
+        <a:defRPr sz="3508" kern="1200">
           <a:solidFill>
             <a:schemeClr val="tx1"/>
           </a:solidFill>
@@ -3136,16 +3136,16 @@
       </a:lvl1pPr>
     </p:titleStyle>
     <p:bodyStyle>
-      <a:lvl1pPr marL="228600" indent="-228600" algn="l" defTabSz="914400" rtl="0" eaLnBrk="1" latinLnBrk="0" hangingPunct="1">
+      <a:lvl1pPr marL="182263" indent="-182263" algn="l" defTabSz="729051" rtl="0" eaLnBrk="1" latinLnBrk="0" hangingPunct="1">
         <a:lnSpc>
           <a:spcPct val="90000"/>
         </a:lnSpc>
         <a:spcBef>
-          <a:spcPts val="1000"/>
+          <a:spcPts val="797"/>
         </a:spcBef>
         <a:buFont typeface="Arial" panose="020B0604020202020204" pitchFamily="34" charset="0"/>
         <a:buChar char="•"/>
-        <a:defRPr sz="2800" kern="1200">
+        <a:defRPr sz="2232" kern="1200">
           <a:solidFill>
             <a:schemeClr val="tx1"/>
           </a:solidFill>
@@ -3154,16 +3154,16 @@
           <a:cs typeface="+mn-cs"/>
         </a:defRPr>
       </a:lvl1pPr>
-      <a:lvl2pPr marL="685800" indent="-228600" algn="l" defTabSz="914400" rtl="0" eaLnBrk="1" latinLnBrk="0" hangingPunct="1">
+      <a:lvl2pPr marL="546788" indent="-182263" algn="l" defTabSz="729051" rtl="0" eaLnBrk="1" latinLnBrk="0" hangingPunct="1">
         <a:lnSpc>
           <a:spcPct val="90000"/>
         </a:lnSpc>
         <a:spcBef>
-          <a:spcPts val="500"/>
+          <a:spcPts val="399"/>
         </a:spcBef>
         <a:buFont typeface="Arial" panose="020B0604020202020204" pitchFamily="34" charset="0"/>
         <a:buChar char="•"/>
-        <a:defRPr sz="2400" kern="1200">
+        <a:defRPr sz="1914" kern="1200">
           <a:solidFill>
             <a:schemeClr val="tx1"/>
           </a:solidFill>
@@ -3172,16 +3172,16 @@
           <a:cs typeface="+mn-cs"/>
         </a:defRPr>
       </a:lvl2pPr>
-      <a:lvl3pPr marL="1143000" indent="-228600" algn="l" defTabSz="914400" rtl="0" eaLnBrk="1" latinLnBrk="0" hangingPunct="1">
+      <a:lvl3pPr marL="911314" indent="-182263" algn="l" defTabSz="729051" rtl="0" eaLnBrk="1" latinLnBrk="0" hangingPunct="1">
         <a:lnSpc>
           <a:spcPct val="90000"/>
         </a:lnSpc>
         <a:spcBef>
-          <a:spcPts val="500"/>
+          <a:spcPts val="399"/>
         </a:spcBef>
         <a:buFont typeface="Arial" panose="020B0604020202020204" pitchFamily="34" charset="0"/>
         <a:buChar char="•"/>
-        <a:defRPr sz="2000" kern="1200">
+        <a:defRPr sz="1595" kern="1200">
           <a:solidFill>
             <a:schemeClr val="tx1"/>
           </a:solidFill>
@@ -3190,16 +3190,16 @@
           <a:cs typeface="+mn-cs"/>
         </a:defRPr>
       </a:lvl3pPr>
-      <a:lvl4pPr marL="1600200" indent="-228600" algn="l" defTabSz="914400" rtl="0" eaLnBrk="1" latinLnBrk="0" hangingPunct="1">
+      <a:lvl4pPr marL="1275839" indent="-182263" algn="l" defTabSz="729051" rtl="0" eaLnBrk="1" latinLnBrk="0" hangingPunct="1">
         <a:lnSpc>
           <a:spcPct val="90000"/>
         </a:lnSpc>
         <a:spcBef>
-          <a:spcPts val="500"/>
+          <a:spcPts val="399"/>
         </a:spcBef>
         <a:buFont typeface="Arial" panose="020B0604020202020204" pitchFamily="34" charset="0"/>
         <a:buChar char="•"/>
-        <a:defRPr sz="1800" kern="1200">
+        <a:defRPr sz="1435" kern="1200">
           <a:solidFill>
             <a:schemeClr val="tx1"/>
           </a:solidFill>
@@ -3208,16 +3208,16 @@
           <a:cs typeface="+mn-cs"/>
         </a:defRPr>
       </a:lvl4pPr>
-      <a:lvl5pPr marL="2057400" indent="-228600" algn="l" defTabSz="914400" rtl="0" eaLnBrk="1" latinLnBrk="0" hangingPunct="1">
+      <a:lvl5pPr marL="1640365" indent="-182263" algn="l" defTabSz="729051" rtl="0" eaLnBrk="1" latinLnBrk="0" hangingPunct="1">
         <a:lnSpc>
           <a:spcPct val="90000"/>
         </a:lnSpc>
         <a:spcBef>
-          <a:spcPts val="500"/>
+          <a:spcPts val="399"/>
         </a:spcBef>
         <a:buFont typeface="Arial" panose="020B0604020202020204" pitchFamily="34" charset="0"/>
         <a:buChar char="•"/>
-        <a:defRPr sz="1800" kern="1200">
+        <a:defRPr sz="1435" kern="1200">
           <a:solidFill>
             <a:schemeClr val="tx1"/>
           </a:solidFill>
@@ -3226,16 +3226,16 @@
           <a:cs typeface="+mn-cs"/>
         </a:defRPr>
       </a:lvl5pPr>
-      <a:lvl6pPr marL="2514600" indent="-228600" algn="l" defTabSz="914400" rtl="0" eaLnBrk="1" latinLnBrk="0" hangingPunct="1">
+      <a:lvl6pPr marL="2004891" indent="-182263" algn="l" defTabSz="729051" rtl="0" eaLnBrk="1" latinLnBrk="0" hangingPunct="1">
         <a:lnSpc>
           <a:spcPct val="90000"/>
         </a:lnSpc>
         <a:spcBef>
-          <a:spcPts val="500"/>
+          <a:spcPts val="399"/>
         </a:spcBef>
         <a:buFont typeface="Arial" panose="020B0604020202020204" pitchFamily="34" charset="0"/>
         <a:buChar char="•"/>
-        <a:defRPr sz="1800" kern="1200">
+        <a:defRPr sz="1435" kern="1200">
           <a:solidFill>
             <a:schemeClr val="tx1"/>
           </a:solidFill>
@@ -3244,16 +3244,16 @@
           <a:cs typeface="+mn-cs"/>
         </a:defRPr>
       </a:lvl6pPr>
-      <a:lvl7pPr marL="2971800" indent="-228600" algn="l" defTabSz="914400" rtl="0" eaLnBrk="1" latinLnBrk="0" hangingPunct="1">
+      <a:lvl7pPr marL="2369416" indent="-182263" algn="l" defTabSz="729051" rtl="0" eaLnBrk="1" latinLnBrk="0" hangingPunct="1">
         <a:lnSpc>
           <a:spcPct val="90000"/>
         </a:lnSpc>
         <a:spcBef>
-          <a:spcPts val="500"/>
+          <a:spcPts val="399"/>
         </a:spcBef>
         <a:buFont typeface="Arial" panose="020B0604020202020204" pitchFamily="34" charset="0"/>
         <a:buChar char="•"/>
-        <a:defRPr sz="1800" kern="1200">
+        <a:defRPr sz="1435" kern="1200">
           <a:solidFill>
             <a:schemeClr val="tx1"/>
           </a:solidFill>
@@ -3262,16 +3262,16 @@
           <a:cs typeface="+mn-cs"/>
         </a:defRPr>
       </a:lvl7pPr>
-      <a:lvl8pPr marL="3429000" indent="-228600" algn="l" defTabSz="914400" rtl="0" eaLnBrk="1" latinLnBrk="0" hangingPunct="1">
+      <a:lvl8pPr marL="2733942" indent="-182263" algn="l" defTabSz="729051" rtl="0" eaLnBrk="1" latinLnBrk="0" hangingPunct="1">
         <a:lnSpc>
           <a:spcPct val="90000"/>
         </a:lnSpc>
         <a:spcBef>
-          <a:spcPts val="500"/>
+          <a:spcPts val="399"/>
         </a:spcBef>
         <a:buFont typeface="Arial" panose="020B0604020202020204" pitchFamily="34" charset="0"/>
         <a:buChar char="•"/>
-        <a:defRPr sz="1800" kern="1200">
+        <a:defRPr sz="1435" kern="1200">
           <a:solidFill>
             <a:schemeClr val="tx1"/>
           </a:solidFill>
@@ -3280,16 +3280,16 @@
           <a:cs typeface="+mn-cs"/>
         </a:defRPr>
       </a:lvl8pPr>
-      <a:lvl9pPr marL="3886200" indent="-228600" algn="l" defTabSz="914400" rtl="0" eaLnBrk="1" latinLnBrk="0" hangingPunct="1">
+      <a:lvl9pPr marL="3098467" indent="-182263" algn="l" defTabSz="729051" rtl="0" eaLnBrk="1" latinLnBrk="0" hangingPunct="1">
         <a:lnSpc>
           <a:spcPct val="90000"/>
         </a:lnSpc>
         <a:spcBef>
-          <a:spcPts val="500"/>
+          <a:spcPts val="399"/>
         </a:spcBef>
         <a:buFont typeface="Arial" panose="020B0604020202020204" pitchFamily="34" charset="0"/>
         <a:buChar char="•"/>
-        <a:defRPr sz="1800" kern="1200">
+        <a:defRPr sz="1435" kern="1200">
           <a:solidFill>
             <a:schemeClr val="tx1"/>
           </a:solidFill>
@@ -3303,8 +3303,8 @@
       <a:defPPr>
         <a:defRPr lang="en-US"/>
       </a:defPPr>
-      <a:lvl1pPr marL="0" algn="l" defTabSz="914400" rtl="0" eaLnBrk="1" latinLnBrk="0" hangingPunct="1">
-        <a:defRPr sz="1800" kern="1200">
+      <a:lvl1pPr marL="0" algn="l" defTabSz="729051" rtl="0" eaLnBrk="1" latinLnBrk="0" hangingPunct="1">
+        <a:defRPr sz="1435" kern="1200">
           <a:solidFill>
             <a:schemeClr val="tx1"/>
           </a:solidFill>
@@ -3313,8 +3313,8 @@
           <a:cs typeface="+mn-cs"/>
         </a:defRPr>
       </a:lvl1pPr>
-      <a:lvl2pPr marL="457200" algn="l" defTabSz="914400" rtl="0" eaLnBrk="1" latinLnBrk="0" hangingPunct="1">
-        <a:defRPr sz="1800" kern="1200">
+      <a:lvl2pPr marL="364526" algn="l" defTabSz="729051" rtl="0" eaLnBrk="1" latinLnBrk="0" hangingPunct="1">
+        <a:defRPr sz="1435" kern="1200">
           <a:solidFill>
             <a:schemeClr val="tx1"/>
           </a:solidFill>
@@ -3323,8 +3323,8 @@
           <a:cs typeface="+mn-cs"/>
         </a:defRPr>
       </a:lvl2pPr>
-      <a:lvl3pPr marL="914400" algn="l" defTabSz="914400" rtl="0" eaLnBrk="1" latinLnBrk="0" hangingPunct="1">
-        <a:defRPr sz="1800" kern="1200">
+      <a:lvl3pPr marL="729051" algn="l" defTabSz="729051" rtl="0" eaLnBrk="1" latinLnBrk="0" hangingPunct="1">
+        <a:defRPr sz="1435" kern="1200">
           <a:solidFill>
             <a:schemeClr val="tx1"/>
           </a:solidFill>
@@ -3333,8 +3333,8 @@
           <a:cs typeface="+mn-cs"/>
         </a:defRPr>
       </a:lvl3pPr>
-      <a:lvl4pPr marL="1371600" algn="l" defTabSz="914400" rtl="0" eaLnBrk="1" latinLnBrk="0" hangingPunct="1">
-        <a:defRPr sz="1800" kern="1200">
+      <a:lvl4pPr marL="1093577" algn="l" defTabSz="729051" rtl="0" eaLnBrk="1" latinLnBrk="0" hangingPunct="1">
+        <a:defRPr sz="1435" kern="1200">
           <a:solidFill>
             <a:schemeClr val="tx1"/>
           </a:solidFill>
@@ -3343,8 +3343,8 @@
           <a:cs typeface="+mn-cs"/>
         </a:defRPr>
       </a:lvl4pPr>
-      <a:lvl5pPr marL="1828800" algn="l" defTabSz="914400" rtl="0" eaLnBrk="1" latinLnBrk="0" hangingPunct="1">
-        <a:defRPr sz="1800" kern="1200">
+      <a:lvl5pPr marL="1458102" algn="l" defTabSz="729051" rtl="0" eaLnBrk="1" latinLnBrk="0" hangingPunct="1">
+        <a:defRPr sz="1435" kern="1200">
           <a:solidFill>
             <a:schemeClr val="tx1"/>
           </a:solidFill>
@@ -3353,8 +3353,8 @@
           <a:cs typeface="+mn-cs"/>
         </a:defRPr>
       </a:lvl5pPr>
-      <a:lvl6pPr marL="2286000" algn="l" defTabSz="914400" rtl="0" eaLnBrk="1" latinLnBrk="0" hangingPunct="1">
-        <a:defRPr sz="1800" kern="1200">
+      <a:lvl6pPr marL="1822628" algn="l" defTabSz="729051" rtl="0" eaLnBrk="1" latinLnBrk="0" hangingPunct="1">
+        <a:defRPr sz="1435" kern="1200">
           <a:solidFill>
             <a:schemeClr val="tx1"/>
           </a:solidFill>
@@ -3363,8 +3363,8 @@
           <a:cs typeface="+mn-cs"/>
         </a:defRPr>
       </a:lvl6pPr>
-      <a:lvl7pPr marL="2743200" algn="l" defTabSz="914400" rtl="0" eaLnBrk="1" latinLnBrk="0" hangingPunct="1">
-        <a:defRPr sz="1800" kern="1200">
+      <a:lvl7pPr marL="2187153" algn="l" defTabSz="729051" rtl="0" eaLnBrk="1" latinLnBrk="0" hangingPunct="1">
+        <a:defRPr sz="1435" kern="1200">
           <a:solidFill>
             <a:schemeClr val="tx1"/>
           </a:solidFill>
@@ -3373,8 +3373,8 @@
           <a:cs typeface="+mn-cs"/>
         </a:defRPr>
       </a:lvl7pPr>
-      <a:lvl8pPr marL="3200400" algn="l" defTabSz="914400" rtl="0" eaLnBrk="1" latinLnBrk="0" hangingPunct="1">
-        <a:defRPr sz="1800" kern="1200">
+      <a:lvl8pPr marL="2551679" algn="l" defTabSz="729051" rtl="0" eaLnBrk="1" latinLnBrk="0" hangingPunct="1">
+        <a:defRPr sz="1435" kern="1200">
           <a:solidFill>
             <a:schemeClr val="tx1"/>
           </a:solidFill>
@@ -3383,8 +3383,8 @@
           <a:cs typeface="+mn-cs"/>
         </a:defRPr>
       </a:lvl8pPr>
-      <a:lvl9pPr marL="3657600" algn="l" defTabSz="914400" rtl="0" eaLnBrk="1" latinLnBrk="0" hangingPunct="1">
-        <a:defRPr sz="1800" kern="1200">
+      <a:lvl9pPr marL="2916204" algn="l" defTabSz="729051" rtl="0" eaLnBrk="1" latinLnBrk="0" hangingPunct="1">
+        <a:defRPr sz="1435" kern="1200">
           <a:solidFill>
             <a:schemeClr val="tx1"/>
           </a:solidFill>
@@ -3415,36 +3415,47 @@
           <a:chExt cx="0" cy="0"/>
         </a:xfrm>
       </p:grpSpPr>
-      <p:pic>
-        <p:nvPicPr>
-          <p:cNvPr id="44" name="Picture 43" descr="A diagram of a function&#10;&#10;Description automatically generated with medium confidence">
+      <p:cxnSp>
+        <p:nvCxnSpPr>
+          <p:cNvPr id="1089" name="Straight Arrow Connector 1088">
             <a:extLst>
               <a:ext uri="{FF2B5EF4-FFF2-40B4-BE49-F238E27FC236}">
-                <a16:creationId xmlns:a16="http://schemas.microsoft.com/office/drawing/2014/main" id="{001D69F3-2C15-6DCC-5555-79BEED80CFB0}"/>
+                <a16:creationId xmlns:a16="http://schemas.microsoft.com/office/drawing/2014/main" id="{B8DE7A2A-9FBF-5996-1D0D-3263F3DECD31}"/>
               </a:ext>
             </a:extLst>
           </p:cNvPr>
-          <p:cNvPicPr>
-            <a:picLocks noChangeAspect="1"/>
-          </p:cNvPicPr>
+          <p:cNvCxnSpPr>
+            <a:cxnSpLocks/>
+          </p:cNvCxnSpPr>
           <p:nvPr/>
-        </p:nvPicPr>
-        <p:blipFill>
-          <a:blip r:embed="rId3"/>
-          <a:stretch>
-            <a:fillRect/>
-          </a:stretch>
-        </p:blipFill>
+        </p:nvCxnSpPr>
         <p:spPr>
           <a:xfrm>
-            <a:off x="6149454" y="902991"/>
-            <a:ext cx="1649577" cy="2969238"/>
+            <a:off x="2176999" y="2188310"/>
+            <a:ext cx="6042980" cy="52624"/>
           </a:xfrm>
-          <a:prstGeom prst="rect">
+          <a:prstGeom prst="straightConnector1">
             <a:avLst/>
           </a:prstGeom>
+          <a:ln>
+            <a:tailEnd type="triangle"/>
+          </a:ln>
         </p:spPr>
-      </p:pic>
+        <p:style>
+          <a:lnRef idx="2">
+            <a:schemeClr val="dk1"/>
+          </a:lnRef>
+          <a:fillRef idx="0">
+            <a:schemeClr val="dk1"/>
+          </a:fillRef>
+          <a:effectRef idx="1">
+            <a:schemeClr val="dk1"/>
+          </a:effectRef>
+          <a:fontRef idx="minor">
+            <a:schemeClr val="tx1"/>
+          </a:fontRef>
+        </p:style>
+      </p:cxnSp>
       <p:pic>
         <p:nvPicPr>
           <p:cNvPr id="7" name="Picture 6" descr="A graph of different colors&#10;&#10;Description automatically generated with medium confidence">
@@ -3459,16 +3470,15 @@
           </p:cNvPicPr>
           <p:nvPr/>
         </p:nvPicPr>
-        <p:blipFill>
-          <a:blip r:embed="rId4"/>
-          <a:stretch>
-            <a:fillRect/>
-          </a:stretch>
+        <p:blipFill rotWithShape="1">
+          <a:blip r:embed="rId3"/>
+          <a:srcRect r="3342"/>
+          <a:stretch/>
         </p:blipFill>
         <p:spPr>
           <a:xfrm>
-            <a:off x="5681941" y="4260938"/>
-            <a:ext cx="3722611" cy="2233567"/>
+            <a:off x="6122077" y="3886246"/>
+            <a:ext cx="3598186" cy="2233567"/>
           </a:xfrm>
           <a:prstGeom prst="rect">
             <a:avLst/>
@@ -3490,14 +3500,14 @@
           <p:nvPr/>
         </p:nvPicPr>
         <p:blipFill>
-          <a:blip r:embed="rId5"/>
+          <a:blip r:embed="rId4"/>
           <a:stretch>
             <a:fillRect/>
           </a:stretch>
         </p:blipFill>
         <p:spPr>
           <a:xfrm>
-            <a:off x="983896" y="4262632"/>
+            <a:off x="253174" y="3887094"/>
             <a:ext cx="3719787" cy="2231873"/>
           </a:xfrm>
           <a:prstGeom prst="rect">
@@ -3505,55 +3515,6 @@
           </a:prstGeom>
         </p:spPr>
       </p:pic>
-      <p:sp>
-        <p:nvSpPr>
-          <p:cNvPr id="1056" name="Trapezium 1055">
-            <a:extLst>
-              <a:ext uri="{FF2B5EF4-FFF2-40B4-BE49-F238E27FC236}">
-                <a16:creationId xmlns:a16="http://schemas.microsoft.com/office/drawing/2014/main" id="{EA602210-4FFF-4C56-C898-4A94B7C28908}"/>
-              </a:ext>
-            </a:extLst>
-          </p:cNvPr>
-          <p:cNvSpPr/>
-          <p:nvPr/>
-        </p:nvSpPr>
-        <p:spPr>
-          <a:xfrm rot="16200000">
-            <a:off x="4542240" y="4529632"/>
-            <a:ext cx="1307347" cy="1716168"/>
-          </a:xfrm>
-          <a:prstGeom prst="trapezoid">
-            <a:avLst/>
-          </a:prstGeom>
-          <a:ln>
-            <a:solidFill>
-              <a:schemeClr val="tx1"/>
-            </a:solidFill>
-          </a:ln>
-        </p:spPr>
-        <p:style>
-          <a:lnRef idx="2">
-            <a:schemeClr val="accent6"/>
-          </a:lnRef>
-          <a:fillRef idx="1">
-            <a:schemeClr val="lt1"/>
-          </a:fillRef>
-          <a:effectRef idx="0">
-            <a:schemeClr val="accent6"/>
-          </a:effectRef>
-          <a:fontRef idx="minor">
-            <a:schemeClr val="dk1"/>
-          </a:fontRef>
-        </p:style>
-        <p:txBody>
-          <a:bodyPr rtlCol="0" anchor="ctr"/>
-          <a:lstStyle/>
-          <a:p>
-            <a:pPr algn="ctr"/>
-            <a:endParaRPr lang="en-DE" dirty="0"/>
-          </a:p>
-        </p:txBody>
-      </p:sp>
       <p:sp>
         <p:nvSpPr>
           <p:cNvPr id="4" name="Rounded Rectangle 3">
@@ -3568,8 +3529,8 @@
         </p:nvSpPr>
         <p:spPr>
           <a:xfrm>
-            <a:off x="791055" y="425885"/>
-            <a:ext cx="2052735" cy="3836747"/>
+            <a:off x="243170" y="119922"/>
+            <a:ext cx="1933829" cy="3836747"/>
           </a:xfrm>
           <a:prstGeom prst="roundRect">
             <a:avLst/>
@@ -3602,494 +3563,6 @@
           </a:p>
         </p:txBody>
       </p:sp>
-      <p:sp>
-        <p:nvSpPr>
-          <p:cNvPr id="2" name="Rounded Rectangle 1">
-            <a:extLst>
-              <a:ext uri="{FF2B5EF4-FFF2-40B4-BE49-F238E27FC236}">
-                <a16:creationId xmlns:a16="http://schemas.microsoft.com/office/drawing/2014/main" id="{00B21124-78AD-15FB-91B6-C5B1413971D5}"/>
-              </a:ext>
-            </a:extLst>
-          </p:cNvPr>
-          <p:cNvSpPr/>
-          <p:nvPr/>
-        </p:nvSpPr>
-        <p:spPr>
-          <a:xfrm>
-            <a:off x="1031449" y="836905"/>
-            <a:ext cx="1571945" cy="3193855"/>
-          </a:xfrm>
-          <a:prstGeom prst="roundRect">
-            <a:avLst/>
-          </a:prstGeom>
-        </p:spPr>
-        <p:style>
-          <a:lnRef idx="2">
-            <a:schemeClr val="dk1"/>
-          </a:lnRef>
-          <a:fillRef idx="1">
-            <a:schemeClr val="lt1"/>
-          </a:fillRef>
-          <a:effectRef idx="0">
-            <a:schemeClr val="dk1"/>
-          </a:effectRef>
-          <a:fontRef idx="minor">
-            <a:schemeClr val="dk1"/>
-          </a:fontRef>
-        </p:style>
-        <p:txBody>
-          <a:bodyPr rtlCol="0" anchor="ctr"/>
-          <a:lstStyle/>
-          <a:p>
-            <a:pPr algn="ctr"/>
-            <a:endParaRPr lang="en-DE" dirty="0">
-              <a:highlight>
-                <a:srgbClr val="00FF00"/>
-              </a:highlight>
-            </a:endParaRPr>
-          </a:p>
-        </p:txBody>
-      </p:sp>
-      <p:sp>
-        <p:nvSpPr>
-          <p:cNvPr id="5" name="TextBox 4">
-            <a:extLst>
-              <a:ext uri="{FF2B5EF4-FFF2-40B4-BE49-F238E27FC236}">
-                <a16:creationId xmlns:a16="http://schemas.microsoft.com/office/drawing/2014/main" id="{91CCA765-E9F7-5DF7-F177-5666965B3A09}"/>
-              </a:ext>
-            </a:extLst>
-          </p:cNvPr>
-          <p:cNvSpPr txBox="1"/>
-          <p:nvPr/>
-        </p:nvSpPr>
-        <p:spPr>
-          <a:xfrm>
-            <a:off x="1294494" y="866045"/>
-            <a:ext cx="1043796" cy="338554"/>
-          </a:xfrm>
-          <a:prstGeom prst="rect">
-            <a:avLst/>
-          </a:prstGeom>
-          <a:noFill/>
-        </p:spPr>
-        <p:txBody>
-          <a:bodyPr wrap="square" rtlCol="0">
-            <a:spAutoFit/>
-          </a:bodyPr>
-          <a:lstStyle/>
-          <a:p>
-            <a:pPr algn="ctr"/>
-            <a:r>
-              <a:rPr lang="en-DE" sz="1600" dirty="0">
-                <a:latin typeface="Crimson Pro" pitchFamily="2" charset="77"/>
-                <a:ea typeface="JetBrainsMono NF" panose="02000009000000000000" pitchFamily="49" charset="0"/>
-                <a:cs typeface="JetBrainsMono NF" panose="02000009000000000000" pitchFamily="49" charset="0"/>
-              </a:rPr>
-              <a:t>ARC</a:t>
-            </a:r>
-          </a:p>
-        </p:txBody>
-      </p:sp>
-      <p:cxnSp>
-        <p:nvCxnSpPr>
-          <p:cNvPr id="6" name="Straight Connector 5">
-            <a:extLst>
-              <a:ext uri="{FF2B5EF4-FFF2-40B4-BE49-F238E27FC236}">
-                <a16:creationId xmlns:a16="http://schemas.microsoft.com/office/drawing/2014/main" id="{D72CBA09-E213-5356-F6BE-6124FFF4E7AB}"/>
-              </a:ext>
-            </a:extLst>
-          </p:cNvPr>
-          <p:cNvCxnSpPr>
-            <a:cxnSpLocks/>
-          </p:cNvCxnSpPr>
-          <p:nvPr/>
-        </p:nvCxnSpPr>
-        <p:spPr>
-          <a:xfrm flipH="1">
-            <a:off x="1031449" y="1237012"/>
-            <a:ext cx="1571945" cy="0"/>
-          </a:xfrm>
-          <a:prstGeom prst="line">
-            <a:avLst/>
-          </a:prstGeom>
-        </p:spPr>
-        <p:style>
-          <a:lnRef idx="2">
-            <a:schemeClr val="dk1"/>
-          </a:lnRef>
-          <a:fillRef idx="0">
-            <a:schemeClr val="dk1"/>
-          </a:fillRef>
-          <a:effectRef idx="1">
-            <a:schemeClr val="dk1"/>
-          </a:effectRef>
-          <a:fontRef idx="minor">
-            <a:schemeClr val="tx1"/>
-          </a:fontRef>
-        </p:style>
-      </p:cxnSp>
-      <p:sp>
-        <p:nvSpPr>
-          <p:cNvPr id="8" name="TextBox 7">
-            <a:extLst>
-              <a:ext uri="{FF2B5EF4-FFF2-40B4-BE49-F238E27FC236}">
-                <a16:creationId xmlns:a16="http://schemas.microsoft.com/office/drawing/2014/main" id="{8AC5A3A9-AA5C-BEB4-E854-B065DB8D08E0}"/>
-              </a:ext>
-            </a:extLst>
-          </p:cNvPr>
-          <p:cNvSpPr txBox="1"/>
-          <p:nvPr/>
-        </p:nvSpPr>
-        <p:spPr>
-          <a:xfrm>
-            <a:off x="1294494" y="1260661"/>
-            <a:ext cx="1043796" cy="338554"/>
-          </a:xfrm>
-          <a:prstGeom prst="rect">
-            <a:avLst/>
-          </a:prstGeom>
-          <a:noFill/>
-        </p:spPr>
-        <p:txBody>
-          <a:bodyPr wrap="square" rtlCol="0">
-            <a:spAutoFit/>
-          </a:bodyPr>
-          <a:lstStyle/>
-          <a:p>
-            <a:pPr algn="ctr"/>
-            <a:r>
-              <a:rPr lang="en-DE" sz="1600" dirty="0">
-                <a:latin typeface="Crimson Pro" pitchFamily="2" charset="77"/>
-                <a:ea typeface="JetBrainsMono NF" panose="02000009000000000000" pitchFamily="49" charset="0"/>
-                <a:cs typeface="JetBrainsMono NF" panose="02000009000000000000" pitchFamily="49" charset="0"/>
-              </a:rPr>
-              <a:t>GSM8K</a:t>
-            </a:r>
-          </a:p>
-        </p:txBody>
-      </p:sp>
-      <p:cxnSp>
-        <p:nvCxnSpPr>
-          <p:cNvPr id="9" name="Straight Connector 8">
-            <a:extLst>
-              <a:ext uri="{FF2B5EF4-FFF2-40B4-BE49-F238E27FC236}">
-                <a16:creationId xmlns:a16="http://schemas.microsoft.com/office/drawing/2014/main" id="{50418095-8AAA-45FD-E8A3-4BB545C553F5}"/>
-              </a:ext>
-            </a:extLst>
-          </p:cNvPr>
-          <p:cNvCxnSpPr>
-            <a:cxnSpLocks/>
-          </p:cNvCxnSpPr>
-          <p:nvPr/>
-        </p:nvCxnSpPr>
-        <p:spPr>
-          <a:xfrm flipH="1">
-            <a:off x="1031448" y="1631628"/>
-            <a:ext cx="1571945" cy="0"/>
-          </a:xfrm>
-          <a:prstGeom prst="line">
-            <a:avLst/>
-          </a:prstGeom>
-        </p:spPr>
-        <p:style>
-          <a:lnRef idx="2">
-            <a:schemeClr val="dk1"/>
-          </a:lnRef>
-          <a:fillRef idx="0">
-            <a:schemeClr val="dk1"/>
-          </a:fillRef>
-          <a:effectRef idx="1">
-            <a:schemeClr val="dk1"/>
-          </a:effectRef>
-          <a:fontRef idx="minor">
-            <a:schemeClr val="tx1"/>
-          </a:fontRef>
-        </p:style>
-      </p:cxnSp>
-      <p:sp>
-        <p:nvSpPr>
-          <p:cNvPr id="10" name="TextBox 9">
-            <a:extLst>
-              <a:ext uri="{FF2B5EF4-FFF2-40B4-BE49-F238E27FC236}">
-                <a16:creationId xmlns:a16="http://schemas.microsoft.com/office/drawing/2014/main" id="{2156E8C0-2434-E9E9-046F-BCF36C780A32}"/>
-              </a:ext>
-            </a:extLst>
-          </p:cNvPr>
-          <p:cNvSpPr txBox="1"/>
-          <p:nvPr/>
-        </p:nvSpPr>
-        <p:spPr>
-          <a:xfrm>
-            <a:off x="1294494" y="1936073"/>
-            <a:ext cx="1043796" cy="338554"/>
-          </a:xfrm>
-          <a:prstGeom prst="rect">
-            <a:avLst/>
-          </a:prstGeom>
-          <a:noFill/>
-        </p:spPr>
-        <p:txBody>
-          <a:bodyPr wrap="square" rtlCol="0">
-            <a:spAutoFit/>
-          </a:bodyPr>
-          <a:lstStyle/>
-          <a:p>
-            <a:pPr algn="ctr"/>
-            <a:r>
-              <a:rPr lang="en-DE" sz="1600" dirty="0">
-                <a:latin typeface="Crimson Pro" pitchFamily="2" charset="77"/>
-                <a:ea typeface="JetBrainsMono NF" panose="02000009000000000000" pitchFamily="49" charset="0"/>
-                <a:cs typeface="JetBrainsMono NF" panose="02000009000000000000" pitchFamily="49" charset="0"/>
-              </a:rPr>
-              <a:t>HellaSwag</a:t>
-            </a:r>
-            <a:endParaRPr lang="en-DE" sz="1400" dirty="0">
-              <a:latin typeface="Crimson Pro" pitchFamily="2" charset="77"/>
-              <a:ea typeface="JetBrainsMono NF" panose="02000009000000000000" pitchFamily="49" charset="0"/>
-              <a:cs typeface="JetBrainsMono NF" panose="02000009000000000000" pitchFamily="49" charset="0"/>
-            </a:endParaRPr>
-          </a:p>
-        </p:txBody>
-      </p:sp>
-      <p:cxnSp>
-        <p:nvCxnSpPr>
-          <p:cNvPr id="11" name="Straight Connector 10">
-            <a:extLst>
-              <a:ext uri="{FF2B5EF4-FFF2-40B4-BE49-F238E27FC236}">
-                <a16:creationId xmlns:a16="http://schemas.microsoft.com/office/drawing/2014/main" id="{62B99B2B-6696-BD9F-F3B3-18A32BD4E5FB}"/>
-              </a:ext>
-            </a:extLst>
-          </p:cNvPr>
-          <p:cNvCxnSpPr>
-            <a:cxnSpLocks/>
-          </p:cNvCxnSpPr>
-          <p:nvPr/>
-        </p:nvCxnSpPr>
-        <p:spPr>
-          <a:xfrm flipH="1">
-            <a:off x="1030420" y="2590992"/>
-            <a:ext cx="1571945" cy="0"/>
-          </a:xfrm>
-          <a:prstGeom prst="line">
-            <a:avLst/>
-          </a:prstGeom>
-        </p:spPr>
-        <p:style>
-          <a:lnRef idx="2">
-            <a:schemeClr val="dk1"/>
-          </a:lnRef>
-          <a:fillRef idx="0">
-            <a:schemeClr val="dk1"/>
-          </a:fillRef>
-          <a:effectRef idx="1">
-            <a:schemeClr val="dk1"/>
-          </a:effectRef>
-          <a:fontRef idx="minor">
-            <a:schemeClr val="tx1"/>
-          </a:fontRef>
-        </p:style>
-      </p:cxnSp>
-      <p:cxnSp>
-        <p:nvCxnSpPr>
-          <p:cNvPr id="12" name="Straight Connector 11">
-            <a:extLst>
-              <a:ext uri="{FF2B5EF4-FFF2-40B4-BE49-F238E27FC236}">
-                <a16:creationId xmlns:a16="http://schemas.microsoft.com/office/drawing/2014/main" id="{D785AB9D-67F3-4B1D-83C7-811CD0C64D29}"/>
-              </a:ext>
-            </a:extLst>
-          </p:cNvPr>
-          <p:cNvCxnSpPr>
-            <a:cxnSpLocks/>
-          </p:cNvCxnSpPr>
-          <p:nvPr/>
-        </p:nvCxnSpPr>
-        <p:spPr>
-          <a:xfrm flipH="1">
-            <a:off x="1030420" y="3308353"/>
-            <a:ext cx="1571945" cy="0"/>
-          </a:xfrm>
-          <a:prstGeom prst="line">
-            <a:avLst/>
-          </a:prstGeom>
-        </p:spPr>
-        <p:style>
-          <a:lnRef idx="2">
-            <a:schemeClr val="dk1"/>
-          </a:lnRef>
-          <a:fillRef idx="0">
-            <a:schemeClr val="dk1"/>
-          </a:fillRef>
-          <a:effectRef idx="1">
-            <a:schemeClr val="dk1"/>
-          </a:effectRef>
-          <a:fontRef idx="minor">
-            <a:schemeClr val="tx1"/>
-          </a:fontRef>
-        </p:style>
-      </p:cxnSp>
-      <p:sp>
-        <p:nvSpPr>
-          <p:cNvPr id="13" name="TextBox 12">
-            <a:extLst>
-              <a:ext uri="{FF2B5EF4-FFF2-40B4-BE49-F238E27FC236}">
-                <a16:creationId xmlns:a16="http://schemas.microsoft.com/office/drawing/2014/main" id="{F3A34899-F0DB-14ED-6552-A6BA20D81411}"/>
-              </a:ext>
-            </a:extLst>
-          </p:cNvPr>
-          <p:cNvSpPr txBox="1"/>
-          <p:nvPr/>
-        </p:nvSpPr>
-        <p:spPr>
-          <a:xfrm>
-            <a:off x="1275352" y="2805744"/>
-            <a:ext cx="1043796" cy="338554"/>
-          </a:xfrm>
-          <a:prstGeom prst="rect">
-            <a:avLst/>
-          </a:prstGeom>
-          <a:noFill/>
-        </p:spPr>
-        <p:txBody>
-          <a:bodyPr wrap="square" rtlCol="0">
-            <a:spAutoFit/>
-          </a:bodyPr>
-          <a:lstStyle/>
-          <a:p>
-            <a:pPr algn="ctr"/>
-            <a:r>
-              <a:rPr lang="en-DE" sz="1600" dirty="0">
-                <a:latin typeface="Crimson Pro" pitchFamily="2" charset="77"/>
-                <a:ea typeface="JetBrainsMono NF" panose="02000009000000000000" pitchFamily="49" charset="0"/>
-                <a:cs typeface="JetBrainsMono NF" panose="02000009000000000000" pitchFamily="49" charset="0"/>
-              </a:rPr>
-              <a:t>MMLU</a:t>
-            </a:r>
-            <a:endParaRPr lang="en-DE" dirty="0">
-              <a:latin typeface="Crimson Pro" pitchFamily="2" charset="77"/>
-              <a:ea typeface="JetBrainsMono NF" panose="02000009000000000000" pitchFamily="49" charset="0"/>
-              <a:cs typeface="JetBrainsMono NF" panose="02000009000000000000" pitchFamily="49" charset="0"/>
-            </a:endParaRPr>
-          </a:p>
-        </p:txBody>
-      </p:sp>
-      <p:sp>
-        <p:nvSpPr>
-          <p:cNvPr id="14" name="TextBox 13">
-            <a:extLst>
-              <a:ext uri="{FF2B5EF4-FFF2-40B4-BE49-F238E27FC236}">
-                <a16:creationId xmlns:a16="http://schemas.microsoft.com/office/drawing/2014/main" id="{EE7267AE-FEB8-EA29-B488-6281A4F85875}"/>
-              </a:ext>
-            </a:extLst>
-          </p:cNvPr>
-          <p:cNvSpPr txBox="1"/>
-          <p:nvPr/>
-        </p:nvSpPr>
-        <p:spPr>
-          <a:xfrm>
-            <a:off x="1218647" y="3308353"/>
-            <a:ext cx="1195486" cy="338554"/>
-          </a:xfrm>
-          <a:prstGeom prst="rect">
-            <a:avLst/>
-          </a:prstGeom>
-          <a:noFill/>
-        </p:spPr>
-        <p:txBody>
-          <a:bodyPr wrap="square" rtlCol="0">
-            <a:spAutoFit/>
-          </a:bodyPr>
-          <a:lstStyle/>
-          <a:p>
-            <a:pPr algn="ctr"/>
-            <a:r>
-              <a:rPr lang="en-DE" sz="1600" dirty="0">
-                <a:latin typeface="Crimson Pro" pitchFamily="2" charset="77"/>
-                <a:ea typeface="JetBrainsMono NF" panose="02000009000000000000" pitchFamily="49" charset="0"/>
-                <a:cs typeface="JetBrainsMono NF" panose="02000009000000000000" pitchFamily="49" charset="0"/>
-              </a:rPr>
-              <a:t>TruthfulQA</a:t>
-            </a:r>
-          </a:p>
-        </p:txBody>
-      </p:sp>
-      <p:cxnSp>
-        <p:nvCxnSpPr>
-          <p:cNvPr id="15" name="Straight Connector 14">
-            <a:extLst>
-              <a:ext uri="{FF2B5EF4-FFF2-40B4-BE49-F238E27FC236}">
-                <a16:creationId xmlns:a16="http://schemas.microsoft.com/office/drawing/2014/main" id="{E18988B7-20ED-6B79-AF10-77CD172B8F76}"/>
-              </a:ext>
-            </a:extLst>
-          </p:cNvPr>
-          <p:cNvCxnSpPr>
-            <a:cxnSpLocks/>
-          </p:cNvCxnSpPr>
-          <p:nvPr/>
-        </p:nvCxnSpPr>
-        <p:spPr>
-          <a:xfrm flipH="1">
-            <a:off x="1030420" y="3684868"/>
-            <a:ext cx="1571945" cy="0"/>
-          </a:xfrm>
-          <a:prstGeom prst="line">
-            <a:avLst/>
-          </a:prstGeom>
-        </p:spPr>
-        <p:style>
-          <a:lnRef idx="2">
-            <a:schemeClr val="dk1"/>
-          </a:lnRef>
-          <a:fillRef idx="0">
-            <a:schemeClr val="dk1"/>
-          </a:fillRef>
-          <a:effectRef idx="1">
-            <a:schemeClr val="dk1"/>
-          </a:effectRef>
-          <a:fontRef idx="minor">
-            <a:schemeClr val="tx1"/>
-          </a:fontRef>
-        </p:style>
-      </p:cxnSp>
-      <p:sp>
-        <p:nvSpPr>
-          <p:cNvPr id="16" name="TextBox 15">
-            <a:extLst>
-              <a:ext uri="{FF2B5EF4-FFF2-40B4-BE49-F238E27FC236}">
-                <a16:creationId xmlns:a16="http://schemas.microsoft.com/office/drawing/2014/main" id="{D0108BE8-C81A-EC99-6967-2C8502E5FC56}"/>
-              </a:ext>
-            </a:extLst>
-          </p:cNvPr>
-          <p:cNvSpPr txBox="1"/>
-          <p:nvPr/>
-        </p:nvSpPr>
-        <p:spPr>
-          <a:xfrm>
-            <a:off x="1161945" y="3673589"/>
-            <a:ext cx="1308897" cy="338554"/>
-          </a:xfrm>
-          <a:prstGeom prst="rect">
-            <a:avLst/>
-          </a:prstGeom>
-          <a:noFill/>
-        </p:spPr>
-        <p:txBody>
-          <a:bodyPr wrap="square" rtlCol="0">
-            <a:spAutoFit/>
-          </a:bodyPr>
-          <a:lstStyle/>
-          <a:p>
-            <a:pPr algn="ctr"/>
-            <a:r>
-              <a:rPr lang="en-DE" sz="1600" dirty="0">
-                <a:latin typeface="Crimson Pro" pitchFamily="2" charset="77"/>
-                <a:ea typeface="JetBrainsMono NF" panose="02000009000000000000" pitchFamily="49" charset="0"/>
-                <a:cs typeface="JetBrainsMono NF" panose="02000009000000000000" pitchFamily="49" charset="0"/>
-              </a:rPr>
-              <a:t>Winogrande</a:t>
-            </a:r>
-          </a:p>
-        </p:txBody>
-      </p:sp>
       <p:grpSp>
         <p:nvGrpSpPr>
           <p:cNvPr id="19" name="Group 18">
@@ -4104,7 +3577,7 @@
         </p:nvGrpSpPr>
         <p:grpSpPr>
           <a:xfrm rot="20896425">
-            <a:off x="1473861" y="3949798"/>
+            <a:off x="851837" y="3629295"/>
             <a:ext cx="713922" cy="801136"/>
             <a:chOff x="1022486" y="3992154"/>
             <a:chExt cx="713922" cy="789473"/>
@@ -4153,7 +3626,7 @@
             <a:lstStyle/>
             <a:p>
               <a:pPr algn="ctr"/>
-              <a:endParaRPr lang="en-DE"/>
+              <a:endParaRPr lang="en-DE" dirty="0"/>
             </a:p>
           </p:txBody>
         </p:sp>
@@ -4220,8 +3693,8 @@
         </p:nvSpPr>
         <p:spPr>
           <a:xfrm rot="5400000">
-            <a:off x="2154981" y="1844381"/>
-            <a:ext cx="2879722" cy="1127717"/>
+            <a:off x="1384774" y="1591702"/>
+            <a:ext cx="2969239" cy="1127717"/>
           </a:xfrm>
           <a:prstGeom prst="trapezoid">
             <a:avLst/>
@@ -4269,8 +3742,8 @@
         </p:nvSpPr>
         <p:spPr>
           <a:xfrm>
-            <a:off x="3068439" y="1434871"/>
-            <a:ext cx="1043795" cy="307777"/>
+            <a:off x="2356731" y="959365"/>
+            <a:ext cx="1043795" cy="523220"/>
           </a:xfrm>
           <a:prstGeom prst="rect">
             <a:avLst/>
@@ -4290,7 +3763,18 @@
                 <a:ea typeface="JetBrainsMono NF" panose="02000009000000000000" pitchFamily="49" charset="0"/>
                 <a:cs typeface="JetBrainsMono NF" panose="02000009000000000000" pitchFamily="49" charset="0"/>
               </a:rPr>
-              <a:t>Preselect</a:t>
+              <a:t>Preprocess</a:t>
+            </a:r>
+          </a:p>
+          <a:p>
+            <a:pPr algn="ctr"/>
+            <a:r>
+              <a:rPr lang="en-GB" sz="1400" dirty="0">
+                <a:latin typeface="Crimson Pro" pitchFamily="2" charset="77"/>
+                <a:ea typeface="JetBrainsMono NF" panose="02000009000000000000" pitchFamily="49" charset="0"/>
+                <a:cs typeface="JetBrainsMono NF" panose="02000009000000000000" pitchFamily="49" charset="0"/>
+              </a:rPr>
+              <a:t>Items</a:t>
             </a:r>
           </a:p>
         </p:txBody>
@@ -4298,7 +3782,7 @@
       <p:pic>
         <p:nvPicPr>
           <p:cNvPr id="1026" name="Picture 2" descr="15.100+ Grafiken, lizenzfreie Vektorgrafiken und Clipart zu Trichter Icon -  iStock | Filter icon">
-            <a:hlinkClick r:id="rId6"/>
+            <a:hlinkClick r:id="rId5"/>
             <a:extLst>
               <a:ext uri="{FF2B5EF4-FFF2-40B4-BE49-F238E27FC236}">
                 <a16:creationId xmlns:a16="http://schemas.microsoft.com/office/drawing/2014/main" id="{E6B47FAE-0134-9A78-E31A-929ACC348FB5}"/>
@@ -4311,7 +3795,7 @@
           <p:nvPr/>
         </p:nvPicPr>
         <p:blipFill rotWithShape="1">
-          <a:blip r:embed="rId7">
+          <a:blip r:embed="rId6">
             <a:extLst>
               <a:ext uri="{28A0092B-C50C-407E-A947-70E740481C1C}">
                 <a14:useLocalDpi xmlns:a14="http://schemas.microsoft.com/office/drawing/2010/main" val="0"/>
@@ -4323,8 +3807,8 @@
         </p:blipFill>
         <p:spPr bwMode="auto">
           <a:xfrm>
-            <a:off x="3355721" y="2918503"/>
-            <a:ext cx="418015" cy="449508"/>
+            <a:off x="2696405" y="2970576"/>
+            <a:ext cx="302190" cy="324957"/>
           </a:xfrm>
           <a:prstGeom prst="rect">
             <a:avLst/>
@@ -4341,650 +3825,558 @@
           </a:extLst>
         </p:spPr>
       </p:pic>
-      <p:sp>
-        <p:nvSpPr>
-          <p:cNvPr id="56" name="Rectangle 55">
+      <p:grpSp>
+        <p:nvGrpSpPr>
+          <p:cNvPr id="17" name="Group 16">
             <a:extLst>
               <a:ext uri="{FF2B5EF4-FFF2-40B4-BE49-F238E27FC236}">
-                <a16:creationId xmlns:a16="http://schemas.microsoft.com/office/drawing/2014/main" id="{9BF3988C-94A5-B54B-2A4E-B77EB13371B6}"/>
+                <a16:creationId xmlns:a16="http://schemas.microsoft.com/office/drawing/2014/main" id="{D421E178-D30F-007B-4DCD-0F42BFB4730C}"/>
               </a:ext>
             </a:extLst>
           </p:cNvPr>
-          <p:cNvSpPr/>
+          <p:cNvGrpSpPr/>
           <p:nvPr/>
-        </p:nvSpPr>
-        <p:spPr>
+        </p:nvGrpSpPr>
+        <p:grpSpPr>
           <a:xfrm>
-            <a:off x="4337829" y="1260661"/>
-            <a:ext cx="1716167" cy="2276286"/>
+            <a:off x="422830" y="222873"/>
+            <a:ext cx="1572974" cy="3570369"/>
+            <a:chOff x="492641" y="289432"/>
+            <a:chExt cx="1572974" cy="3570369"/>
           </a:xfrm>
-          <a:prstGeom prst="rect">
-            <a:avLst/>
-          </a:prstGeom>
-          <a:ln>
-            <a:solidFill>
+        </p:grpSpPr>
+        <p:sp>
+          <p:nvSpPr>
+            <p:cNvPr id="2" name="Rounded Rectangle 1">
+              <a:extLst>
+                <a:ext uri="{FF2B5EF4-FFF2-40B4-BE49-F238E27FC236}">
+                  <a16:creationId xmlns:a16="http://schemas.microsoft.com/office/drawing/2014/main" id="{00B21124-78AD-15FB-91B6-C5B1413971D5}"/>
+                </a:ext>
+              </a:extLst>
+            </p:cNvPr>
+            <p:cNvSpPr/>
+            <p:nvPr/>
+          </p:nvSpPr>
+          <p:spPr>
+            <a:xfrm>
+              <a:off x="493670" y="665946"/>
+              <a:ext cx="1571945" cy="3193855"/>
+            </a:xfrm>
+            <a:prstGeom prst="roundRect">
+              <a:avLst/>
+            </a:prstGeom>
+          </p:spPr>
+          <p:style>
+            <a:lnRef idx="2">
+              <a:schemeClr val="dk1"/>
+            </a:lnRef>
+            <a:fillRef idx="1">
+              <a:schemeClr val="lt1"/>
+            </a:fillRef>
+            <a:effectRef idx="0">
+              <a:schemeClr val="dk1"/>
+            </a:effectRef>
+            <a:fontRef idx="minor">
+              <a:schemeClr val="dk1"/>
+            </a:fontRef>
+          </p:style>
+          <p:txBody>
+            <a:bodyPr rtlCol="0" anchor="ctr"/>
+            <a:lstStyle/>
+            <a:p>
+              <a:pPr algn="ctr"/>
+              <a:endParaRPr lang="en-DE" dirty="0">
+                <a:highlight>
+                  <a:srgbClr val="00FF00"/>
+                </a:highlight>
+              </a:endParaRPr>
+            </a:p>
+          </p:txBody>
+        </p:sp>
+        <p:sp>
+          <p:nvSpPr>
+            <p:cNvPr id="5" name="TextBox 4">
+              <a:extLst>
+                <a:ext uri="{FF2B5EF4-FFF2-40B4-BE49-F238E27FC236}">
+                  <a16:creationId xmlns:a16="http://schemas.microsoft.com/office/drawing/2014/main" id="{91CCA765-E9F7-5DF7-F177-5666965B3A09}"/>
+                </a:ext>
+              </a:extLst>
+            </p:cNvPr>
+            <p:cNvSpPr txBox="1"/>
+            <p:nvPr/>
+          </p:nvSpPr>
+          <p:spPr>
+            <a:xfrm>
+              <a:off x="756715" y="695086"/>
+              <a:ext cx="1043796" cy="338554"/>
+            </a:xfrm>
+            <a:prstGeom prst="rect">
+              <a:avLst/>
+            </a:prstGeom>
+            <a:noFill/>
+          </p:spPr>
+          <p:txBody>
+            <a:bodyPr wrap="square" rtlCol="0">
+              <a:spAutoFit/>
+            </a:bodyPr>
+            <a:lstStyle/>
+            <a:p>
+              <a:pPr algn="ctr"/>
+              <a:r>
+                <a:rPr lang="en-DE" sz="1600" dirty="0">
+                  <a:latin typeface="Crimson Pro" pitchFamily="2" charset="77"/>
+                  <a:ea typeface="JetBrainsMono NF" panose="02000009000000000000" pitchFamily="49" charset="0"/>
+                  <a:cs typeface="JetBrainsMono NF" panose="02000009000000000000" pitchFamily="49" charset="0"/>
+                </a:rPr>
+                <a:t>ARC</a:t>
+              </a:r>
+            </a:p>
+          </p:txBody>
+        </p:sp>
+        <p:cxnSp>
+          <p:nvCxnSpPr>
+            <p:cNvPr id="6" name="Straight Connector 5">
+              <a:extLst>
+                <a:ext uri="{FF2B5EF4-FFF2-40B4-BE49-F238E27FC236}">
+                  <a16:creationId xmlns:a16="http://schemas.microsoft.com/office/drawing/2014/main" id="{D72CBA09-E213-5356-F6BE-6124FFF4E7AB}"/>
+                </a:ext>
+              </a:extLst>
+            </p:cNvPr>
+            <p:cNvCxnSpPr>
+              <a:cxnSpLocks/>
+            </p:cNvCxnSpPr>
+            <p:nvPr/>
+          </p:nvCxnSpPr>
+          <p:spPr>
+            <a:xfrm flipH="1">
+              <a:off x="493670" y="1066053"/>
+              <a:ext cx="1571945" cy="0"/>
+            </a:xfrm>
+            <a:prstGeom prst="line">
+              <a:avLst/>
+            </a:prstGeom>
+          </p:spPr>
+          <p:style>
+            <a:lnRef idx="2">
+              <a:schemeClr val="dk1"/>
+            </a:lnRef>
+            <a:fillRef idx="0">
+              <a:schemeClr val="dk1"/>
+            </a:fillRef>
+            <a:effectRef idx="1">
+              <a:schemeClr val="dk1"/>
+            </a:effectRef>
+            <a:fontRef idx="minor">
               <a:schemeClr val="tx1"/>
-            </a:solidFill>
-          </a:ln>
-        </p:spPr>
-        <p:style>
-          <a:lnRef idx="2">
-            <a:schemeClr val="accent6"/>
-          </a:lnRef>
-          <a:fillRef idx="1">
-            <a:schemeClr val="lt1"/>
-          </a:fillRef>
-          <a:effectRef idx="0">
-            <a:schemeClr val="accent6"/>
-          </a:effectRef>
-          <a:fontRef idx="minor">
-            <a:schemeClr val="dk1"/>
-          </a:fontRef>
-        </p:style>
-        <p:txBody>
-          <a:bodyPr rtlCol="0" anchor="ctr"/>
-          <a:lstStyle/>
-          <a:p>
-            <a:pPr algn="ctr"/>
-            <a:endParaRPr lang="en-DE"/>
-          </a:p>
-        </p:txBody>
-      </p:sp>
-      <p:pic>
-        <p:nvPicPr>
-          <p:cNvPr id="1032" name="Picture 8">
-            <a:extLst>
-              <a:ext uri="{FF2B5EF4-FFF2-40B4-BE49-F238E27FC236}">
-                <a16:creationId xmlns:a16="http://schemas.microsoft.com/office/drawing/2014/main" id="{8EB4F9DD-3829-EE85-22F9-6A9194B60084}"/>
-              </a:ext>
-            </a:extLst>
-          </p:cNvPr>
-          <p:cNvPicPr>
-            <a:picLocks noChangeAspect="1" noChangeArrowheads="1"/>
-          </p:cNvPicPr>
-          <p:nvPr/>
-        </p:nvPicPr>
-        <p:blipFill>
-          <a:blip r:embed="rId8">
-            <a:extLst>
-              <a:ext uri="{28A0092B-C50C-407E-A947-70E740481C1C}">
-                <a14:useLocalDpi xmlns:a14="http://schemas.microsoft.com/office/drawing/2010/main" val="0"/>
-              </a:ext>
-            </a:extLst>
-          </a:blip>
-          <a:srcRect/>
-          <a:stretch>
-            <a:fillRect/>
-          </a:stretch>
-        </p:blipFill>
-        <p:spPr bwMode="auto">
-          <a:xfrm>
-            <a:off x="4869385" y="2779323"/>
-            <a:ext cx="649677" cy="649677"/>
-          </a:xfrm>
-          <a:prstGeom prst="rect">
-            <a:avLst/>
-          </a:prstGeom>
-          <a:noFill/>
-          <a:extLst>
-            <a:ext uri="{909E8E84-426E-40DD-AFC4-6F175D3DCCD1}">
-              <a14:hiddenFill xmlns:a14="http://schemas.microsoft.com/office/drawing/2010/main">
-                <a:solidFill>
-                  <a:srgbClr val="FFFFFF"/>
-                </a:solidFill>
-              </a14:hiddenFill>
-            </a:ext>
-          </a:extLst>
-        </p:spPr>
-      </p:pic>
-      <p:sp>
-        <p:nvSpPr>
-          <p:cNvPr id="57" name="TextBox 56">
-            <a:extLst>
-              <a:ext uri="{FF2B5EF4-FFF2-40B4-BE49-F238E27FC236}">
-                <a16:creationId xmlns:a16="http://schemas.microsoft.com/office/drawing/2014/main" id="{178EA6A8-C71B-432D-C82D-0B027208CBD6}"/>
-              </a:ext>
-            </a:extLst>
-          </p:cNvPr>
-          <p:cNvSpPr txBox="1"/>
-          <p:nvPr/>
-        </p:nvSpPr>
-        <p:spPr>
-          <a:xfrm>
-            <a:off x="4684276" y="1444324"/>
-            <a:ext cx="1043796" cy="369332"/>
-          </a:xfrm>
-          <a:prstGeom prst="rect">
-            <a:avLst/>
-          </a:prstGeom>
-          <a:noFill/>
-        </p:spPr>
-        <p:txBody>
-          <a:bodyPr wrap="square" rtlCol="0">
-            <a:spAutoFit/>
-          </a:bodyPr>
-          <a:lstStyle/>
-          <a:p>
-            <a:pPr algn="ctr"/>
-            <a:r>
-              <a:rPr lang="en-DE" dirty="0">
+            </a:fontRef>
+          </p:style>
+        </p:cxnSp>
+        <p:sp>
+          <p:nvSpPr>
+            <p:cNvPr id="8" name="TextBox 7">
+              <a:extLst>
+                <a:ext uri="{FF2B5EF4-FFF2-40B4-BE49-F238E27FC236}">
+                  <a16:creationId xmlns:a16="http://schemas.microsoft.com/office/drawing/2014/main" id="{8AC5A3A9-AA5C-BEB4-E854-B065DB8D08E0}"/>
+                </a:ext>
+              </a:extLst>
+            </p:cNvPr>
+            <p:cNvSpPr txBox="1"/>
+            <p:nvPr/>
+          </p:nvSpPr>
+          <p:spPr>
+            <a:xfrm>
+              <a:off x="756715" y="1089702"/>
+              <a:ext cx="1043796" cy="338554"/>
+            </a:xfrm>
+            <a:prstGeom prst="rect">
+              <a:avLst/>
+            </a:prstGeom>
+            <a:noFill/>
+          </p:spPr>
+          <p:txBody>
+            <a:bodyPr wrap="square" rtlCol="0">
+              <a:spAutoFit/>
+            </a:bodyPr>
+            <a:lstStyle/>
+            <a:p>
+              <a:pPr algn="ctr"/>
+              <a:r>
+                <a:rPr lang="en-DE" sz="1600" dirty="0">
+                  <a:latin typeface="Crimson Pro" pitchFamily="2" charset="77"/>
+                  <a:ea typeface="JetBrainsMono NF" panose="02000009000000000000" pitchFamily="49" charset="0"/>
+                  <a:cs typeface="JetBrainsMono NF" panose="02000009000000000000" pitchFamily="49" charset="0"/>
+                </a:rPr>
+                <a:t>GSM8K</a:t>
+              </a:r>
+            </a:p>
+          </p:txBody>
+        </p:sp>
+        <p:cxnSp>
+          <p:nvCxnSpPr>
+            <p:cNvPr id="9" name="Straight Connector 8">
+              <a:extLst>
+                <a:ext uri="{FF2B5EF4-FFF2-40B4-BE49-F238E27FC236}">
+                  <a16:creationId xmlns:a16="http://schemas.microsoft.com/office/drawing/2014/main" id="{50418095-8AAA-45FD-E8A3-4BB545C553F5}"/>
+                </a:ext>
+              </a:extLst>
+            </p:cNvPr>
+            <p:cNvCxnSpPr>
+              <a:cxnSpLocks/>
+            </p:cNvCxnSpPr>
+            <p:nvPr/>
+          </p:nvCxnSpPr>
+          <p:spPr>
+            <a:xfrm flipH="1">
+              <a:off x="493669" y="1460669"/>
+              <a:ext cx="1571945" cy="0"/>
+            </a:xfrm>
+            <a:prstGeom prst="line">
+              <a:avLst/>
+            </a:prstGeom>
+          </p:spPr>
+          <p:style>
+            <a:lnRef idx="2">
+              <a:schemeClr val="dk1"/>
+            </a:lnRef>
+            <a:fillRef idx="0">
+              <a:schemeClr val="dk1"/>
+            </a:fillRef>
+            <a:effectRef idx="1">
+              <a:schemeClr val="dk1"/>
+            </a:effectRef>
+            <a:fontRef idx="minor">
+              <a:schemeClr val="tx1"/>
+            </a:fontRef>
+          </p:style>
+        </p:cxnSp>
+        <p:sp>
+          <p:nvSpPr>
+            <p:cNvPr id="10" name="TextBox 9">
+              <a:extLst>
+                <a:ext uri="{FF2B5EF4-FFF2-40B4-BE49-F238E27FC236}">
+                  <a16:creationId xmlns:a16="http://schemas.microsoft.com/office/drawing/2014/main" id="{2156E8C0-2434-E9E9-046F-BCF36C780A32}"/>
+                </a:ext>
+              </a:extLst>
+            </p:cNvPr>
+            <p:cNvSpPr txBox="1"/>
+            <p:nvPr/>
+          </p:nvSpPr>
+          <p:spPr>
+            <a:xfrm>
+              <a:off x="756715" y="1765114"/>
+              <a:ext cx="1043796" cy="338554"/>
+            </a:xfrm>
+            <a:prstGeom prst="rect">
+              <a:avLst/>
+            </a:prstGeom>
+            <a:noFill/>
+          </p:spPr>
+          <p:txBody>
+            <a:bodyPr wrap="square" rtlCol="0">
+              <a:spAutoFit/>
+            </a:bodyPr>
+            <a:lstStyle/>
+            <a:p>
+              <a:pPr algn="ctr"/>
+              <a:r>
+                <a:rPr lang="en-DE" sz="1600" dirty="0">
+                  <a:latin typeface="Crimson Pro" pitchFamily="2" charset="77"/>
+                  <a:ea typeface="JetBrainsMono NF" panose="02000009000000000000" pitchFamily="49" charset="0"/>
+                  <a:cs typeface="JetBrainsMono NF" panose="02000009000000000000" pitchFamily="49" charset="0"/>
+                </a:rPr>
+                <a:t>HellaSwag</a:t>
+              </a:r>
+              <a:endParaRPr lang="en-DE" sz="1400" dirty="0">
                 <a:latin typeface="Crimson Pro" pitchFamily="2" charset="77"/>
                 <a:ea typeface="JetBrainsMono NF" panose="02000009000000000000" pitchFamily="49" charset="0"/>
                 <a:cs typeface="JetBrainsMono NF" panose="02000009000000000000" pitchFamily="49" charset="0"/>
-              </a:rPr>
-              <a:t>Fit IRT</a:t>
-            </a:r>
-          </a:p>
-        </p:txBody>
-      </p:sp>
-      <p:sp>
-        <p:nvSpPr>
-          <p:cNvPr id="1084" name="TextBox 1083">
-            <a:extLst>
-              <a:ext uri="{FF2B5EF4-FFF2-40B4-BE49-F238E27FC236}">
-                <a16:creationId xmlns:a16="http://schemas.microsoft.com/office/drawing/2014/main" id="{D61399CE-2BC7-D82C-F458-0275D9A03080}"/>
-              </a:ext>
-            </a:extLst>
-          </p:cNvPr>
-          <p:cNvSpPr txBox="1"/>
-          <p:nvPr/>
-        </p:nvSpPr>
-        <p:spPr>
-          <a:xfrm>
-            <a:off x="1108514" y="473205"/>
-            <a:ext cx="1437353" cy="307777"/>
-          </a:xfrm>
-          <a:prstGeom prst="rect">
-            <a:avLst/>
-          </a:prstGeom>
-          <a:noFill/>
-        </p:spPr>
-        <p:txBody>
-          <a:bodyPr wrap="square">
-            <a:spAutoFit/>
-          </a:bodyPr>
-          <a:lstStyle/>
-          <a:p>
-            <a:pPr algn="ctr"/>
-            <a:r>
-              <a:rPr lang="en-GB" sz="1400" i="1" dirty="0">
-                <a:latin typeface="Crimson Pro ExtraLight" pitchFamily="2" charset="77"/>
-                <a:ea typeface="JetBrainsMono NF" panose="02000009000000000000" pitchFamily="49" charset="0"/>
-                <a:cs typeface="JetBrainsMono NF" panose="02000009000000000000" pitchFamily="49" charset="0"/>
-              </a:rPr>
-              <a:t># 22.6k</a:t>
-            </a:r>
-            <a:endParaRPr lang="en-DE" sz="1400" i="1" dirty="0">
-              <a:latin typeface="Crimson Pro ExtraLight" pitchFamily="2" charset="77"/>
-            </a:endParaRPr>
-          </a:p>
-        </p:txBody>
-      </p:sp>
-      <p:sp>
-        <p:nvSpPr>
-          <p:cNvPr id="22" name="Rounded Rectangle 21">
-            <a:extLst>
-              <a:ext uri="{FF2B5EF4-FFF2-40B4-BE49-F238E27FC236}">
-                <a16:creationId xmlns:a16="http://schemas.microsoft.com/office/drawing/2014/main" id="{02D95796-3FAD-55A0-F0F4-7EFBE4FD9734}"/>
-              </a:ext>
-            </a:extLst>
-          </p:cNvPr>
-          <p:cNvSpPr/>
-          <p:nvPr/>
-        </p:nvSpPr>
-        <p:spPr>
-          <a:xfrm>
-            <a:off x="7853504" y="416505"/>
-            <a:ext cx="1207284" cy="3836747"/>
-          </a:xfrm>
-          <a:prstGeom prst="roundRect">
-            <a:avLst/>
-          </a:prstGeom>
-        </p:spPr>
-        <p:style>
-          <a:lnRef idx="2">
-            <a:schemeClr val="dk1"/>
-          </a:lnRef>
-          <a:fillRef idx="1">
-            <a:schemeClr val="lt1"/>
-          </a:fillRef>
-          <a:effectRef idx="0">
-            <a:schemeClr val="dk1"/>
-          </a:effectRef>
-          <a:fontRef idx="minor">
-            <a:schemeClr val="dk1"/>
-          </a:fontRef>
-        </p:style>
-        <p:txBody>
-          <a:bodyPr rtlCol="0" anchor="ctr"/>
-          <a:lstStyle/>
-          <a:p>
-            <a:pPr algn="ctr"/>
-            <a:endParaRPr lang="en-DE" dirty="0">
-              <a:highlight>
-                <a:srgbClr val="00FF00"/>
-              </a:highlight>
-            </a:endParaRPr>
-          </a:p>
-        </p:txBody>
-      </p:sp>
-      <p:sp>
-        <p:nvSpPr>
-          <p:cNvPr id="23" name="Rounded Rectangle 22">
-            <a:extLst>
-              <a:ext uri="{FF2B5EF4-FFF2-40B4-BE49-F238E27FC236}">
-                <a16:creationId xmlns:a16="http://schemas.microsoft.com/office/drawing/2014/main" id="{16BBB2A0-049E-921F-31C6-C8CFA1CBE6A4}"/>
-              </a:ext>
-            </a:extLst>
-          </p:cNvPr>
-          <p:cNvSpPr/>
-          <p:nvPr/>
-        </p:nvSpPr>
-        <p:spPr>
-          <a:xfrm>
-            <a:off x="7988255" y="827522"/>
-            <a:ext cx="946184" cy="3203234"/>
-          </a:xfrm>
-          <a:prstGeom prst="roundRect">
-            <a:avLst/>
-          </a:prstGeom>
-        </p:spPr>
-        <p:style>
-          <a:lnRef idx="2">
-            <a:schemeClr val="dk1"/>
-          </a:lnRef>
-          <a:fillRef idx="1">
-            <a:schemeClr val="lt1"/>
-          </a:fillRef>
-          <a:effectRef idx="0">
-            <a:schemeClr val="dk1"/>
-          </a:effectRef>
-          <a:fontRef idx="minor">
-            <a:schemeClr val="dk1"/>
-          </a:fontRef>
-        </p:style>
-        <p:txBody>
-          <a:bodyPr rtlCol="0" anchor="ctr"/>
-          <a:lstStyle/>
-          <a:p>
-            <a:pPr algn="ctr"/>
-            <a:endParaRPr lang="en-DE" dirty="0">
-              <a:highlight>
-                <a:srgbClr val="00FF00"/>
-              </a:highlight>
-            </a:endParaRPr>
-          </a:p>
-        </p:txBody>
-      </p:sp>
-      <p:sp>
-        <p:nvSpPr>
-          <p:cNvPr id="24" name="TextBox 23">
-            <a:extLst>
-              <a:ext uri="{FF2B5EF4-FFF2-40B4-BE49-F238E27FC236}">
-                <a16:creationId xmlns:a16="http://schemas.microsoft.com/office/drawing/2014/main" id="{75F5ABD3-52E2-6B32-6E0E-A15EBB6E5F35}"/>
-              </a:ext>
-            </a:extLst>
-          </p:cNvPr>
-          <p:cNvSpPr txBox="1"/>
-          <p:nvPr/>
-        </p:nvSpPr>
-        <p:spPr>
-          <a:xfrm>
-            <a:off x="7935961" y="878571"/>
-            <a:ext cx="1043796" cy="276999"/>
-          </a:xfrm>
-          <a:prstGeom prst="rect">
-            <a:avLst/>
-          </a:prstGeom>
-          <a:noFill/>
-        </p:spPr>
-        <p:txBody>
-          <a:bodyPr wrap="square" rtlCol="0">
-            <a:spAutoFit/>
-          </a:bodyPr>
-          <a:lstStyle/>
-          <a:p>
-            <a:pPr algn="ctr"/>
-            <a:r>
-              <a:rPr lang="en-DE" sz="1200" dirty="0">
+              </a:endParaRPr>
+            </a:p>
+          </p:txBody>
+        </p:sp>
+        <p:cxnSp>
+          <p:nvCxnSpPr>
+            <p:cNvPr id="11" name="Straight Connector 10">
+              <a:extLst>
+                <a:ext uri="{FF2B5EF4-FFF2-40B4-BE49-F238E27FC236}">
+                  <a16:creationId xmlns:a16="http://schemas.microsoft.com/office/drawing/2014/main" id="{62B99B2B-6696-BD9F-F3B3-18A32BD4E5FB}"/>
+                </a:ext>
+              </a:extLst>
+            </p:cNvPr>
+            <p:cNvCxnSpPr>
+              <a:cxnSpLocks/>
+            </p:cNvCxnSpPr>
+            <p:nvPr/>
+          </p:nvCxnSpPr>
+          <p:spPr>
+            <a:xfrm flipH="1">
+              <a:off x="492641" y="2420033"/>
+              <a:ext cx="1571945" cy="0"/>
+            </a:xfrm>
+            <a:prstGeom prst="line">
+              <a:avLst/>
+            </a:prstGeom>
+          </p:spPr>
+          <p:style>
+            <a:lnRef idx="2">
+              <a:schemeClr val="dk1"/>
+            </a:lnRef>
+            <a:fillRef idx="0">
+              <a:schemeClr val="dk1"/>
+            </a:fillRef>
+            <a:effectRef idx="1">
+              <a:schemeClr val="dk1"/>
+            </a:effectRef>
+            <a:fontRef idx="minor">
+              <a:schemeClr val="tx1"/>
+            </a:fontRef>
+          </p:style>
+        </p:cxnSp>
+        <p:cxnSp>
+          <p:nvCxnSpPr>
+            <p:cNvPr id="12" name="Straight Connector 11">
+              <a:extLst>
+                <a:ext uri="{FF2B5EF4-FFF2-40B4-BE49-F238E27FC236}">
+                  <a16:creationId xmlns:a16="http://schemas.microsoft.com/office/drawing/2014/main" id="{D785AB9D-67F3-4B1D-83C7-811CD0C64D29}"/>
+                </a:ext>
+              </a:extLst>
+            </p:cNvPr>
+            <p:cNvCxnSpPr>
+              <a:cxnSpLocks/>
+            </p:cNvCxnSpPr>
+            <p:nvPr/>
+          </p:nvCxnSpPr>
+          <p:spPr>
+            <a:xfrm flipH="1">
+              <a:off x="492641" y="3137394"/>
+              <a:ext cx="1571945" cy="0"/>
+            </a:xfrm>
+            <a:prstGeom prst="line">
+              <a:avLst/>
+            </a:prstGeom>
+          </p:spPr>
+          <p:style>
+            <a:lnRef idx="2">
+              <a:schemeClr val="dk1"/>
+            </a:lnRef>
+            <a:fillRef idx="0">
+              <a:schemeClr val="dk1"/>
+            </a:fillRef>
+            <a:effectRef idx="1">
+              <a:schemeClr val="dk1"/>
+            </a:effectRef>
+            <a:fontRef idx="minor">
+              <a:schemeClr val="tx1"/>
+            </a:fontRef>
+          </p:style>
+        </p:cxnSp>
+        <p:sp>
+          <p:nvSpPr>
+            <p:cNvPr id="13" name="TextBox 12">
+              <a:extLst>
+                <a:ext uri="{FF2B5EF4-FFF2-40B4-BE49-F238E27FC236}">
+                  <a16:creationId xmlns:a16="http://schemas.microsoft.com/office/drawing/2014/main" id="{F3A34899-F0DB-14ED-6552-A6BA20D81411}"/>
+                </a:ext>
+              </a:extLst>
+            </p:cNvPr>
+            <p:cNvSpPr txBox="1"/>
+            <p:nvPr/>
+          </p:nvSpPr>
+          <p:spPr>
+            <a:xfrm>
+              <a:off x="737573" y="2634785"/>
+              <a:ext cx="1043796" cy="338554"/>
+            </a:xfrm>
+            <a:prstGeom prst="rect">
+              <a:avLst/>
+            </a:prstGeom>
+            <a:noFill/>
+          </p:spPr>
+          <p:txBody>
+            <a:bodyPr wrap="square" rtlCol="0">
+              <a:spAutoFit/>
+            </a:bodyPr>
+            <a:lstStyle/>
+            <a:p>
+              <a:pPr algn="ctr"/>
+              <a:r>
+                <a:rPr lang="en-DE" sz="1600" dirty="0">
+                  <a:latin typeface="Crimson Pro" pitchFamily="2" charset="77"/>
+                  <a:ea typeface="JetBrainsMono NF" panose="02000009000000000000" pitchFamily="49" charset="0"/>
+                  <a:cs typeface="JetBrainsMono NF" panose="02000009000000000000" pitchFamily="49" charset="0"/>
+                </a:rPr>
+                <a:t>MMLU</a:t>
+              </a:r>
+              <a:endParaRPr lang="en-DE" dirty="0">
                 <a:latin typeface="Crimson Pro" pitchFamily="2" charset="77"/>
                 <a:ea typeface="JetBrainsMono NF" panose="02000009000000000000" pitchFamily="49" charset="0"/>
                 <a:cs typeface="JetBrainsMono NF" panose="02000009000000000000" pitchFamily="49" charset="0"/>
-              </a:rPr>
-              <a:t>ARC</a:t>
-            </a:r>
-          </a:p>
-        </p:txBody>
-      </p:sp>
-      <p:cxnSp>
-        <p:nvCxnSpPr>
-          <p:cNvPr id="25" name="Straight Connector 24">
-            <a:extLst>
-              <a:ext uri="{FF2B5EF4-FFF2-40B4-BE49-F238E27FC236}">
-                <a16:creationId xmlns:a16="http://schemas.microsoft.com/office/drawing/2014/main" id="{15E3356C-2D4D-BAFC-005C-1B4E11CE2B11}"/>
-              </a:ext>
-            </a:extLst>
-          </p:cNvPr>
-          <p:cNvCxnSpPr>
-            <a:cxnSpLocks/>
-          </p:cNvCxnSpPr>
-          <p:nvPr/>
-        </p:nvCxnSpPr>
-        <p:spPr>
-          <a:xfrm flipH="1">
-            <a:off x="7988255" y="1197141"/>
-            <a:ext cx="946184" cy="0"/>
-          </a:xfrm>
-          <a:prstGeom prst="line">
-            <a:avLst/>
-          </a:prstGeom>
-        </p:spPr>
-        <p:style>
-          <a:lnRef idx="2">
-            <a:schemeClr val="dk1"/>
-          </a:lnRef>
-          <a:fillRef idx="0">
-            <a:schemeClr val="dk1"/>
-          </a:fillRef>
-          <a:effectRef idx="1">
-            <a:schemeClr val="dk1"/>
-          </a:effectRef>
-          <a:fontRef idx="minor">
-            <a:schemeClr val="tx1"/>
-          </a:fontRef>
-        </p:style>
-      </p:cxnSp>
-      <p:sp>
-        <p:nvSpPr>
-          <p:cNvPr id="27" name="TextBox 26">
-            <a:extLst>
-              <a:ext uri="{FF2B5EF4-FFF2-40B4-BE49-F238E27FC236}">
-                <a16:creationId xmlns:a16="http://schemas.microsoft.com/office/drawing/2014/main" id="{9F62826A-5053-A486-C322-7BFDE97979AE}"/>
-              </a:ext>
-            </a:extLst>
-          </p:cNvPr>
-          <p:cNvSpPr txBox="1"/>
-          <p:nvPr/>
-        </p:nvSpPr>
-        <p:spPr>
-          <a:xfrm>
-            <a:off x="7971005" y="1313463"/>
-            <a:ext cx="1043796" cy="276999"/>
-          </a:xfrm>
-          <a:prstGeom prst="rect">
-            <a:avLst/>
-          </a:prstGeom>
-          <a:noFill/>
-        </p:spPr>
-        <p:txBody>
-          <a:bodyPr wrap="square" rtlCol="0">
-            <a:spAutoFit/>
-          </a:bodyPr>
-          <a:lstStyle/>
-          <a:p>
-            <a:pPr algn="ctr"/>
-            <a:r>
-              <a:rPr lang="en-DE" sz="1200" dirty="0">
-                <a:latin typeface="Crimson Pro" pitchFamily="2" charset="77"/>
-                <a:ea typeface="JetBrainsMono NF" panose="02000009000000000000" pitchFamily="49" charset="0"/>
-                <a:cs typeface="JetBrainsMono NF" panose="02000009000000000000" pitchFamily="49" charset="0"/>
-              </a:rPr>
-              <a:t>GSM8K</a:t>
-            </a:r>
-            <a:endParaRPr lang="en-DE" sz="1600" dirty="0">
-              <a:latin typeface="Crimson Pro" pitchFamily="2" charset="77"/>
-              <a:ea typeface="JetBrainsMono NF" panose="02000009000000000000" pitchFamily="49" charset="0"/>
-              <a:cs typeface="JetBrainsMono NF" panose="02000009000000000000" pitchFamily="49" charset="0"/>
-            </a:endParaRPr>
-          </a:p>
-        </p:txBody>
-      </p:sp>
-      <p:cxnSp>
-        <p:nvCxnSpPr>
-          <p:cNvPr id="28" name="Straight Connector 27">
-            <a:extLst>
-              <a:ext uri="{FF2B5EF4-FFF2-40B4-BE49-F238E27FC236}">
-                <a16:creationId xmlns:a16="http://schemas.microsoft.com/office/drawing/2014/main" id="{9690CBCD-AD41-49B1-FE98-E751C824D79F}"/>
-              </a:ext>
-            </a:extLst>
-          </p:cNvPr>
-          <p:cNvCxnSpPr>
-            <a:cxnSpLocks/>
-          </p:cNvCxnSpPr>
-          <p:nvPr/>
-        </p:nvCxnSpPr>
-        <p:spPr>
-          <a:xfrm flipH="1">
-            <a:off x="7988255" y="1719902"/>
-            <a:ext cx="946184" cy="0"/>
-          </a:xfrm>
-          <a:prstGeom prst="line">
-            <a:avLst/>
-          </a:prstGeom>
-        </p:spPr>
-        <p:style>
-          <a:lnRef idx="2">
-            <a:schemeClr val="dk1"/>
-          </a:lnRef>
-          <a:fillRef idx="0">
-            <a:schemeClr val="dk1"/>
-          </a:fillRef>
-          <a:effectRef idx="1">
-            <a:schemeClr val="dk1"/>
-          </a:effectRef>
-          <a:fontRef idx="minor">
-            <a:schemeClr val="tx1"/>
-          </a:fontRef>
-        </p:style>
-      </p:cxnSp>
-      <p:sp>
-        <p:nvSpPr>
-          <p:cNvPr id="29" name="TextBox 28">
-            <a:extLst>
-              <a:ext uri="{FF2B5EF4-FFF2-40B4-BE49-F238E27FC236}">
-                <a16:creationId xmlns:a16="http://schemas.microsoft.com/office/drawing/2014/main" id="{ECFB7A9B-F1D4-3184-78A8-3B7039B13CC0}"/>
-              </a:ext>
-            </a:extLst>
-          </p:cNvPr>
-          <p:cNvSpPr txBox="1"/>
-          <p:nvPr/>
-        </p:nvSpPr>
-        <p:spPr>
-          <a:xfrm>
-            <a:off x="7950718" y="1871339"/>
-            <a:ext cx="1043796" cy="276999"/>
-          </a:xfrm>
-          <a:prstGeom prst="rect">
-            <a:avLst/>
-          </a:prstGeom>
-          <a:noFill/>
-        </p:spPr>
-        <p:txBody>
-          <a:bodyPr wrap="square" rtlCol="0">
-            <a:spAutoFit/>
-          </a:bodyPr>
-          <a:lstStyle/>
-          <a:p>
-            <a:pPr algn="ctr"/>
-            <a:r>
-              <a:rPr lang="en-DE" sz="1200" dirty="0">
-                <a:latin typeface="Crimson Pro" pitchFamily="2" charset="77"/>
-                <a:ea typeface="JetBrainsMono NF" panose="02000009000000000000" pitchFamily="49" charset="0"/>
-                <a:cs typeface="JetBrainsMono NF" panose="02000009000000000000" pitchFamily="49" charset="0"/>
-              </a:rPr>
-              <a:t>HellaSwag</a:t>
-            </a:r>
-          </a:p>
-        </p:txBody>
-      </p:sp>
-      <p:sp>
-        <p:nvSpPr>
-          <p:cNvPr id="32" name="TextBox 31">
-            <a:extLst>
-              <a:ext uri="{FF2B5EF4-FFF2-40B4-BE49-F238E27FC236}">
-                <a16:creationId xmlns:a16="http://schemas.microsoft.com/office/drawing/2014/main" id="{BEC96813-EBC4-8B2C-760B-E1E8345B06B0}"/>
-              </a:ext>
-            </a:extLst>
-          </p:cNvPr>
-          <p:cNvSpPr txBox="1"/>
-          <p:nvPr/>
-        </p:nvSpPr>
-        <p:spPr>
-          <a:xfrm>
-            <a:off x="7950718" y="2590105"/>
-            <a:ext cx="1043796" cy="276999"/>
-          </a:xfrm>
-          <a:prstGeom prst="rect">
-            <a:avLst/>
-          </a:prstGeom>
-          <a:noFill/>
-        </p:spPr>
-        <p:txBody>
-          <a:bodyPr wrap="square" rtlCol="0">
-            <a:spAutoFit/>
-          </a:bodyPr>
-          <a:lstStyle/>
-          <a:p>
-            <a:pPr algn="ctr"/>
-            <a:r>
-              <a:rPr lang="en-DE" sz="1200" dirty="0">
-                <a:latin typeface="Crimson Pro" pitchFamily="2" charset="77"/>
-                <a:ea typeface="JetBrainsMono NF" panose="02000009000000000000" pitchFamily="49" charset="0"/>
-                <a:cs typeface="JetBrainsMono NF" panose="02000009000000000000" pitchFamily="49" charset="0"/>
-              </a:rPr>
-              <a:t>MMLU</a:t>
-            </a:r>
-            <a:endParaRPr lang="en-DE" dirty="0">
-              <a:latin typeface="Crimson Pro" pitchFamily="2" charset="77"/>
-              <a:ea typeface="JetBrainsMono NF" panose="02000009000000000000" pitchFamily="49" charset="0"/>
-              <a:cs typeface="JetBrainsMono NF" panose="02000009000000000000" pitchFamily="49" charset="0"/>
-            </a:endParaRPr>
-          </a:p>
-        </p:txBody>
-      </p:sp>
-      <p:sp>
-        <p:nvSpPr>
-          <p:cNvPr id="33" name="TextBox 32">
-            <a:extLst>
-              <a:ext uri="{FF2B5EF4-FFF2-40B4-BE49-F238E27FC236}">
-                <a16:creationId xmlns:a16="http://schemas.microsoft.com/office/drawing/2014/main" id="{84E116F7-80AC-718F-8870-F4BBAD05919D}"/>
-              </a:ext>
-            </a:extLst>
-          </p:cNvPr>
-          <p:cNvSpPr txBox="1"/>
-          <p:nvPr/>
-        </p:nvSpPr>
-        <p:spPr>
-          <a:xfrm>
-            <a:off x="7865302" y="3223112"/>
-            <a:ext cx="1195486" cy="276999"/>
-          </a:xfrm>
-          <a:prstGeom prst="rect">
-            <a:avLst/>
-          </a:prstGeom>
-          <a:noFill/>
-        </p:spPr>
-        <p:txBody>
-          <a:bodyPr wrap="square" rtlCol="0">
-            <a:spAutoFit/>
-          </a:bodyPr>
-          <a:lstStyle/>
-          <a:p>
-            <a:pPr algn="ctr"/>
-            <a:r>
-              <a:rPr lang="en-DE" sz="1200" dirty="0">
-                <a:latin typeface="Crimson Pro" pitchFamily="2" charset="77"/>
-                <a:ea typeface="JetBrainsMono NF" panose="02000009000000000000" pitchFamily="49" charset="0"/>
-                <a:cs typeface="JetBrainsMono NF" panose="02000009000000000000" pitchFamily="49" charset="0"/>
-              </a:rPr>
-              <a:t>TruthfulQA</a:t>
-            </a:r>
-          </a:p>
-        </p:txBody>
-      </p:sp>
-      <p:sp>
-        <p:nvSpPr>
-          <p:cNvPr id="35" name="TextBox 34">
-            <a:extLst>
-              <a:ext uri="{FF2B5EF4-FFF2-40B4-BE49-F238E27FC236}">
-                <a16:creationId xmlns:a16="http://schemas.microsoft.com/office/drawing/2014/main" id="{5AE1061C-E468-B017-055B-68B34830A3B9}"/>
-              </a:ext>
-            </a:extLst>
-          </p:cNvPr>
-          <p:cNvSpPr txBox="1"/>
-          <p:nvPr/>
-        </p:nvSpPr>
-        <p:spPr>
-          <a:xfrm>
-            <a:off x="7818170" y="3677748"/>
-            <a:ext cx="1308897" cy="261610"/>
-          </a:xfrm>
-          <a:prstGeom prst="rect">
-            <a:avLst/>
-          </a:prstGeom>
-          <a:noFill/>
-        </p:spPr>
-        <p:txBody>
-          <a:bodyPr wrap="square" rtlCol="0">
-            <a:spAutoFit/>
-          </a:bodyPr>
-          <a:lstStyle/>
-          <a:p>
-            <a:pPr algn="ctr"/>
-            <a:r>
-              <a:rPr lang="en-DE" sz="1100" dirty="0">
-                <a:latin typeface="Crimson Pro" pitchFamily="2" charset="77"/>
-                <a:ea typeface="JetBrainsMono NF" panose="02000009000000000000" pitchFamily="49" charset="0"/>
-                <a:cs typeface="JetBrainsMono NF" panose="02000009000000000000" pitchFamily="49" charset="0"/>
-              </a:rPr>
-              <a:t>Winogrande</a:t>
-            </a:r>
-          </a:p>
-        </p:txBody>
-      </p:sp>
-      <p:sp>
-        <p:nvSpPr>
-          <p:cNvPr id="36" name="TextBox 35">
-            <a:extLst>
-              <a:ext uri="{FF2B5EF4-FFF2-40B4-BE49-F238E27FC236}">
-                <a16:creationId xmlns:a16="http://schemas.microsoft.com/office/drawing/2014/main" id="{C3578E3C-8D9D-D6FD-77E0-3ECB84E69EDB}"/>
-              </a:ext>
-            </a:extLst>
-          </p:cNvPr>
-          <p:cNvSpPr txBox="1"/>
-          <p:nvPr/>
-        </p:nvSpPr>
-        <p:spPr>
-          <a:xfrm>
-            <a:off x="7768349" y="473205"/>
-            <a:ext cx="1437353" cy="307777"/>
-          </a:xfrm>
-          <a:prstGeom prst="rect">
-            <a:avLst/>
-          </a:prstGeom>
-          <a:noFill/>
-        </p:spPr>
-        <p:txBody>
-          <a:bodyPr wrap="square">
-            <a:spAutoFit/>
-          </a:bodyPr>
-          <a:lstStyle/>
-          <a:p>
-            <a:pPr algn="ctr"/>
-            <a:r>
-              <a:rPr lang="en-GB" sz="1400" i="1" dirty="0">
+              </a:endParaRPr>
+            </a:p>
+          </p:txBody>
+        </p:sp>
+        <p:sp>
+          <p:nvSpPr>
+            <p:cNvPr id="14" name="TextBox 13">
+              <a:extLst>
+                <a:ext uri="{FF2B5EF4-FFF2-40B4-BE49-F238E27FC236}">
+                  <a16:creationId xmlns:a16="http://schemas.microsoft.com/office/drawing/2014/main" id="{EE7267AE-FEB8-EA29-B488-6281A4F85875}"/>
+                </a:ext>
+              </a:extLst>
+            </p:cNvPr>
+            <p:cNvSpPr txBox="1"/>
+            <p:nvPr/>
+          </p:nvSpPr>
+          <p:spPr>
+            <a:xfrm>
+              <a:off x="680868" y="3137394"/>
+              <a:ext cx="1195486" cy="338554"/>
+            </a:xfrm>
+            <a:prstGeom prst="rect">
+              <a:avLst/>
+            </a:prstGeom>
+            <a:noFill/>
+          </p:spPr>
+          <p:txBody>
+            <a:bodyPr wrap="square" rtlCol="0">
+              <a:spAutoFit/>
+            </a:bodyPr>
+            <a:lstStyle/>
+            <a:p>
+              <a:pPr algn="ctr"/>
+              <a:r>
+                <a:rPr lang="en-DE" sz="1600" dirty="0">
+                  <a:latin typeface="Crimson Pro" pitchFamily="2" charset="77"/>
+                  <a:ea typeface="JetBrainsMono NF" panose="02000009000000000000" pitchFamily="49" charset="0"/>
+                  <a:cs typeface="JetBrainsMono NF" panose="02000009000000000000" pitchFamily="49" charset="0"/>
+                </a:rPr>
+                <a:t>TruthfulQA</a:t>
+              </a:r>
+            </a:p>
+          </p:txBody>
+        </p:sp>
+        <p:cxnSp>
+          <p:nvCxnSpPr>
+            <p:cNvPr id="15" name="Straight Connector 14">
+              <a:extLst>
+                <a:ext uri="{FF2B5EF4-FFF2-40B4-BE49-F238E27FC236}">
+                  <a16:creationId xmlns:a16="http://schemas.microsoft.com/office/drawing/2014/main" id="{E18988B7-20ED-6B79-AF10-77CD172B8F76}"/>
+                </a:ext>
+              </a:extLst>
+            </p:cNvPr>
+            <p:cNvCxnSpPr>
+              <a:cxnSpLocks/>
+            </p:cNvCxnSpPr>
+            <p:nvPr/>
+          </p:nvCxnSpPr>
+          <p:spPr>
+            <a:xfrm flipH="1">
+              <a:off x="492641" y="3513909"/>
+              <a:ext cx="1571945" cy="0"/>
+            </a:xfrm>
+            <a:prstGeom prst="line">
+              <a:avLst/>
+            </a:prstGeom>
+          </p:spPr>
+          <p:style>
+            <a:lnRef idx="2">
+              <a:schemeClr val="dk1"/>
+            </a:lnRef>
+            <a:fillRef idx="0">
+              <a:schemeClr val="dk1"/>
+            </a:fillRef>
+            <a:effectRef idx="1">
+              <a:schemeClr val="dk1"/>
+            </a:effectRef>
+            <a:fontRef idx="minor">
+              <a:schemeClr val="tx1"/>
+            </a:fontRef>
+          </p:style>
+        </p:cxnSp>
+        <p:sp>
+          <p:nvSpPr>
+            <p:cNvPr id="16" name="TextBox 15">
+              <a:extLst>
+                <a:ext uri="{FF2B5EF4-FFF2-40B4-BE49-F238E27FC236}">
+                  <a16:creationId xmlns:a16="http://schemas.microsoft.com/office/drawing/2014/main" id="{D0108BE8-C81A-EC99-6967-2C8502E5FC56}"/>
+                </a:ext>
+              </a:extLst>
+            </p:cNvPr>
+            <p:cNvSpPr txBox="1"/>
+            <p:nvPr/>
+          </p:nvSpPr>
+          <p:spPr>
+            <a:xfrm>
+              <a:off x="624166" y="3502630"/>
+              <a:ext cx="1308897" cy="338554"/>
+            </a:xfrm>
+            <a:prstGeom prst="rect">
+              <a:avLst/>
+            </a:prstGeom>
+            <a:noFill/>
+          </p:spPr>
+          <p:txBody>
+            <a:bodyPr wrap="square" rtlCol="0">
+              <a:spAutoFit/>
+            </a:bodyPr>
+            <a:lstStyle/>
+            <a:p>
+              <a:pPr algn="ctr"/>
+              <a:r>
+                <a:rPr lang="en-DE" sz="1600" dirty="0">
+                  <a:latin typeface="Crimson Pro" pitchFamily="2" charset="77"/>
+                  <a:ea typeface="JetBrainsMono NF" panose="02000009000000000000" pitchFamily="49" charset="0"/>
+                  <a:cs typeface="JetBrainsMono NF" panose="02000009000000000000" pitchFamily="49" charset="0"/>
+                </a:rPr>
+                <a:t>Winogrande</a:t>
+              </a:r>
+            </a:p>
+          </p:txBody>
+        </p:sp>
+        <p:sp>
+          <p:nvSpPr>
+            <p:cNvPr id="1084" name="TextBox 1083">
+              <a:extLst>
+                <a:ext uri="{FF2B5EF4-FFF2-40B4-BE49-F238E27FC236}">
+                  <a16:creationId xmlns:a16="http://schemas.microsoft.com/office/drawing/2014/main" id="{D61399CE-2BC7-D82C-F458-0275D9A03080}"/>
+                </a:ext>
+              </a:extLst>
+            </p:cNvPr>
+            <p:cNvSpPr txBox="1"/>
+            <p:nvPr/>
+          </p:nvSpPr>
+          <p:spPr>
+            <a:xfrm>
+              <a:off x="559934" y="289432"/>
+              <a:ext cx="1437353" cy="307777"/>
+            </a:xfrm>
+            <a:prstGeom prst="rect">
+              <a:avLst/>
+            </a:prstGeom>
+            <a:noFill/>
+          </p:spPr>
+          <p:txBody>
+            <a:bodyPr wrap="square">
+              <a:spAutoFit/>
+            </a:bodyPr>
+            <a:lstStyle/>
+            <a:p>
+              <a:pPr algn="ctr"/>
+              <a:r>
+                <a:rPr lang="en-GB" sz="1400" i="1" dirty="0">
+                  <a:latin typeface="Crimson Pro ExtraLight" pitchFamily="2" charset="77"/>
+                  <a:ea typeface="JetBrainsMono NF" panose="02000009000000000000" pitchFamily="49" charset="0"/>
+                  <a:cs typeface="JetBrainsMono NF" panose="02000009000000000000" pitchFamily="49" charset="0"/>
+                </a:rPr>
+                <a:t>28,632 items</a:t>
+              </a:r>
+              <a:endParaRPr lang="en-DE" sz="1400" i="1" dirty="0">
                 <a:latin typeface="Crimson Pro ExtraLight" pitchFamily="2" charset="77"/>
-                <a:ea typeface="JetBrainsMono NF" panose="02000009000000000000" pitchFamily="49" charset="0"/>
-                <a:cs typeface="JetBrainsMono NF" panose="02000009000000000000" pitchFamily="49" charset="0"/>
-              </a:rPr>
-              <a:t>#0.9k</a:t>
-            </a:r>
-            <a:endParaRPr lang="en-DE" sz="1400" i="1" dirty="0">
-              <a:latin typeface="Crimson Pro ExtraLight" pitchFamily="2" charset="77"/>
-            </a:endParaRPr>
-          </a:p>
-        </p:txBody>
-      </p:sp>
+              </a:endParaRPr>
+            </a:p>
+          </p:txBody>
+        </p:sp>
+      </p:grpSp>
       <p:grpSp>
         <p:nvGrpSpPr>
           <p:cNvPr id="45" name="Group 44">
@@ -4999,7 +4391,7 @@
         </p:nvGrpSpPr>
         <p:grpSpPr>
           <a:xfrm rot="703575" flipH="1">
-            <a:off x="8089347" y="3928397"/>
+            <a:off x="8529482" y="3676750"/>
             <a:ext cx="713922" cy="801136"/>
             <a:chOff x="1022486" y="3992154"/>
             <a:chExt cx="713922" cy="789473"/>
@@ -5103,10 +4495,10 @@
       </p:grpSp>
       <p:grpSp>
         <p:nvGrpSpPr>
-          <p:cNvPr id="63" name="Group 62">
+          <p:cNvPr id="1037" name="Group 1036">
             <a:extLst>
               <a:ext uri="{FF2B5EF4-FFF2-40B4-BE49-F238E27FC236}">
-                <a16:creationId xmlns:a16="http://schemas.microsoft.com/office/drawing/2014/main" id="{9495DB72-303F-A312-5175-7F24C62CDB21}"/>
+                <a16:creationId xmlns:a16="http://schemas.microsoft.com/office/drawing/2014/main" id="{B8099C27-8090-3EE3-AD3D-1A8B76D22F8B}"/>
               </a:ext>
             </a:extLst>
           </p:cNvPr>
@@ -5115,18 +4507,1538 @@
         </p:nvGrpSpPr>
         <p:grpSpPr>
           <a:xfrm>
-            <a:off x="4564591" y="2041456"/>
-            <a:ext cx="1283173" cy="638297"/>
-            <a:chOff x="4593797" y="1876673"/>
-            <a:chExt cx="1283173" cy="638297"/>
+            <a:off x="4931978" y="1051946"/>
+            <a:ext cx="3156375" cy="2276286"/>
+            <a:chOff x="4898563" y="1177070"/>
+            <a:chExt cx="3156375" cy="2276286"/>
+          </a:xfrm>
+        </p:grpSpPr>
+        <p:sp>
+          <p:nvSpPr>
+            <p:cNvPr id="56" name="Rectangle 55">
+              <a:extLst>
+                <a:ext uri="{FF2B5EF4-FFF2-40B4-BE49-F238E27FC236}">
+                  <a16:creationId xmlns:a16="http://schemas.microsoft.com/office/drawing/2014/main" id="{9BF3988C-94A5-B54B-2A4E-B77EB13371B6}"/>
+                </a:ext>
+              </a:extLst>
+            </p:cNvPr>
+            <p:cNvSpPr/>
+            <p:nvPr/>
+          </p:nvSpPr>
+          <p:spPr>
+            <a:xfrm>
+              <a:off x="4898563" y="1177070"/>
+              <a:ext cx="3156375" cy="2276286"/>
+            </a:xfrm>
+            <a:prstGeom prst="rect">
+              <a:avLst/>
+            </a:prstGeom>
+            <a:ln>
+              <a:solidFill>
+                <a:schemeClr val="tx1"/>
+              </a:solidFill>
+            </a:ln>
+          </p:spPr>
+          <p:style>
+            <a:lnRef idx="2">
+              <a:schemeClr val="accent6"/>
+            </a:lnRef>
+            <a:fillRef idx="1">
+              <a:schemeClr val="lt1"/>
+            </a:fillRef>
+            <a:effectRef idx="0">
+              <a:schemeClr val="accent6"/>
+            </a:effectRef>
+            <a:fontRef idx="minor">
+              <a:schemeClr val="dk1"/>
+            </a:fontRef>
+          </p:style>
+          <p:txBody>
+            <a:bodyPr rtlCol="0" anchor="ctr"/>
+            <a:lstStyle/>
+            <a:p>
+              <a:pPr algn="ctr"/>
+              <a:endParaRPr lang="en-DE"/>
+            </a:p>
+          </p:txBody>
+        </p:sp>
+        <p:pic>
+          <p:nvPicPr>
+            <p:cNvPr id="1032" name="Picture 8">
+              <a:extLst>
+                <a:ext uri="{FF2B5EF4-FFF2-40B4-BE49-F238E27FC236}">
+                  <a16:creationId xmlns:a16="http://schemas.microsoft.com/office/drawing/2014/main" id="{8EB4F9DD-3829-EE85-22F9-6A9194B60084}"/>
+                </a:ext>
+              </a:extLst>
+            </p:cNvPr>
+            <p:cNvPicPr>
+              <a:picLocks noChangeAspect="1" noChangeArrowheads="1"/>
+            </p:cNvPicPr>
+            <p:nvPr/>
+          </p:nvPicPr>
+          <p:blipFill>
+            <a:blip r:embed="rId7">
+              <a:extLst>
+                <a:ext uri="{28A0092B-C50C-407E-A947-70E740481C1C}">
+                  <a14:useLocalDpi xmlns:a14="http://schemas.microsoft.com/office/drawing/2010/main" val="0"/>
+                </a:ext>
+              </a:extLst>
+            </a:blip>
+            <a:srcRect/>
+            <a:stretch>
+              <a:fillRect/>
+            </a:stretch>
+          </p:blipFill>
+          <p:spPr bwMode="auto">
+            <a:xfrm>
+              <a:off x="5517408" y="2811343"/>
+              <a:ext cx="495855" cy="495855"/>
+            </a:xfrm>
+            <a:prstGeom prst="rect">
+              <a:avLst/>
+            </a:prstGeom>
+            <a:noFill/>
+            <a:extLst>
+              <a:ext uri="{909E8E84-426E-40DD-AFC4-6F175D3DCCD1}">
+                <a14:hiddenFill xmlns:a14="http://schemas.microsoft.com/office/drawing/2010/main">
+                  <a:solidFill>
+                    <a:srgbClr val="FFFFFF"/>
+                  </a:solidFill>
+                </a14:hiddenFill>
+              </a:ext>
+            </a:extLst>
+          </p:spPr>
+        </p:pic>
+        <p:sp>
+          <p:nvSpPr>
+            <p:cNvPr id="57" name="TextBox 56">
+              <a:extLst>
+                <a:ext uri="{FF2B5EF4-FFF2-40B4-BE49-F238E27FC236}">
+                  <a16:creationId xmlns:a16="http://schemas.microsoft.com/office/drawing/2014/main" id="{178EA6A8-C71B-432D-C82D-0B027208CBD6}"/>
+                </a:ext>
+              </a:extLst>
+            </p:cNvPr>
+            <p:cNvSpPr txBox="1"/>
+            <p:nvPr/>
+          </p:nvSpPr>
+          <p:spPr>
+            <a:xfrm>
+              <a:off x="5233059" y="1299043"/>
+              <a:ext cx="1043796" cy="584775"/>
+            </a:xfrm>
+            <a:prstGeom prst="rect">
+              <a:avLst/>
+            </a:prstGeom>
+            <a:noFill/>
+          </p:spPr>
+          <p:txBody>
+            <a:bodyPr wrap="square" rtlCol="0">
+              <a:spAutoFit/>
+            </a:bodyPr>
+            <a:lstStyle/>
+            <a:p>
+              <a:pPr algn="ctr"/>
+              <a:r>
+                <a:rPr lang="en-DE" sz="1600" dirty="0">
+                  <a:latin typeface="Crimson Pro" pitchFamily="2" charset="77"/>
+                  <a:ea typeface="JetBrainsMono NF" panose="02000009000000000000" pitchFamily="49" charset="0"/>
+                  <a:cs typeface="JetBrainsMono NF" panose="02000009000000000000" pitchFamily="49" charset="0"/>
+                </a:rPr>
+                <a:t>Fit Item Models</a:t>
+              </a:r>
+            </a:p>
+          </p:txBody>
+        </p:sp>
+        <p:grpSp>
+          <p:nvGrpSpPr>
+            <p:cNvPr id="63" name="Group 62">
+              <a:extLst>
+                <a:ext uri="{FF2B5EF4-FFF2-40B4-BE49-F238E27FC236}">
+                  <a16:creationId xmlns:a16="http://schemas.microsoft.com/office/drawing/2014/main" id="{9495DB72-303F-A312-5175-7F24C62CDB21}"/>
+                </a:ext>
+              </a:extLst>
+            </p:cNvPr>
+            <p:cNvGrpSpPr/>
+            <p:nvPr/>
+          </p:nvGrpSpPr>
+          <p:grpSpPr>
+            <a:xfrm>
+              <a:off x="5124514" y="2032804"/>
+              <a:ext cx="1284173" cy="640080"/>
+              <a:chOff x="4592986" y="1951612"/>
+              <a:chExt cx="1284173" cy="640080"/>
+            </a:xfrm>
+          </p:grpSpPr>
+          <p:pic>
+            <p:nvPicPr>
+              <p:cNvPr id="60" name="Picture 59" descr="A black background with a black square&#10;&#10;Description automatically generated with medium confidence">
+                <a:extLst>
+                  <a:ext uri="{FF2B5EF4-FFF2-40B4-BE49-F238E27FC236}">
+                    <a16:creationId xmlns:a16="http://schemas.microsoft.com/office/drawing/2014/main" id="{9E924CF4-B18D-B909-8A67-6F1F73F39B5E}"/>
+                  </a:ext>
+                </a:extLst>
+              </p:cNvPr>
+              <p:cNvPicPr>
+                <a:picLocks noChangeAspect="1"/>
+              </p:cNvPicPr>
+              <p:nvPr/>
+            </p:nvPicPr>
+            <p:blipFill rotWithShape="1">
+              <a:blip r:embed="rId8"/>
+              <a:srcRect b="66680"/>
+              <a:stretch/>
+            </p:blipFill>
+            <p:spPr>
+              <a:xfrm>
+                <a:off x="4617892" y="1951612"/>
+                <a:ext cx="1259267" cy="290040"/>
+              </a:xfrm>
+              <a:prstGeom prst="rect">
+                <a:avLst/>
+              </a:prstGeom>
+            </p:spPr>
+          </p:pic>
+          <p:pic>
+            <p:nvPicPr>
+              <p:cNvPr id="61" name="Picture 60" descr="A black background with a black square&#10;&#10;Description automatically generated with medium confidence">
+                <a:extLst>
+                  <a:ext uri="{FF2B5EF4-FFF2-40B4-BE49-F238E27FC236}">
+                    <a16:creationId xmlns:a16="http://schemas.microsoft.com/office/drawing/2014/main" id="{D899E212-5804-42A7-4B84-780560206B04}"/>
+                  </a:ext>
+                </a:extLst>
+              </p:cNvPr>
+              <p:cNvPicPr>
+                <a:picLocks noChangeAspect="1"/>
+              </p:cNvPicPr>
+              <p:nvPr/>
+            </p:nvPicPr>
+            <p:blipFill rotWithShape="1">
+              <a:blip r:embed="rId8"/>
+              <a:srcRect t="59993"/>
+              <a:stretch/>
+            </p:blipFill>
+            <p:spPr>
+              <a:xfrm>
+                <a:off x="4600056" y="2243435"/>
+                <a:ext cx="1259267" cy="348257"/>
+              </a:xfrm>
+              <a:prstGeom prst="rect">
+                <a:avLst/>
+              </a:prstGeom>
+            </p:spPr>
+          </p:pic>
+          <p:pic>
+            <p:nvPicPr>
+              <p:cNvPr id="62" name="Picture 61" descr="A black background with a black square&#10;&#10;Description automatically generated with medium confidence">
+                <a:extLst>
+                  <a:ext uri="{FF2B5EF4-FFF2-40B4-BE49-F238E27FC236}">
+                    <a16:creationId xmlns:a16="http://schemas.microsoft.com/office/drawing/2014/main" id="{3EAA4C62-F2EC-57C9-E07B-EE7E85125E39}"/>
+                  </a:ext>
+                </a:extLst>
+              </p:cNvPr>
+              <p:cNvPicPr>
+                <a:picLocks noChangeAspect="1"/>
+              </p:cNvPicPr>
+              <p:nvPr/>
+            </p:nvPicPr>
+            <p:blipFill rotWithShape="1">
+              <a:blip r:embed="rId8"/>
+              <a:srcRect t="36404" b="29768"/>
+              <a:stretch/>
+            </p:blipFill>
+            <p:spPr>
+              <a:xfrm>
+                <a:off x="4592986" y="2135488"/>
+                <a:ext cx="1259267" cy="294466"/>
+              </a:xfrm>
+              <a:prstGeom prst="rect">
+                <a:avLst/>
+              </a:prstGeom>
+            </p:spPr>
+          </p:pic>
+        </p:grpSp>
+      </p:grpSp>
+      <p:grpSp>
+        <p:nvGrpSpPr>
+          <p:cNvPr id="1036" name="Group 1035">
+            <a:extLst>
+              <a:ext uri="{FF2B5EF4-FFF2-40B4-BE49-F238E27FC236}">
+                <a16:creationId xmlns:a16="http://schemas.microsoft.com/office/drawing/2014/main" id="{E48458B4-5C28-FD1F-3C21-DC8E6E0EC626}"/>
+              </a:ext>
+            </a:extLst>
+          </p:cNvPr>
+          <p:cNvGrpSpPr/>
+          <p:nvPr/>
+        </p:nvGrpSpPr>
+        <p:grpSpPr>
+          <a:xfrm>
+            <a:off x="8134824" y="172546"/>
+            <a:ext cx="1437353" cy="3836747"/>
+            <a:chOff x="8329083" y="332914"/>
+            <a:chExt cx="1437353" cy="3836747"/>
+          </a:xfrm>
+        </p:grpSpPr>
+        <p:sp>
+          <p:nvSpPr>
+            <p:cNvPr id="22" name="Rounded Rectangle 21">
+              <a:extLst>
+                <a:ext uri="{FF2B5EF4-FFF2-40B4-BE49-F238E27FC236}">
+                  <a16:creationId xmlns:a16="http://schemas.microsoft.com/office/drawing/2014/main" id="{02D95796-3FAD-55A0-F0F4-7EFBE4FD9734}"/>
+                </a:ext>
+              </a:extLst>
+            </p:cNvPr>
+            <p:cNvSpPr/>
+            <p:nvPr/>
+          </p:nvSpPr>
+          <p:spPr>
+            <a:xfrm>
+              <a:off x="8414238" y="332914"/>
+              <a:ext cx="1207284" cy="3836747"/>
+            </a:xfrm>
+            <a:prstGeom prst="roundRect">
+              <a:avLst/>
+            </a:prstGeom>
+          </p:spPr>
+          <p:style>
+            <a:lnRef idx="2">
+              <a:schemeClr val="dk1"/>
+            </a:lnRef>
+            <a:fillRef idx="1">
+              <a:schemeClr val="lt1"/>
+            </a:fillRef>
+            <a:effectRef idx="0">
+              <a:schemeClr val="dk1"/>
+            </a:effectRef>
+            <a:fontRef idx="minor">
+              <a:schemeClr val="dk1"/>
+            </a:fontRef>
+          </p:style>
+          <p:txBody>
+            <a:bodyPr rtlCol="0" anchor="ctr"/>
+            <a:lstStyle/>
+            <a:p>
+              <a:pPr algn="ctr"/>
+              <a:endParaRPr lang="en-DE" dirty="0">
+                <a:highlight>
+                  <a:srgbClr val="00FF00"/>
+                </a:highlight>
+              </a:endParaRPr>
+            </a:p>
+          </p:txBody>
+        </p:sp>
+        <p:sp>
+          <p:nvSpPr>
+            <p:cNvPr id="23" name="Rounded Rectangle 22">
+              <a:extLst>
+                <a:ext uri="{FF2B5EF4-FFF2-40B4-BE49-F238E27FC236}">
+                  <a16:creationId xmlns:a16="http://schemas.microsoft.com/office/drawing/2014/main" id="{16BBB2A0-049E-921F-31C6-C8CFA1CBE6A4}"/>
+                </a:ext>
+              </a:extLst>
+            </p:cNvPr>
+            <p:cNvSpPr/>
+            <p:nvPr/>
+          </p:nvSpPr>
+          <p:spPr>
+            <a:xfrm>
+              <a:off x="8548989" y="743931"/>
+              <a:ext cx="946184" cy="3203234"/>
+            </a:xfrm>
+            <a:prstGeom prst="roundRect">
+              <a:avLst/>
+            </a:prstGeom>
+          </p:spPr>
+          <p:style>
+            <a:lnRef idx="2">
+              <a:schemeClr val="dk1"/>
+            </a:lnRef>
+            <a:fillRef idx="1">
+              <a:schemeClr val="lt1"/>
+            </a:fillRef>
+            <a:effectRef idx="0">
+              <a:schemeClr val="dk1"/>
+            </a:effectRef>
+            <a:fontRef idx="minor">
+              <a:schemeClr val="dk1"/>
+            </a:fontRef>
+          </p:style>
+          <p:txBody>
+            <a:bodyPr rtlCol="0" anchor="ctr"/>
+            <a:lstStyle/>
+            <a:p>
+              <a:pPr algn="ctr"/>
+              <a:endParaRPr lang="en-DE" dirty="0">
+                <a:highlight>
+                  <a:srgbClr val="00FF00"/>
+                </a:highlight>
+              </a:endParaRPr>
+            </a:p>
+          </p:txBody>
+        </p:sp>
+        <p:sp>
+          <p:nvSpPr>
+            <p:cNvPr id="24" name="TextBox 23">
+              <a:extLst>
+                <a:ext uri="{FF2B5EF4-FFF2-40B4-BE49-F238E27FC236}">
+                  <a16:creationId xmlns:a16="http://schemas.microsoft.com/office/drawing/2014/main" id="{75F5ABD3-52E2-6B32-6E0E-A15EBB6E5F35}"/>
+                </a:ext>
+              </a:extLst>
+            </p:cNvPr>
+            <p:cNvSpPr txBox="1"/>
+            <p:nvPr/>
+          </p:nvSpPr>
+          <p:spPr>
+            <a:xfrm>
+              <a:off x="8496695" y="794980"/>
+              <a:ext cx="1043796" cy="276999"/>
+            </a:xfrm>
+            <a:prstGeom prst="rect">
+              <a:avLst/>
+            </a:prstGeom>
+            <a:noFill/>
+          </p:spPr>
+          <p:txBody>
+            <a:bodyPr wrap="square" rtlCol="0">
+              <a:spAutoFit/>
+            </a:bodyPr>
+            <a:lstStyle/>
+            <a:p>
+              <a:pPr algn="ctr"/>
+              <a:r>
+                <a:rPr lang="en-DE" sz="1200" dirty="0">
+                  <a:latin typeface="Crimson Pro" pitchFamily="2" charset="77"/>
+                  <a:ea typeface="JetBrainsMono NF" panose="02000009000000000000" pitchFamily="49" charset="0"/>
+                  <a:cs typeface="JetBrainsMono NF" panose="02000009000000000000" pitchFamily="49" charset="0"/>
+                </a:rPr>
+                <a:t>ARC</a:t>
+              </a:r>
+            </a:p>
+          </p:txBody>
+        </p:sp>
+        <p:cxnSp>
+          <p:nvCxnSpPr>
+            <p:cNvPr id="25" name="Straight Connector 24">
+              <a:extLst>
+                <a:ext uri="{FF2B5EF4-FFF2-40B4-BE49-F238E27FC236}">
+                  <a16:creationId xmlns:a16="http://schemas.microsoft.com/office/drawing/2014/main" id="{15E3356C-2D4D-BAFC-005C-1B4E11CE2B11}"/>
+                </a:ext>
+              </a:extLst>
+            </p:cNvPr>
+            <p:cNvCxnSpPr>
+              <a:cxnSpLocks/>
+            </p:cNvCxnSpPr>
+            <p:nvPr/>
+          </p:nvCxnSpPr>
+          <p:spPr>
+            <a:xfrm flipH="1">
+              <a:off x="8548989" y="1113550"/>
+              <a:ext cx="946184" cy="0"/>
+            </a:xfrm>
+            <a:prstGeom prst="line">
+              <a:avLst/>
+            </a:prstGeom>
+          </p:spPr>
+          <p:style>
+            <a:lnRef idx="2">
+              <a:schemeClr val="dk1"/>
+            </a:lnRef>
+            <a:fillRef idx="0">
+              <a:schemeClr val="dk1"/>
+            </a:fillRef>
+            <a:effectRef idx="1">
+              <a:schemeClr val="dk1"/>
+            </a:effectRef>
+            <a:fontRef idx="minor">
+              <a:schemeClr val="tx1"/>
+            </a:fontRef>
+          </p:style>
+        </p:cxnSp>
+        <p:sp>
+          <p:nvSpPr>
+            <p:cNvPr id="27" name="TextBox 26">
+              <a:extLst>
+                <a:ext uri="{FF2B5EF4-FFF2-40B4-BE49-F238E27FC236}">
+                  <a16:creationId xmlns:a16="http://schemas.microsoft.com/office/drawing/2014/main" id="{9F62826A-5053-A486-C322-7BFDE97979AE}"/>
+                </a:ext>
+              </a:extLst>
+            </p:cNvPr>
+            <p:cNvSpPr txBox="1"/>
+            <p:nvPr/>
+          </p:nvSpPr>
+          <p:spPr>
+            <a:xfrm>
+              <a:off x="8531739" y="1229872"/>
+              <a:ext cx="1043796" cy="276999"/>
+            </a:xfrm>
+            <a:prstGeom prst="rect">
+              <a:avLst/>
+            </a:prstGeom>
+            <a:noFill/>
+          </p:spPr>
+          <p:txBody>
+            <a:bodyPr wrap="square" rtlCol="0">
+              <a:spAutoFit/>
+            </a:bodyPr>
+            <a:lstStyle/>
+            <a:p>
+              <a:pPr algn="ctr"/>
+              <a:r>
+                <a:rPr lang="en-DE" sz="1200" dirty="0">
+                  <a:latin typeface="Crimson Pro" pitchFamily="2" charset="77"/>
+                  <a:ea typeface="JetBrainsMono NF" panose="02000009000000000000" pitchFamily="49" charset="0"/>
+                  <a:cs typeface="JetBrainsMono NF" panose="02000009000000000000" pitchFamily="49" charset="0"/>
+                </a:rPr>
+                <a:t>GSM8K</a:t>
+              </a:r>
+              <a:endParaRPr lang="en-DE" sz="1600" dirty="0">
+                <a:latin typeface="Crimson Pro" pitchFamily="2" charset="77"/>
+                <a:ea typeface="JetBrainsMono NF" panose="02000009000000000000" pitchFamily="49" charset="0"/>
+                <a:cs typeface="JetBrainsMono NF" panose="02000009000000000000" pitchFamily="49" charset="0"/>
+              </a:endParaRPr>
+            </a:p>
+          </p:txBody>
+        </p:sp>
+        <p:cxnSp>
+          <p:nvCxnSpPr>
+            <p:cNvPr id="28" name="Straight Connector 27">
+              <a:extLst>
+                <a:ext uri="{FF2B5EF4-FFF2-40B4-BE49-F238E27FC236}">
+                  <a16:creationId xmlns:a16="http://schemas.microsoft.com/office/drawing/2014/main" id="{9690CBCD-AD41-49B1-FE98-E751C824D79F}"/>
+                </a:ext>
+              </a:extLst>
+            </p:cNvPr>
+            <p:cNvCxnSpPr>
+              <a:cxnSpLocks/>
+            </p:cNvCxnSpPr>
+            <p:nvPr/>
+          </p:nvCxnSpPr>
+          <p:spPr>
+            <a:xfrm flipH="1">
+              <a:off x="8548989" y="1636311"/>
+              <a:ext cx="946184" cy="0"/>
+            </a:xfrm>
+            <a:prstGeom prst="line">
+              <a:avLst/>
+            </a:prstGeom>
+          </p:spPr>
+          <p:style>
+            <a:lnRef idx="2">
+              <a:schemeClr val="dk1"/>
+            </a:lnRef>
+            <a:fillRef idx="0">
+              <a:schemeClr val="dk1"/>
+            </a:fillRef>
+            <a:effectRef idx="1">
+              <a:schemeClr val="dk1"/>
+            </a:effectRef>
+            <a:fontRef idx="minor">
+              <a:schemeClr val="tx1"/>
+            </a:fontRef>
+          </p:style>
+        </p:cxnSp>
+        <p:sp>
+          <p:nvSpPr>
+            <p:cNvPr id="29" name="TextBox 28">
+              <a:extLst>
+                <a:ext uri="{FF2B5EF4-FFF2-40B4-BE49-F238E27FC236}">
+                  <a16:creationId xmlns:a16="http://schemas.microsoft.com/office/drawing/2014/main" id="{ECFB7A9B-F1D4-3184-78A8-3B7039B13CC0}"/>
+                </a:ext>
+              </a:extLst>
+            </p:cNvPr>
+            <p:cNvSpPr txBox="1"/>
+            <p:nvPr/>
+          </p:nvSpPr>
+          <p:spPr>
+            <a:xfrm>
+              <a:off x="8511452" y="1787748"/>
+              <a:ext cx="1043796" cy="276999"/>
+            </a:xfrm>
+            <a:prstGeom prst="rect">
+              <a:avLst/>
+            </a:prstGeom>
+            <a:noFill/>
+          </p:spPr>
+          <p:txBody>
+            <a:bodyPr wrap="square" rtlCol="0">
+              <a:spAutoFit/>
+            </a:bodyPr>
+            <a:lstStyle/>
+            <a:p>
+              <a:pPr algn="ctr"/>
+              <a:r>
+                <a:rPr lang="en-DE" sz="1200" dirty="0">
+                  <a:latin typeface="Crimson Pro" pitchFamily="2" charset="77"/>
+                  <a:ea typeface="JetBrainsMono NF" panose="02000009000000000000" pitchFamily="49" charset="0"/>
+                  <a:cs typeface="JetBrainsMono NF" panose="02000009000000000000" pitchFamily="49" charset="0"/>
+                </a:rPr>
+                <a:t>HellaSwag</a:t>
+              </a:r>
+            </a:p>
+          </p:txBody>
+        </p:sp>
+        <p:sp>
+          <p:nvSpPr>
+            <p:cNvPr id="32" name="TextBox 31">
+              <a:extLst>
+                <a:ext uri="{FF2B5EF4-FFF2-40B4-BE49-F238E27FC236}">
+                  <a16:creationId xmlns:a16="http://schemas.microsoft.com/office/drawing/2014/main" id="{BEC96813-EBC4-8B2C-760B-E1E8345B06B0}"/>
+                </a:ext>
+              </a:extLst>
+            </p:cNvPr>
+            <p:cNvSpPr txBox="1"/>
+            <p:nvPr/>
+          </p:nvSpPr>
+          <p:spPr>
+            <a:xfrm>
+              <a:off x="8511452" y="2506514"/>
+              <a:ext cx="1043796" cy="276999"/>
+            </a:xfrm>
+            <a:prstGeom prst="rect">
+              <a:avLst/>
+            </a:prstGeom>
+            <a:noFill/>
+          </p:spPr>
+          <p:txBody>
+            <a:bodyPr wrap="square" rtlCol="0">
+              <a:spAutoFit/>
+            </a:bodyPr>
+            <a:lstStyle/>
+            <a:p>
+              <a:pPr algn="ctr"/>
+              <a:r>
+                <a:rPr lang="en-DE" sz="1200" dirty="0">
+                  <a:latin typeface="Crimson Pro" pitchFamily="2" charset="77"/>
+                  <a:ea typeface="JetBrainsMono NF" panose="02000009000000000000" pitchFamily="49" charset="0"/>
+                  <a:cs typeface="JetBrainsMono NF" panose="02000009000000000000" pitchFamily="49" charset="0"/>
+                </a:rPr>
+                <a:t>MMLU</a:t>
+              </a:r>
+              <a:endParaRPr lang="en-DE" dirty="0">
+                <a:latin typeface="Crimson Pro" pitchFamily="2" charset="77"/>
+                <a:ea typeface="JetBrainsMono NF" panose="02000009000000000000" pitchFamily="49" charset="0"/>
+                <a:cs typeface="JetBrainsMono NF" panose="02000009000000000000" pitchFamily="49" charset="0"/>
+              </a:endParaRPr>
+            </a:p>
+          </p:txBody>
+        </p:sp>
+        <p:sp>
+          <p:nvSpPr>
+            <p:cNvPr id="33" name="TextBox 32">
+              <a:extLst>
+                <a:ext uri="{FF2B5EF4-FFF2-40B4-BE49-F238E27FC236}">
+                  <a16:creationId xmlns:a16="http://schemas.microsoft.com/office/drawing/2014/main" id="{84E116F7-80AC-718F-8870-F4BBAD05919D}"/>
+                </a:ext>
+              </a:extLst>
+            </p:cNvPr>
+            <p:cNvSpPr txBox="1"/>
+            <p:nvPr/>
+          </p:nvSpPr>
+          <p:spPr>
+            <a:xfrm>
+              <a:off x="8426036" y="3139521"/>
+              <a:ext cx="1195486" cy="276999"/>
+            </a:xfrm>
+            <a:prstGeom prst="rect">
+              <a:avLst/>
+            </a:prstGeom>
+            <a:noFill/>
+          </p:spPr>
+          <p:txBody>
+            <a:bodyPr wrap="square" rtlCol="0">
+              <a:spAutoFit/>
+            </a:bodyPr>
+            <a:lstStyle/>
+            <a:p>
+              <a:pPr algn="ctr"/>
+              <a:r>
+                <a:rPr lang="en-DE" sz="1200" dirty="0">
+                  <a:latin typeface="Crimson Pro" pitchFamily="2" charset="77"/>
+                  <a:ea typeface="JetBrainsMono NF" panose="02000009000000000000" pitchFamily="49" charset="0"/>
+                  <a:cs typeface="JetBrainsMono NF" panose="02000009000000000000" pitchFamily="49" charset="0"/>
+                </a:rPr>
+                <a:t>TruthfulQA</a:t>
+              </a:r>
+            </a:p>
+          </p:txBody>
+        </p:sp>
+        <p:sp>
+          <p:nvSpPr>
+            <p:cNvPr id="35" name="TextBox 34">
+              <a:extLst>
+                <a:ext uri="{FF2B5EF4-FFF2-40B4-BE49-F238E27FC236}">
+                  <a16:creationId xmlns:a16="http://schemas.microsoft.com/office/drawing/2014/main" id="{5AE1061C-E468-B017-055B-68B34830A3B9}"/>
+                </a:ext>
+              </a:extLst>
+            </p:cNvPr>
+            <p:cNvSpPr txBox="1"/>
+            <p:nvPr/>
+          </p:nvSpPr>
+          <p:spPr>
+            <a:xfrm>
+              <a:off x="8378904" y="3594157"/>
+              <a:ext cx="1308897" cy="261610"/>
+            </a:xfrm>
+            <a:prstGeom prst="rect">
+              <a:avLst/>
+            </a:prstGeom>
+            <a:noFill/>
+          </p:spPr>
+          <p:txBody>
+            <a:bodyPr wrap="square" rtlCol="0">
+              <a:spAutoFit/>
+            </a:bodyPr>
+            <a:lstStyle/>
+            <a:p>
+              <a:pPr algn="ctr"/>
+              <a:r>
+                <a:rPr lang="en-DE" sz="1100" dirty="0">
+                  <a:latin typeface="Crimson Pro" pitchFamily="2" charset="77"/>
+                  <a:ea typeface="JetBrainsMono NF" panose="02000009000000000000" pitchFamily="49" charset="0"/>
+                  <a:cs typeface="JetBrainsMono NF" panose="02000009000000000000" pitchFamily="49" charset="0"/>
+                </a:rPr>
+                <a:t>Winogrande</a:t>
+              </a:r>
+            </a:p>
+          </p:txBody>
+        </p:sp>
+        <p:sp>
+          <p:nvSpPr>
+            <p:cNvPr id="36" name="TextBox 35">
+              <a:extLst>
+                <a:ext uri="{FF2B5EF4-FFF2-40B4-BE49-F238E27FC236}">
+                  <a16:creationId xmlns:a16="http://schemas.microsoft.com/office/drawing/2014/main" id="{C3578E3C-8D9D-D6FD-77E0-3ECB84E69EDB}"/>
+                </a:ext>
+              </a:extLst>
+            </p:cNvPr>
+            <p:cNvSpPr txBox="1"/>
+            <p:nvPr/>
+          </p:nvSpPr>
+          <p:spPr>
+            <a:xfrm>
+              <a:off x="8329083" y="389614"/>
+              <a:ext cx="1437353" cy="307777"/>
+            </a:xfrm>
+            <a:prstGeom prst="rect">
+              <a:avLst/>
+            </a:prstGeom>
+            <a:noFill/>
+          </p:spPr>
+          <p:txBody>
+            <a:bodyPr wrap="square">
+              <a:spAutoFit/>
+            </a:bodyPr>
+            <a:lstStyle/>
+            <a:p>
+              <a:pPr algn="ctr"/>
+              <a:r>
+                <a:rPr lang="en-GB" sz="1400" i="1" dirty="0">
+                  <a:latin typeface="Crimson Pro ExtraLight" pitchFamily="2" charset="77"/>
+                  <a:ea typeface="JetBrainsMono NF" panose="02000009000000000000" pitchFamily="49" charset="0"/>
+                  <a:cs typeface="JetBrainsMono NF" panose="02000009000000000000" pitchFamily="49" charset="0"/>
+                </a:rPr>
+                <a:t>845 items</a:t>
+              </a:r>
+              <a:endParaRPr lang="en-DE" sz="1400" i="1" dirty="0">
+                <a:latin typeface="Crimson Pro ExtraLight" pitchFamily="2" charset="77"/>
+              </a:endParaRPr>
+            </a:p>
+          </p:txBody>
+        </p:sp>
+        <p:cxnSp>
+          <p:nvCxnSpPr>
+            <p:cNvPr id="39" name="Straight Connector 38">
+              <a:extLst>
+                <a:ext uri="{FF2B5EF4-FFF2-40B4-BE49-F238E27FC236}">
+                  <a16:creationId xmlns:a16="http://schemas.microsoft.com/office/drawing/2014/main" id="{4A3F9F6F-A10C-4DA8-C8CB-A749A81B5E2B}"/>
+                </a:ext>
+              </a:extLst>
+            </p:cNvPr>
+            <p:cNvCxnSpPr>
+              <a:cxnSpLocks/>
+            </p:cNvCxnSpPr>
+            <p:nvPr/>
+          </p:nvCxnSpPr>
+          <p:spPr>
+            <a:xfrm flipH="1">
+              <a:off x="8548989" y="2247902"/>
+              <a:ext cx="946184" cy="0"/>
+            </a:xfrm>
+            <a:prstGeom prst="line">
+              <a:avLst/>
+            </a:prstGeom>
+          </p:spPr>
+          <p:style>
+            <a:lnRef idx="2">
+              <a:schemeClr val="dk1"/>
+            </a:lnRef>
+            <a:fillRef idx="0">
+              <a:schemeClr val="dk1"/>
+            </a:fillRef>
+            <a:effectRef idx="1">
+              <a:schemeClr val="dk1"/>
+            </a:effectRef>
+            <a:fontRef idx="minor">
+              <a:schemeClr val="tx1"/>
+            </a:fontRef>
+          </p:style>
+        </p:cxnSp>
+        <p:cxnSp>
+          <p:nvCxnSpPr>
+            <p:cNvPr id="40" name="Straight Connector 39">
+              <a:extLst>
+                <a:ext uri="{FF2B5EF4-FFF2-40B4-BE49-F238E27FC236}">
+                  <a16:creationId xmlns:a16="http://schemas.microsoft.com/office/drawing/2014/main" id="{9467EB04-7D57-17DE-681F-F311A9608332}"/>
+                </a:ext>
+              </a:extLst>
+            </p:cNvPr>
+            <p:cNvCxnSpPr>
+              <a:cxnSpLocks/>
+            </p:cNvCxnSpPr>
+            <p:nvPr/>
+          </p:nvCxnSpPr>
+          <p:spPr>
+            <a:xfrm flipH="1">
+              <a:off x="8548892" y="2997026"/>
+              <a:ext cx="946184" cy="0"/>
+            </a:xfrm>
+            <a:prstGeom prst="line">
+              <a:avLst/>
+            </a:prstGeom>
+          </p:spPr>
+          <p:style>
+            <a:lnRef idx="2">
+              <a:schemeClr val="dk1"/>
+            </a:lnRef>
+            <a:fillRef idx="0">
+              <a:schemeClr val="dk1"/>
+            </a:fillRef>
+            <a:effectRef idx="1">
+              <a:schemeClr val="dk1"/>
+            </a:effectRef>
+            <a:fontRef idx="minor">
+              <a:schemeClr val="tx1"/>
+            </a:fontRef>
+          </p:style>
+        </p:cxnSp>
+        <p:cxnSp>
+          <p:nvCxnSpPr>
+            <p:cNvPr id="41" name="Straight Connector 40">
+              <a:extLst>
+                <a:ext uri="{FF2B5EF4-FFF2-40B4-BE49-F238E27FC236}">
+                  <a16:creationId xmlns:a16="http://schemas.microsoft.com/office/drawing/2014/main" id="{60E569DA-84FD-5464-F32A-82B633BEDD10}"/>
+                </a:ext>
+              </a:extLst>
+            </p:cNvPr>
+            <p:cNvCxnSpPr>
+              <a:cxnSpLocks/>
+            </p:cNvCxnSpPr>
+            <p:nvPr/>
+          </p:nvCxnSpPr>
+          <p:spPr>
+            <a:xfrm flipH="1">
+              <a:off x="8548892" y="3552392"/>
+              <a:ext cx="946184" cy="0"/>
+            </a:xfrm>
+            <a:prstGeom prst="line">
+              <a:avLst/>
+            </a:prstGeom>
+          </p:spPr>
+          <p:style>
+            <a:lnRef idx="2">
+              <a:schemeClr val="dk1"/>
+            </a:lnRef>
+            <a:fillRef idx="0">
+              <a:schemeClr val="dk1"/>
+            </a:fillRef>
+            <a:effectRef idx="1">
+              <a:schemeClr val="dk1"/>
+            </a:effectRef>
+            <a:fontRef idx="minor">
+              <a:schemeClr val="tx1"/>
+            </a:fontRef>
+          </p:style>
+        </p:cxnSp>
+      </p:grpSp>
+      <p:grpSp>
+        <p:nvGrpSpPr>
+          <p:cNvPr id="34" name="Group 33">
+            <a:extLst>
+              <a:ext uri="{FF2B5EF4-FFF2-40B4-BE49-F238E27FC236}">
+                <a16:creationId xmlns:a16="http://schemas.microsoft.com/office/drawing/2014/main" id="{0069A16F-0C33-AD93-62B0-0F5210C46901}"/>
+              </a:ext>
+            </a:extLst>
+          </p:cNvPr>
+          <p:cNvGrpSpPr/>
+          <p:nvPr/>
+        </p:nvGrpSpPr>
+        <p:grpSpPr>
+          <a:xfrm>
+            <a:off x="2466123" y="1539271"/>
+            <a:ext cx="1033498" cy="430887"/>
+            <a:chOff x="2618787" y="1655895"/>
+            <a:chExt cx="1033498" cy="430887"/>
+          </a:xfrm>
+        </p:grpSpPr>
+        <p:sp>
+          <p:nvSpPr>
+            <p:cNvPr id="31" name="TextBox 30">
+              <a:extLst>
+                <a:ext uri="{FF2B5EF4-FFF2-40B4-BE49-F238E27FC236}">
+                  <a16:creationId xmlns:a16="http://schemas.microsoft.com/office/drawing/2014/main" id="{5B0AE85C-DE39-8E16-A72A-D764E623AB67}"/>
+                </a:ext>
+              </a:extLst>
+            </p:cNvPr>
+            <p:cNvSpPr txBox="1"/>
+            <p:nvPr/>
+          </p:nvSpPr>
+          <p:spPr>
+            <a:xfrm>
+              <a:off x="2642991" y="1655895"/>
+              <a:ext cx="1009294" cy="430887"/>
+            </a:xfrm>
+            <a:prstGeom prst="rect">
+              <a:avLst/>
+            </a:prstGeom>
+            <a:noFill/>
+          </p:spPr>
+          <p:txBody>
+            <a:bodyPr wrap="square">
+              <a:spAutoFit/>
+            </a:bodyPr>
+            <a:lstStyle/>
+            <a:p>
+              <a:pPr algn="ctr"/>
+              <a:r>
+                <a:rPr lang="en-GB" sz="1050" dirty="0">
+                  <a:latin typeface="Crimson Pro" pitchFamily="2" charset="77"/>
+                  <a:ea typeface="JetBrainsMono NF" panose="02000009000000000000" pitchFamily="49" charset="0"/>
+                  <a:cs typeface="JetBrainsMono NF" panose="02000009000000000000" pitchFamily="49" charset="0"/>
+                </a:rPr>
+                <a:t>enough variance</a:t>
+              </a:r>
+            </a:p>
+          </p:txBody>
+        </p:sp>
+        <p:pic>
+          <p:nvPicPr>
+            <p:cNvPr id="26" name="Graphic 25">
+              <a:extLst>
+                <a:ext uri="{FF2B5EF4-FFF2-40B4-BE49-F238E27FC236}">
+                  <a16:creationId xmlns:a16="http://schemas.microsoft.com/office/drawing/2014/main" id="{23DF7825-3AD3-F357-2ABA-F33498B1CF6E}"/>
+                </a:ext>
+              </a:extLst>
+            </p:cNvPr>
+            <p:cNvPicPr>
+              <a:picLocks noChangeAspect="1"/>
+            </p:cNvPicPr>
+            <p:nvPr/>
+          </p:nvPicPr>
+          <p:blipFill>
+            <a:blip r:embed="rId9">
+              <a:extLst>
+                <a:ext uri="{96DAC541-7B7A-43D3-8B79-37D633B846F1}">
+                  <asvg:svgBlip xmlns:asvg="http://schemas.microsoft.com/office/drawing/2016/SVG/main" r:embed="rId10"/>
+                </a:ext>
+              </a:extLst>
+            </a:blip>
+            <a:stretch>
+              <a:fillRect/>
+            </a:stretch>
+          </p:blipFill>
+          <p:spPr>
+            <a:xfrm>
+              <a:off x="2618787" y="1761361"/>
+              <a:ext cx="158031" cy="158031"/>
+            </a:xfrm>
+            <a:prstGeom prst="rect">
+              <a:avLst/>
+            </a:prstGeom>
+          </p:spPr>
+        </p:pic>
+      </p:grpSp>
+      <p:grpSp>
+        <p:nvGrpSpPr>
+          <p:cNvPr id="37" name="Group 36">
+            <a:extLst>
+              <a:ext uri="{FF2B5EF4-FFF2-40B4-BE49-F238E27FC236}">
+                <a16:creationId xmlns:a16="http://schemas.microsoft.com/office/drawing/2014/main" id="{5A7E4AA7-A1F7-A527-6FC8-AEEC41A8DD13}"/>
+              </a:ext>
+            </a:extLst>
+          </p:cNvPr>
+          <p:cNvGrpSpPr/>
+          <p:nvPr/>
+        </p:nvGrpSpPr>
+        <p:grpSpPr>
+          <a:xfrm>
+            <a:off x="2472383" y="1960664"/>
+            <a:ext cx="1033498" cy="415498"/>
+            <a:chOff x="2618787" y="1655895"/>
+            <a:chExt cx="1033498" cy="415498"/>
+          </a:xfrm>
+        </p:grpSpPr>
+        <p:sp>
+          <p:nvSpPr>
+            <p:cNvPr id="38" name="TextBox 37">
+              <a:extLst>
+                <a:ext uri="{FF2B5EF4-FFF2-40B4-BE49-F238E27FC236}">
+                  <a16:creationId xmlns:a16="http://schemas.microsoft.com/office/drawing/2014/main" id="{63A577B0-1AA1-F852-3387-81A4029A70BD}"/>
+                </a:ext>
+              </a:extLst>
+            </p:cNvPr>
+            <p:cNvSpPr txBox="1"/>
+            <p:nvPr/>
+          </p:nvSpPr>
+          <p:spPr>
+            <a:xfrm>
+              <a:off x="2642991" y="1655895"/>
+              <a:ext cx="1009294" cy="415498"/>
+            </a:xfrm>
+            <a:prstGeom prst="rect">
+              <a:avLst/>
+            </a:prstGeom>
+            <a:noFill/>
+          </p:spPr>
+          <p:txBody>
+            <a:bodyPr wrap="square">
+              <a:spAutoFit/>
+            </a:bodyPr>
+            <a:lstStyle/>
+            <a:p>
+              <a:pPr algn="ctr"/>
+              <a:r>
+                <a:rPr lang="en-GB" sz="1050" dirty="0">
+                  <a:latin typeface="Crimson Pro" pitchFamily="2" charset="77"/>
+                  <a:ea typeface="JetBrainsMono NF" panose="02000009000000000000" pitchFamily="49" charset="0"/>
+                  <a:cs typeface="JetBrainsMono NF" panose="02000009000000000000" pitchFamily="49" charset="0"/>
+                </a:rPr>
+                <a:t>not too</a:t>
+              </a:r>
+            </a:p>
+            <a:p>
+              <a:pPr algn="ctr"/>
+              <a:r>
+                <a:rPr lang="en-GB" sz="1050" dirty="0">
+                  <a:latin typeface="Crimson Pro" pitchFamily="2" charset="77"/>
+                  <a:ea typeface="JetBrainsMono NF" panose="02000009000000000000" pitchFamily="49" charset="0"/>
+                  <a:cs typeface="JetBrainsMono NF" panose="02000009000000000000" pitchFamily="49" charset="0"/>
+                </a:rPr>
+                <a:t>easy</a:t>
+              </a:r>
+            </a:p>
+          </p:txBody>
+        </p:sp>
+        <p:pic>
+          <p:nvPicPr>
+            <p:cNvPr id="42" name="Graphic 41">
+              <a:extLst>
+                <a:ext uri="{FF2B5EF4-FFF2-40B4-BE49-F238E27FC236}">
+                  <a16:creationId xmlns:a16="http://schemas.microsoft.com/office/drawing/2014/main" id="{3863A7A9-A360-2BB6-122C-01BBA4995E0B}"/>
+                </a:ext>
+              </a:extLst>
+            </p:cNvPr>
+            <p:cNvPicPr>
+              <a:picLocks noChangeAspect="1"/>
+            </p:cNvPicPr>
+            <p:nvPr/>
+          </p:nvPicPr>
+          <p:blipFill>
+            <a:blip r:embed="rId9">
+              <a:extLst>
+                <a:ext uri="{96DAC541-7B7A-43D3-8B79-37D633B846F1}">
+                  <asvg:svgBlip xmlns:asvg="http://schemas.microsoft.com/office/drawing/2016/SVG/main" r:embed="rId10"/>
+                </a:ext>
+              </a:extLst>
+            </a:blip>
+            <a:stretch>
+              <a:fillRect/>
+            </a:stretch>
+          </p:blipFill>
+          <p:spPr>
+            <a:xfrm>
+              <a:off x="2618787" y="1761361"/>
+              <a:ext cx="158031" cy="158031"/>
+            </a:xfrm>
+            <a:prstGeom prst="rect">
+              <a:avLst/>
+            </a:prstGeom>
+          </p:spPr>
+        </p:pic>
+      </p:grpSp>
+      <p:grpSp>
+        <p:nvGrpSpPr>
+          <p:cNvPr id="54" name="Group 53">
+            <a:extLst>
+              <a:ext uri="{FF2B5EF4-FFF2-40B4-BE49-F238E27FC236}">
+                <a16:creationId xmlns:a16="http://schemas.microsoft.com/office/drawing/2014/main" id="{C378883E-EB19-E128-7A7F-5EE093BA2FAD}"/>
+              </a:ext>
+            </a:extLst>
+          </p:cNvPr>
+          <p:cNvGrpSpPr/>
+          <p:nvPr/>
+        </p:nvGrpSpPr>
+        <p:grpSpPr>
+          <a:xfrm>
+            <a:off x="2474070" y="2396471"/>
+            <a:ext cx="1033498" cy="415498"/>
+            <a:chOff x="2618787" y="1655895"/>
+            <a:chExt cx="1033498" cy="415498"/>
+          </a:xfrm>
+        </p:grpSpPr>
+        <p:sp>
+          <p:nvSpPr>
+            <p:cNvPr id="55" name="TextBox 54">
+              <a:extLst>
+                <a:ext uri="{FF2B5EF4-FFF2-40B4-BE49-F238E27FC236}">
+                  <a16:creationId xmlns:a16="http://schemas.microsoft.com/office/drawing/2014/main" id="{41E38EDC-8A15-054A-CA6F-B372F1579B41}"/>
+                </a:ext>
+              </a:extLst>
+            </p:cNvPr>
+            <p:cNvSpPr txBox="1"/>
+            <p:nvPr/>
+          </p:nvSpPr>
+          <p:spPr>
+            <a:xfrm>
+              <a:off x="2642991" y="1655895"/>
+              <a:ext cx="1009294" cy="415498"/>
+            </a:xfrm>
+            <a:prstGeom prst="rect">
+              <a:avLst/>
+            </a:prstGeom>
+            <a:noFill/>
+          </p:spPr>
+          <p:txBody>
+            <a:bodyPr wrap="square">
+              <a:spAutoFit/>
+            </a:bodyPr>
+            <a:lstStyle/>
+            <a:p>
+              <a:pPr algn="ctr"/>
+              <a:r>
+                <a:rPr lang="en-GB" sz="1050" dirty="0">
+                  <a:latin typeface="Crimson Pro" pitchFamily="2" charset="77"/>
+                  <a:ea typeface="JetBrainsMono NF" panose="02000009000000000000" pitchFamily="49" charset="0"/>
+                  <a:cs typeface="JetBrainsMono NF" panose="02000009000000000000" pitchFamily="49" charset="0"/>
+                </a:rPr>
+                <a:t>correlated</a:t>
+              </a:r>
+              <a:br>
+                <a:rPr lang="en-GB" sz="1050" dirty="0">
+                  <a:latin typeface="Crimson Pro" pitchFamily="2" charset="77"/>
+                  <a:ea typeface="JetBrainsMono NF" panose="02000009000000000000" pitchFamily="49" charset="0"/>
+                  <a:cs typeface="JetBrainsMono NF" panose="02000009000000000000" pitchFamily="49" charset="0"/>
+                </a:rPr>
+              </a:br>
+              <a:r>
+                <a:rPr lang="en-GB" sz="1050" dirty="0">
+                  <a:latin typeface="Crimson Pro" pitchFamily="2" charset="77"/>
+                  <a:ea typeface="JetBrainsMono NF" panose="02000009000000000000" pitchFamily="49" charset="0"/>
+                  <a:cs typeface="JetBrainsMono NF" panose="02000009000000000000" pitchFamily="49" charset="0"/>
+                </a:rPr>
+                <a:t>w/ score</a:t>
+              </a:r>
+            </a:p>
+          </p:txBody>
+        </p:sp>
+        <p:pic>
+          <p:nvPicPr>
+            <p:cNvPr id="58" name="Graphic 57">
+              <a:extLst>
+                <a:ext uri="{FF2B5EF4-FFF2-40B4-BE49-F238E27FC236}">
+                  <a16:creationId xmlns:a16="http://schemas.microsoft.com/office/drawing/2014/main" id="{47286EBC-FD63-277F-234B-C26452F9B61B}"/>
+                </a:ext>
+              </a:extLst>
+            </p:cNvPr>
+            <p:cNvPicPr>
+              <a:picLocks noChangeAspect="1"/>
+            </p:cNvPicPr>
+            <p:nvPr/>
+          </p:nvPicPr>
+          <p:blipFill>
+            <a:blip r:embed="rId9">
+              <a:extLst>
+                <a:ext uri="{96DAC541-7B7A-43D3-8B79-37D633B846F1}">
+                  <asvg:svgBlip xmlns:asvg="http://schemas.microsoft.com/office/drawing/2016/SVG/main" r:embed="rId10"/>
+                </a:ext>
+              </a:extLst>
+            </a:blip>
+            <a:stretch>
+              <a:fillRect/>
+            </a:stretch>
+          </p:blipFill>
+          <p:spPr>
+            <a:xfrm>
+              <a:off x="2618787" y="1761361"/>
+              <a:ext cx="158031" cy="158031"/>
+            </a:xfrm>
+            <a:prstGeom prst="rect">
+              <a:avLst/>
+            </a:prstGeom>
+          </p:spPr>
+        </p:pic>
+      </p:grpSp>
+      <p:grpSp>
+        <p:nvGrpSpPr>
+          <p:cNvPr id="1046" name="Group 1045">
+            <a:extLst>
+              <a:ext uri="{FF2B5EF4-FFF2-40B4-BE49-F238E27FC236}">
+                <a16:creationId xmlns:a16="http://schemas.microsoft.com/office/drawing/2014/main" id="{A6A8ABC0-FED4-66F9-FF28-2778F8BCFB41}"/>
+              </a:ext>
+            </a:extLst>
+          </p:cNvPr>
+          <p:cNvGrpSpPr/>
+          <p:nvPr/>
+        </p:nvGrpSpPr>
+        <p:grpSpPr>
+          <a:xfrm>
+            <a:off x="3564235" y="967442"/>
+            <a:ext cx="1261646" cy="2376232"/>
+            <a:chOff x="3761640" y="1118239"/>
+            <a:chExt cx="1261646" cy="2376232"/>
+          </a:xfrm>
+        </p:grpSpPr>
+        <p:sp>
+          <p:nvSpPr>
+            <p:cNvPr id="59" name="Trapezium 58">
+              <a:extLst>
+                <a:ext uri="{FF2B5EF4-FFF2-40B4-BE49-F238E27FC236}">
+                  <a16:creationId xmlns:a16="http://schemas.microsoft.com/office/drawing/2014/main" id="{B427FE56-137D-467A-E875-D34F7584D3C6}"/>
+                </a:ext>
+              </a:extLst>
+            </p:cNvPr>
+            <p:cNvSpPr/>
+            <p:nvPr/>
+          </p:nvSpPr>
+          <p:spPr>
+            <a:xfrm rot="5400000">
+              <a:off x="3191902" y="1687977"/>
+              <a:ext cx="2376232" cy="1236756"/>
+            </a:xfrm>
+            <a:prstGeom prst="trapezoid">
+              <a:avLst/>
+            </a:prstGeom>
+            <a:ln>
+              <a:solidFill>
+                <a:schemeClr val="tx1"/>
+              </a:solidFill>
+            </a:ln>
+          </p:spPr>
+          <p:style>
+            <a:lnRef idx="2">
+              <a:schemeClr val="accent6"/>
+            </a:lnRef>
+            <a:fillRef idx="1">
+              <a:schemeClr val="lt1"/>
+            </a:fillRef>
+            <a:effectRef idx="0">
+              <a:schemeClr val="accent6"/>
+            </a:effectRef>
+            <a:fontRef idx="minor">
+              <a:schemeClr val="dk1"/>
+            </a:fontRef>
+          </p:style>
+          <p:txBody>
+            <a:bodyPr rtlCol="0" anchor="ctr"/>
+            <a:lstStyle/>
+            <a:p>
+              <a:pPr algn="ctr"/>
+              <a:endParaRPr lang="en-DE" dirty="0"/>
+            </a:p>
+          </p:txBody>
+        </p:sp>
+        <p:sp>
+          <p:nvSpPr>
+            <p:cNvPr id="1024" name="TextBox 1023">
+              <a:extLst>
+                <a:ext uri="{FF2B5EF4-FFF2-40B4-BE49-F238E27FC236}">
+                  <a16:creationId xmlns:a16="http://schemas.microsoft.com/office/drawing/2014/main" id="{27E04C9F-9812-8F00-6347-079CE465D79C}"/>
+                </a:ext>
+              </a:extLst>
+            </p:cNvPr>
+            <p:cNvSpPr txBox="1"/>
+            <p:nvPr/>
+          </p:nvSpPr>
+          <p:spPr>
+            <a:xfrm>
+              <a:off x="3828590" y="1328013"/>
+              <a:ext cx="1108655" cy="692497"/>
+            </a:xfrm>
+            <a:prstGeom prst="rect">
+              <a:avLst/>
+            </a:prstGeom>
+            <a:noFill/>
+          </p:spPr>
+          <p:txBody>
+            <a:bodyPr wrap="square" rtlCol="0">
+              <a:spAutoFit/>
+            </a:bodyPr>
+            <a:lstStyle/>
+            <a:p>
+              <a:pPr algn="ctr"/>
+              <a:r>
+                <a:rPr lang="en-GB" sz="1300" dirty="0">
+                  <a:latin typeface="Crimson Pro" pitchFamily="2" charset="77"/>
+                  <a:ea typeface="JetBrainsMono NF" panose="02000009000000000000" pitchFamily="49" charset="0"/>
+                  <a:cs typeface="JetBrainsMono NF" panose="02000009000000000000" pitchFamily="49" charset="0"/>
+                </a:rPr>
+                <a:t>Cross-Validated Subsampling</a:t>
+              </a:r>
+            </a:p>
+          </p:txBody>
+        </p:sp>
+        <p:sp>
+          <p:nvSpPr>
+            <p:cNvPr id="1028" name="TextBox 1027">
+              <a:extLst>
+                <a:ext uri="{FF2B5EF4-FFF2-40B4-BE49-F238E27FC236}">
+                  <a16:creationId xmlns:a16="http://schemas.microsoft.com/office/drawing/2014/main" id="{979C9A1F-FE06-1483-AC39-12DA50061890}"/>
+                </a:ext>
+              </a:extLst>
+            </p:cNvPr>
+            <p:cNvSpPr txBox="1"/>
+            <p:nvPr/>
+          </p:nvSpPr>
+          <p:spPr>
+            <a:xfrm>
+              <a:off x="4013992" y="2141618"/>
+              <a:ext cx="1009294" cy="253916"/>
+            </a:xfrm>
+            <a:prstGeom prst="rect">
+              <a:avLst/>
+            </a:prstGeom>
+            <a:noFill/>
+          </p:spPr>
+          <p:txBody>
+            <a:bodyPr wrap="square">
+              <a:spAutoFit/>
+            </a:bodyPr>
+            <a:lstStyle/>
+            <a:p>
+              <a:pPr algn="ctr"/>
+              <a:r>
+                <a:rPr lang="en-GB" sz="1050" dirty="0">
+                  <a:latin typeface="Crimson Pro" pitchFamily="2" charset="77"/>
+                  <a:ea typeface="JetBrainsMono NF" panose="02000009000000000000" pitchFamily="49" charset="0"/>
+                  <a:cs typeface="JetBrainsMono NF" panose="02000009000000000000" pitchFamily="49" charset="0"/>
+                </a:rPr>
+                <a:t>draw items</a:t>
+              </a:r>
+            </a:p>
+          </p:txBody>
+        </p:sp>
+        <p:pic>
+          <p:nvPicPr>
+            <p:cNvPr id="1031" name="Graphic 1030">
+              <a:extLst>
+                <a:ext uri="{FF2B5EF4-FFF2-40B4-BE49-F238E27FC236}">
+                  <a16:creationId xmlns:a16="http://schemas.microsoft.com/office/drawing/2014/main" id="{6CC937F1-2360-B3AB-56BB-ADD5232B33B7}"/>
+                </a:ext>
+              </a:extLst>
+            </p:cNvPr>
+            <p:cNvPicPr>
+              <a:picLocks noChangeAspect="1"/>
+            </p:cNvPicPr>
+            <p:nvPr/>
+          </p:nvPicPr>
+          <p:blipFill>
+            <a:blip r:embed="rId11">
+              <a:extLst>
+                <a:ext uri="{96DAC541-7B7A-43D3-8B79-37D633B846F1}">
+                  <asvg:svgBlip xmlns:asvg="http://schemas.microsoft.com/office/drawing/2016/SVG/main" r:embed="rId12"/>
+                </a:ext>
+              </a:extLst>
+            </a:blip>
+            <a:stretch>
+              <a:fillRect/>
+            </a:stretch>
+          </p:blipFill>
+          <p:spPr>
+            <a:xfrm>
+              <a:off x="3864745" y="2150297"/>
+              <a:ext cx="255328" cy="255328"/>
+            </a:xfrm>
+            <a:prstGeom prst="rect">
+              <a:avLst/>
+            </a:prstGeom>
+          </p:spPr>
+        </p:pic>
+        <p:pic>
+          <p:nvPicPr>
+            <p:cNvPr id="1035" name="Graphic 1034">
+              <a:extLst>
+                <a:ext uri="{FF2B5EF4-FFF2-40B4-BE49-F238E27FC236}">
+                  <a16:creationId xmlns:a16="http://schemas.microsoft.com/office/drawing/2014/main" id="{E53E77AF-83D3-3DEE-1CA1-E9DDCADECFA9}"/>
+                </a:ext>
+              </a:extLst>
+            </p:cNvPr>
+            <p:cNvPicPr>
+              <a:picLocks noChangeAspect="1"/>
+            </p:cNvPicPr>
+            <p:nvPr/>
+          </p:nvPicPr>
+          <p:blipFill>
+            <a:blip r:embed="rId13">
+              <a:extLst>
+                <a:ext uri="{96DAC541-7B7A-43D3-8B79-37D633B846F1}">
+                  <asvg:svgBlip xmlns:asvg="http://schemas.microsoft.com/office/drawing/2016/SVG/main" r:embed="rId14"/>
+                </a:ext>
+              </a:extLst>
+            </a:blip>
+            <a:stretch>
+              <a:fillRect/>
+            </a:stretch>
+          </p:blipFill>
+          <p:spPr>
+            <a:xfrm>
+              <a:off x="3903258" y="2516642"/>
+              <a:ext cx="189757" cy="189757"/>
+            </a:xfrm>
+            <a:prstGeom prst="rect">
+              <a:avLst/>
+            </a:prstGeom>
+          </p:spPr>
+        </p:pic>
+        <p:sp>
+          <p:nvSpPr>
+            <p:cNvPr id="1039" name="TextBox 1038">
+              <a:extLst>
+                <a:ext uri="{FF2B5EF4-FFF2-40B4-BE49-F238E27FC236}">
+                  <a16:creationId xmlns:a16="http://schemas.microsoft.com/office/drawing/2014/main" id="{CFF27777-1D35-13E7-31F3-E81DE6E65C59}"/>
+                </a:ext>
+              </a:extLst>
+            </p:cNvPr>
+            <p:cNvSpPr txBox="1"/>
+            <p:nvPr/>
+          </p:nvSpPr>
+          <p:spPr>
+            <a:xfrm>
+              <a:off x="4074637" y="2472678"/>
+              <a:ext cx="885368" cy="253916"/>
+            </a:xfrm>
+            <a:prstGeom prst="rect">
+              <a:avLst/>
+            </a:prstGeom>
+            <a:noFill/>
+          </p:spPr>
+          <p:txBody>
+            <a:bodyPr wrap="square">
+              <a:spAutoFit/>
+            </a:bodyPr>
+            <a:lstStyle/>
+            <a:p>
+              <a:pPr algn="ctr"/>
+              <a:r>
+                <a:rPr lang="en-GB" sz="1050" dirty="0">
+                  <a:latin typeface="Crimson Pro" pitchFamily="2" charset="77"/>
+                  <a:ea typeface="JetBrainsMono NF" panose="02000009000000000000" pitchFamily="49" charset="0"/>
+                  <a:cs typeface="JetBrainsMono NF" panose="02000009000000000000" pitchFamily="49" charset="0"/>
+                </a:rPr>
+                <a:t>predict score</a:t>
+              </a:r>
+            </a:p>
+          </p:txBody>
+        </p:sp>
+        <p:pic>
+          <p:nvPicPr>
+            <p:cNvPr id="1044" name="Graphic 1043">
+              <a:extLst>
+                <a:ext uri="{FF2B5EF4-FFF2-40B4-BE49-F238E27FC236}">
+                  <a16:creationId xmlns:a16="http://schemas.microsoft.com/office/drawing/2014/main" id="{9C5C7038-AEE0-0920-D4B7-AE94F60F970E}"/>
+                </a:ext>
+              </a:extLst>
+            </p:cNvPr>
+            <p:cNvPicPr>
+              <a:picLocks noChangeAspect="1"/>
+            </p:cNvPicPr>
+            <p:nvPr/>
+          </p:nvPicPr>
+          <p:blipFill>
+            <a:blip r:embed="rId15">
+              <a:extLst>
+                <a:ext uri="{96DAC541-7B7A-43D3-8B79-37D633B846F1}">
+                  <asvg:svgBlip xmlns:asvg="http://schemas.microsoft.com/office/drawing/2016/SVG/main" r:embed="rId16"/>
+                </a:ext>
+              </a:extLst>
+            </a:blip>
+            <a:stretch>
+              <a:fillRect/>
+            </a:stretch>
+          </p:blipFill>
+          <p:spPr>
+            <a:xfrm>
+              <a:off x="3830300" y="2837016"/>
+              <a:ext cx="344730" cy="344730"/>
+            </a:xfrm>
+            <a:prstGeom prst="rect">
+              <a:avLst/>
+            </a:prstGeom>
+          </p:spPr>
+        </p:pic>
+        <p:sp>
+          <p:nvSpPr>
+            <p:cNvPr id="1045" name="TextBox 1044">
+              <a:extLst>
+                <a:ext uri="{FF2B5EF4-FFF2-40B4-BE49-F238E27FC236}">
+                  <a16:creationId xmlns:a16="http://schemas.microsoft.com/office/drawing/2014/main" id="{C459324A-512A-4731-75C0-2D74B13194C3}"/>
+                </a:ext>
+              </a:extLst>
+            </p:cNvPr>
+            <p:cNvSpPr txBox="1"/>
+            <p:nvPr/>
+          </p:nvSpPr>
+          <p:spPr>
+            <a:xfrm>
+              <a:off x="4081562" y="2849790"/>
+              <a:ext cx="885368" cy="253916"/>
+            </a:xfrm>
+            <a:prstGeom prst="rect">
+              <a:avLst/>
+            </a:prstGeom>
+            <a:noFill/>
+          </p:spPr>
+          <p:txBody>
+            <a:bodyPr wrap="square">
+              <a:spAutoFit/>
+            </a:bodyPr>
+            <a:lstStyle/>
+            <a:p>
+              <a:pPr algn="ctr"/>
+              <a:r>
+                <a:rPr lang="en-GB" sz="1050" dirty="0">
+                  <a:latin typeface="Crimson Pro" pitchFamily="2" charset="77"/>
+                  <a:ea typeface="JetBrainsMono NF" panose="02000009000000000000" pitchFamily="49" charset="0"/>
+                  <a:cs typeface="JetBrainsMono NF" panose="02000009000000000000" pitchFamily="49" charset="0"/>
+                </a:rPr>
+                <a:t>keep best</a:t>
+              </a:r>
+            </a:p>
+          </p:txBody>
+        </p:sp>
+      </p:grpSp>
+      <p:grpSp>
+        <p:nvGrpSpPr>
+          <p:cNvPr id="1050" name="Group 1049">
+            <a:extLst>
+              <a:ext uri="{FF2B5EF4-FFF2-40B4-BE49-F238E27FC236}">
+                <a16:creationId xmlns:a16="http://schemas.microsoft.com/office/drawing/2014/main" id="{D4B7F820-A730-6AF3-2DEF-A2939A78BBEC}"/>
+              </a:ext>
+            </a:extLst>
+          </p:cNvPr>
+          <p:cNvGrpSpPr/>
+          <p:nvPr/>
+        </p:nvGrpSpPr>
+        <p:grpSpPr>
+          <a:xfrm>
+            <a:off x="6696553" y="1195134"/>
+            <a:ext cx="1286831" cy="2067703"/>
+            <a:chOff x="6675131" y="884555"/>
+            <a:chExt cx="1429211" cy="2296481"/>
           </a:xfrm>
         </p:grpSpPr>
         <p:pic>
           <p:nvPicPr>
-            <p:cNvPr id="60" name="Picture 59" descr="A black background with a black square&#10;&#10;Description automatically generated with medium confidence">
+            <p:cNvPr id="44" name="Picture 43" descr="A diagram of a function&#10;&#10;Description automatically generated with medium confidence">
               <a:extLst>
                 <a:ext uri="{FF2B5EF4-FFF2-40B4-BE49-F238E27FC236}">
-                  <a16:creationId xmlns:a16="http://schemas.microsoft.com/office/drawing/2014/main" id="{9E924CF4-B18D-B909-8A67-6F1F73F39B5E}"/>
+                  <a16:creationId xmlns:a16="http://schemas.microsoft.com/office/drawing/2014/main" id="{001D69F3-2C15-6DCC-5555-79BEED80CFB0}"/>
                 </a:ext>
               </a:extLst>
             </p:cNvPr>
@@ -5136,14 +6048,14 @@
             <p:nvPr/>
           </p:nvPicPr>
           <p:blipFill rotWithShape="1">
-            <a:blip r:embed="rId9"/>
-            <a:srcRect b="66680"/>
+            <a:blip r:embed="rId17"/>
+            <a:srcRect b="57804"/>
             <a:stretch/>
           </p:blipFill>
           <p:spPr>
             <a:xfrm>
-              <a:off x="4617703" y="1876673"/>
-              <a:ext cx="1259267" cy="290040"/>
+              <a:off x="6690761" y="884555"/>
+              <a:ext cx="1413581" cy="1073658"/>
             </a:xfrm>
             <a:prstGeom prst="rect">
               <a:avLst/>
@@ -5152,10 +6064,10 @@
         </p:pic>
         <p:pic>
           <p:nvPicPr>
-            <p:cNvPr id="61" name="Picture 60" descr="A black background with a black square&#10;&#10;Description automatically generated with medium confidence">
+            <p:cNvPr id="1049" name="Picture 1048" descr="A diagram of a function&#10;&#10;Description automatically generated with medium confidence">
               <a:extLst>
                 <a:ext uri="{FF2B5EF4-FFF2-40B4-BE49-F238E27FC236}">
-                  <a16:creationId xmlns:a16="http://schemas.microsoft.com/office/drawing/2014/main" id="{D899E212-5804-42A7-4B84-780560206B04}"/>
+                  <a16:creationId xmlns:a16="http://schemas.microsoft.com/office/drawing/2014/main" id="{04294717-6AF2-0138-A24F-191AEF9AD75C}"/>
                 </a:ext>
               </a:extLst>
             </p:cNvPr>
@@ -5165,14 +6077,14 @@
             <p:nvPr/>
           </p:nvPicPr>
           <p:blipFill rotWithShape="1">
-            <a:blip r:embed="rId9"/>
-            <a:srcRect t="59993"/>
+            <a:blip r:embed="rId17"/>
+            <a:srcRect t="55417" b="5193"/>
             <a:stretch/>
           </p:blipFill>
           <p:spPr>
             <a:xfrm>
-              <a:off x="4593797" y="2166713"/>
-              <a:ext cx="1259267" cy="348257"/>
+              <a:off x="6675131" y="2178771"/>
+              <a:ext cx="1413581" cy="1002265"/>
             </a:xfrm>
             <a:prstGeom prst="rect">
               <a:avLst/>
@@ -5181,40 +6093,57 @@
         </p:pic>
         <p:pic>
           <p:nvPicPr>
-            <p:cNvPr id="62" name="Picture 61" descr="A black background with a black square&#10;&#10;Description automatically generated with medium confidence">
+            <p:cNvPr id="1047" name="Picture 2" descr="15.100+ Grafiken, lizenzfreie Vektorgrafiken und Clipart zu Trichter Icon -  iStock | Filter icon">
+              <a:hlinkClick r:id="rId5"/>
               <a:extLst>
                 <a:ext uri="{FF2B5EF4-FFF2-40B4-BE49-F238E27FC236}">
-                  <a16:creationId xmlns:a16="http://schemas.microsoft.com/office/drawing/2014/main" id="{3EAA4C62-F2EC-57C9-E07B-EE7E85125E39}"/>
+                  <a16:creationId xmlns:a16="http://schemas.microsoft.com/office/drawing/2014/main" id="{6910F7EB-FC1E-061E-4F1F-672F56C81182}"/>
                 </a:ext>
               </a:extLst>
             </p:cNvPr>
             <p:cNvPicPr>
-              <a:picLocks noChangeAspect="1"/>
+              <a:picLocks noChangeAspect="1" noChangeArrowheads="1"/>
             </p:cNvPicPr>
             <p:nvPr/>
           </p:nvPicPr>
           <p:blipFill rotWithShape="1">
-            <a:blip r:embed="rId9"/>
-            <a:srcRect t="36404" b="29768"/>
+            <a:blip r:embed="rId6">
+              <a:extLst>
+                <a:ext uri="{28A0092B-C50C-407E-A947-70E740481C1C}">
+                  <a14:useLocalDpi xmlns:a14="http://schemas.microsoft.com/office/drawing/2010/main" val="0"/>
+                </a:ext>
+              </a:extLst>
+            </a:blip>
+            <a:srcRect l="25669" t="23308" r="25439" b="24116"/>
             <a:stretch/>
           </p:blipFill>
-          <p:spPr>
+          <p:spPr bwMode="auto">
             <a:xfrm>
-              <a:off x="4605750" y="2055843"/>
-              <a:ext cx="1259267" cy="294466"/>
+              <a:off x="7304815" y="2003509"/>
+              <a:ext cx="185472" cy="199445"/>
             </a:xfrm>
             <a:prstGeom prst="rect">
               <a:avLst/>
             </a:prstGeom>
+            <a:noFill/>
+            <a:extLst>
+              <a:ext uri="{909E8E84-426E-40DD-AFC4-6F175D3DCCD1}">
+                <a14:hiddenFill xmlns:a14="http://schemas.microsoft.com/office/drawing/2010/main">
+                  <a:solidFill>
+                    <a:srgbClr val="FFFFFF"/>
+                  </a:solidFill>
+                </a14:hiddenFill>
+              </a:ext>
+            </a:extLst>
           </p:spPr>
         </p:pic>
       </p:grpSp>
       <p:sp>
         <p:nvSpPr>
-          <p:cNvPr id="1034" name="TextBox 1033">
+          <p:cNvPr id="1054" name="TextBox 1053">
             <a:extLst>
               <a:ext uri="{FF2B5EF4-FFF2-40B4-BE49-F238E27FC236}">
-                <a16:creationId xmlns:a16="http://schemas.microsoft.com/office/drawing/2014/main" id="{A7C6D244-1CB0-6CFF-53A3-DFDE2B83A77E}"/>
+                <a16:creationId xmlns:a16="http://schemas.microsoft.com/office/drawing/2014/main" id="{45ECC5EB-FB54-2539-F251-AF7BB6E5FDE9}"/>
               </a:ext>
             </a:extLst>
           </p:cNvPr>
@@ -5223,8 +6152,8 @@
         </p:nvSpPr>
         <p:spPr>
           <a:xfrm>
-            <a:off x="6106287" y="2294487"/>
-            <a:ext cx="1791606" cy="269304"/>
+            <a:off x="6859387" y="1115819"/>
+            <a:ext cx="1043795" cy="307777"/>
           </a:xfrm>
           <a:prstGeom prst="rect">
             <a:avLst/>
@@ -5239,27 +6168,22 @@
           <a:p>
             <a:pPr algn="ctr"/>
             <a:r>
-              <a:rPr lang="en-GB" sz="1150" dirty="0">
-                <a:latin typeface="Crimson Pro ExtraLight" pitchFamily="2" charset="77"/>
+              <a:rPr lang="en-GB" sz="1400" dirty="0">
+                <a:latin typeface="Crimson Pro" pitchFamily="2" charset="77"/>
                 <a:ea typeface="JetBrainsMono NF" panose="02000009000000000000" pitchFamily="49" charset="0"/>
                 <a:cs typeface="JetBrainsMono NF" panose="02000009000000000000" pitchFamily="49" charset="0"/>
               </a:rPr>
-              <a:t>remove redundancies</a:t>
+              <a:t>Info-Filter</a:t>
             </a:r>
-            <a:endParaRPr lang="en-DE" sz="1150" dirty="0">
-              <a:latin typeface="Crimson Pro ExtraLight" pitchFamily="2" charset="77"/>
-              <a:ea typeface="JetBrainsMono NF" panose="02000009000000000000" pitchFamily="49" charset="0"/>
-              <a:cs typeface="JetBrainsMono NF" panose="02000009000000000000" pitchFamily="49" charset="0"/>
-            </a:endParaRPr>
-          </a:p>
-        </p:txBody>
-      </p:sp>
-      <p:sp>
-        <p:nvSpPr>
-          <p:cNvPr id="1051" name="TextBox 1050">
+          </a:p>
+        </p:txBody>
+      </p:sp>
+      <p:sp>
+        <p:nvSpPr>
+          <p:cNvPr id="1068" name="TextBox 1067">
             <a:extLst>
               <a:ext uri="{FF2B5EF4-FFF2-40B4-BE49-F238E27FC236}">
-                <a16:creationId xmlns:a16="http://schemas.microsoft.com/office/drawing/2014/main" id="{F7D782FA-645E-9A96-7B40-E14DCE93B7EA}"/>
+                <a16:creationId xmlns:a16="http://schemas.microsoft.com/office/drawing/2014/main" id="{AE7AC024-64D8-70B4-E874-2A8FA092FA20}"/>
               </a:ext>
             </a:extLst>
           </p:cNvPr>
@@ -5268,8 +6192,8 @@
         </p:nvSpPr>
         <p:spPr>
           <a:xfrm>
-            <a:off x="2189339" y="6041390"/>
-            <a:ext cx="1308897" cy="338554"/>
+            <a:off x="1107342" y="5702205"/>
+            <a:ext cx="2011446" cy="307777"/>
           </a:xfrm>
           <a:prstGeom prst="rect">
             <a:avLst/>
@@ -5277,29 +6201,32 @@
           <a:noFill/>
         </p:spPr>
         <p:txBody>
-          <a:bodyPr wrap="square" rtlCol="0">
+          <a:bodyPr wrap="square">
             <a:spAutoFit/>
           </a:bodyPr>
           <a:lstStyle/>
           <a:p>
             <a:pPr algn="ctr"/>
             <a:r>
-              <a:rPr lang="en-DE" sz="1600" dirty="0">
-                <a:latin typeface="Crimson Pro" pitchFamily="2" charset="77"/>
+              <a:rPr lang="en-GB" sz="1400" i="1" dirty="0">
+                <a:latin typeface="Crimson Pro ExtraLight" pitchFamily="2" charset="77"/>
                 <a:ea typeface="JetBrainsMono NF" panose="02000009000000000000" pitchFamily="49" charset="0"/>
                 <a:cs typeface="JetBrainsMono NF" panose="02000009000000000000" pitchFamily="49" charset="0"/>
               </a:rPr>
-              <a:t>point score</a:t>
+              <a:t>point scores</a:t>
             </a:r>
-          </a:p>
-        </p:txBody>
-      </p:sp>
-      <p:sp>
-        <p:nvSpPr>
-          <p:cNvPr id="1052" name="TextBox 1051">
+            <a:endParaRPr lang="en-DE" sz="1400" i="1" dirty="0">
+              <a:latin typeface="Crimson Pro ExtraLight" pitchFamily="2" charset="77"/>
+            </a:endParaRPr>
+          </a:p>
+        </p:txBody>
+      </p:sp>
+      <p:sp>
+        <p:nvSpPr>
+          <p:cNvPr id="1070" name="TextBox 1069">
             <a:extLst>
               <a:ext uri="{FF2B5EF4-FFF2-40B4-BE49-F238E27FC236}">
-                <a16:creationId xmlns:a16="http://schemas.microsoft.com/office/drawing/2014/main" id="{C1541439-AF85-3AC0-0881-6DA2FA96CE40}"/>
+                <a16:creationId xmlns:a16="http://schemas.microsoft.com/office/drawing/2014/main" id="{DC04D9E2-4214-3268-183A-A912ADEB3912}"/>
               </a:ext>
             </a:extLst>
           </p:cNvPr>
@@ -5308,8 +6235,8 @@
         </p:nvSpPr>
         <p:spPr>
           <a:xfrm>
-            <a:off x="6709991" y="6045822"/>
-            <a:ext cx="1499476" cy="338554"/>
+            <a:off x="6981437" y="5681583"/>
+            <a:ext cx="2011446" cy="307777"/>
           </a:xfrm>
           <a:prstGeom prst="rect">
             <a:avLst/>
@@ -5317,121 +6244,6 @@
           <a:noFill/>
         </p:spPr>
         <p:txBody>
-          <a:bodyPr wrap="square" rtlCol="0">
-            <a:spAutoFit/>
-          </a:bodyPr>
-          <a:lstStyle/>
-          <a:p>
-            <a:pPr algn="ctr"/>
-            <a:r>
-              <a:rPr lang="en-GB" sz="1600" dirty="0">
-                <a:latin typeface="Crimson Pro" pitchFamily="2" charset="77"/>
-                <a:ea typeface="JetBrainsMono NF" panose="02000009000000000000" pitchFamily="49" charset="0"/>
-                <a:cs typeface="JetBrainsMono NF" panose="02000009000000000000" pitchFamily="49" charset="0"/>
-              </a:rPr>
-              <a:t>latent ability</a:t>
-            </a:r>
-            <a:endParaRPr lang="en-DE" sz="1600" dirty="0">
-              <a:latin typeface="Crimson Pro" pitchFamily="2" charset="77"/>
-              <a:ea typeface="JetBrainsMono NF" panose="02000009000000000000" pitchFamily="49" charset="0"/>
-              <a:cs typeface="JetBrainsMono NF" panose="02000009000000000000" pitchFamily="49" charset="0"/>
-            </a:endParaRPr>
-          </a:p>
-        </p:txBody>
-      </p:sp>
-      <p:pic>
-        <p:nvPicPr>
-          <p:cNvPr id="1055" name="Picture 1054" descr="A black background with a black square&#10;&#10;Description automatically generated with medium confidence">
-            <a:extLst>
-              <a:ext uri="{FF2B5EF4-FFF2-40B4-BE49-F238E27FC236}">
-                <a16:creationId xmlns:a16="http://schemas.microsoft.com/office/drawing/2014/main" id="{46EAA0F3-988B-5966-82BC-E910F6978C94}"/>
-              </a:ext>
-            </a:extLst>
-          </p:cNvPr>
-          <p:cNvPicPr>
-            <a:picLocks noChangeAspect="1"/>
-          </p:cNvPicPr>
-          <p:nvPr/>
-        </p:nvPicPr>
-        <p:blipFill>
-          <a:blip r:embed="rId10"/>
-          <a:stretch>
-            <a:fillRect/>
-          </a:stretch>
-        </p:blipFill>
-        <p:spPr>
-          <a:xfrm>
-            <a:off x="4545922" y="5207610"/>
-            <a:ext cx="1088594" cy="360212"/>
-          </a:xfrm>
-          <a:prstGeom prst="rect">
-            <a:avLst/>
-          </a:prstGeom>
-        </p:spPr>
-      </p:pic>
-      <p:sp>
-        <p:nvSpPr>
-          <p:cNvPr id="1057" name="TextBox 1056">
-            <a:extLst>
-              <a:ext uri="{FF2B5EF4-FFF2-40B4-BE49-F238E27FC236}">
-                <a16:creationId xmlns:a16="http://schemas.microsoft.com/office/drawing/2014/main" id="{D1B23F7C-43D3-94AC-0EC6-188A45AAF134}"/>
-              </a:ext>
-            </a:extLst>
-          </p:cNvPr>
-          <p:cNvSpPr txBox="1"/>
-          <p:nvPr/>
-        </p:nvSpPr>
-        <p:spPr>
-          <a:xfrm rot="5400000">
-            <a:off x="5378206" y="5255378"/>
-            <a:ext cx="1043796" cy="307777"/>
-          </a:xfrm>
-          <a:prstGeom prst="rect">
-            <a:avLst/>
-          </a:prstGeom>
-          <a:noFill/>
-        </p:spPr>
-        <p:txBody>
-          <a:bodyPr wrap="square" rtlCol="0">
-            <a:spAutoFit/>
-          </a:bodyPr>
-          <a:lstStyle/>
-          <a:p>
-            <a:pPr algn="ctr"/>
-            <a:r>
-              <a:rPr lang="en-DE" sz="1400" dirty="0">
-                <a:latin typeface="Crimson Pro" pitchFamily="2" charset="77"/>
-                <a:ea typeface="JetBrainsMono NF" panose="02000009000000000000" pitchFamily="49" charset="0"/>
-                <a:cs typeface="JetBrainsMono NF" panose="02000009000000000000" pitchFamily="49" charset="0"/>
-              </a:rPr>
-              <a:t>reconstruct</a:t>
-            </a:r>
-          </a:p>
-        </p:txBody>
-      </p:sp>
-      <p:sp>
-        <p:nvSpPr>
-          <p:cNvPr id="1059" name="TextBox 1058">
-            <a:extLst>
-              <a:ext uri="{FF2B5EF4-FFF2-40B4-BE49-F238E27FC236}">
-                <a16:creationId xmlns:a16="http://schemas.microsoft.com/office/drawing/2014/main" id="{776BD945-026E-A81B-F8F5-782CAE88A522}"/>
-              </a:ext>
-            </a:extLst>
-          </p:cNvPr>
-          <p:cNvSpPr txBox="1"/>
-          <p:nvPr/>
-        </p:nvSpPr>
-        <p:spPr>
-          <a:xfrm>
-            <a:off x="3033846" y="1994405"/>
-            <a:ext cx="1127718" cy="600164"/>
-          </a:xfrm>
-          <a:prstGeom prst="rect">
-            <a:avLst/>
-          </a:prstGeom>
-          <a:noFill/>
-        </p:spPr>
-        <p:txBody>
           <a:bodyPr wrap="square">
             <a:spAutoFit/>
           </a:bodyPr>
@@ -5439,49 +6251,25 @@
           <a:p>
             <a:pPr algn="ctr"/>
             <a:r>
-              <a:rPr lang="en-GB" sz="1100" dirty="0">
-                <a:latin typeface="Crimson Pro" pitchFamily="2" charset="77"/>
+              <a:rPr lang="en-GB" sz="1400" i="1" dirty="0">
+                <a:latin typeface="Crimson Pro ExtraLight" pitchFamily="2" charset="77"/>
                 <a:ea typeface="JetBrainsMono NF" panose="02000009000000000000" pitchFamily="49" charset="0"/>
                 <a:cs typeface="JetBrainsMono NF" panose="02000009000000000000" pitchFamily="49" charset="0"/>
               </a:rPr>
-              <a:t>challenging</a:t>
+              <a:t>latent abilities</a:t>
             </a:r>
-          </a:p>
-          <a:p>
-            <a:pPr algn="ctr"/>
-            <a:r>
-              <a:rPr lang="en-GB" sz="1100" dirty="0">
-                <a:latin typeface="Crimson Pro" pitchFamily="2" charset="77"/>
-                <a:ea typeface="JetBrainsMono NF" panose="02000009000000000000" pitchFamily="49" charset="0"/>
-                <a:cs typeface="JetBrainsMono NF" panose="02000009000000000000" pitchFamily="49" charset="0"/>
-              </a:rPr>
-              <a:t>+</a:t>
-            </a:r>
-          </a:p>
-          <a:p>
-            <a:pPr algn="ctr"/>
-            <a:r>
-              <a:rPr lang="en-GB" sz="1100" dirty="0">
-                <a:latin typeface="Crimson Pro" pitchFamily="2" charset="77"/>
-                <a:ea typeface="JetBrainsMono NF" panose="02000009000000000000" pitchFamily="49" charset="0"/>
-                <a:cs typeface="JetBrainsMono NF" panose="02000009000000000000" pitchFamily="49" charset="0"/>
-              </a:rPr>
-              <a:t>corr. w/ score</a:t>
-            </a:r>
-            <a:endParaRPr lang="en-DE" sz="1100" dirty="0">
-              <a:latin typeface="Crimson Pro" pitchFamily="2" charset="77"/>
-              <a:ea typeface="JetBrainsMono NF" panose="02000009000000000000" pitchFamily="49" charset="0"/>
-              <a:cs typeface="JetBrainsMono NF" panose="02000009000000000000" pitchFamily="49" charset="0"/>
+            <a:endParaRPr lang="en-DE" sz="1400" i="1" dirty="0">
+              <a:latin typeface="Crimson Pro ExtraLight" pitchFamily="2" charset="77"/>
             </a:endParaRPr>
           </a:p>
         </p:txBody>
       </p:sp>
       <p:cxnSp>
         <p:nvCxnSpPr>
-          <p:cNvPr id="39" name="Straight Connector 38">
+          <p:cNvPr id="1083" name="Straight Arrow Connector 1082">
             <a:extLst>
               <a:ext uri="{FF2B5EF4-FFF2-40B4-BE49-F238E27FC236}">
-                <a16:creationId xmlns:a16="http://schemas.microsoft.com/office/drawing/2014/main" id="{4A3F9F6F-A10C-4DA8-C8CB-A749A81B5E2B}"/>
+                <a16:creationId xmlns:a16="http://schemas.microsoft.com/office/drawing/2014/main" id="{2E8B294A-D7EB-7F21-ADBE-0DFD1BEA7157}"/>
               </a:ext>
             </a:extLst>
           </p:cNvPr>
@@ -5492,12 +6280,15 @@
         </p:nvCxnSpPr>
         <p:spPr>
           <a:xfrm flipH="1">
-            <a:off x="7988255" y="2331493"/>
-            <a:ext cx="946184" cy="0"/>
+            <a:off x="3306871" y="5003028"/>
+            <a:ext cx="3403755" cy="0"/>
           </a:xfrm>
-          <a:prstGeom prst="line">
+          <a:prstGeom prst="straightConnector1">
             <a:avLst/>
           </a:prstGeom>
+          <a:ln>
+            <a:tailEnd type="triangle"/>
+          </a:ln>
         </p:spPr>
         <p:style>
           <a:lnRef idx="2">
@@ -5514,82 +6305,298 @@
           </a:fontRef>
         </p:style>
       </p:cxnSp>
-      <p:cxnSp>
-        <p:nvCxnSpPr>
-          <p:cNvPr id="40" name="Straight Connector 39">
+      <p:grpSp>
+        <p:nvGrpSpPr>
+          <p:cNvPr id="1081" name="Group 1080">
             <a:extLst>
               <a:ext uri="{FF2B5EF4-FFF2-40B4-BE49-F238E27FC236}">
-                <a16:creationId xmlns:a16="http://schemas.microsoft.com/office/drawing/2014/main" id="{9467EB04-7D57-17DE-681F-F311A9608332}"/>
+                <a16:creationId xmlns:a16="http://schemas.microsoft.com/office/drawing/2014/main" id="{1BA61798-263A-B32E-CAC7-1A51BA6B1D57}"/>
               </a:ext>
             </a:extLst>
           </p:cNvPr>
-          <p:cNvCxnSpPr>
-            <a:cxnSpLocks/>
-          </p:cNvCxnSpPr>
+          <p:cNvGrpSpPr/>
           <p:nvPr/>
-        </p:nvCxnSpPr>
-        <p:spPr>
-          <a:xfrm flipH="1">
-            <a:off x="7988158" y="3080617"/>
-            <a:ext cx="946184" cy="0"/>
+        </p:nvGrpSpPr>
+        <p:grpSpPr>
+          <a:xfrm>
+            <a:off x="3564235" y="4329864"/>
+            <a:ext cx="2965806" cy="1346329"/>
+            <a:chOff x="3509640" y="4385784"/>
+            <a:chExt cx="2965806" cy="1346329"/>
           </a:xfrm>
-          <a:prstGeom prst="line">
-            <a:avLst/>
-          </a:prstGeom>
-        </p:spPr>
-        <p:style>
-          <a:lnRef idx="2">
-            <a:schemeClr val="dk1"/>
-          </a:lnRef>
-          <a:fillRef idx="0">
-            <a:schemeClr val="dk1"/>
-          </a:fillRef>
-          <a:effectRef idx="1">
-            <a:schemeClr val="dk1"/>
-          </a:effectRef>
-          <a:fontRef idx="minor">
-            <a:schemeClr val="tx1"/>
-          </a:fontRef>
-        </p:style>
-      </p:cxnSp>
-      <p:cxnSp>
-        <p:nvCxnSpPr>
-          <p:cNvPr id="41" name="Straight Connector 40">
-            <a:extLst>
-              <a:ext uri="{FF2B5EF4-FFF2-40B4-BE49-F238E27FC236}">
-                <a16:creationId xmlns:a16="http://schemas.microsoft.com/office/drawing/2014/main" id="{60E569DA-84FD-5464-F32A-82B633BEDD10}"/>
-              </a:ext>
-            </a:extLst>
-          </p:cNvPr>
-          <p:cNvCxnSpPr>
-            <a:cxnSpLocks/>
-          </p:cNvCxnSpPr>
-          <p:nvPr/>
-        </p:nvCxnSpPr>
-        <p:spPr>
-          <a:xfrm flipH="1">
-            <a:off x="7988158" y="3635983"/>
-            <a:ext cx="946184" cy="0"/>
-          </a:xfrm>
-          <a:prstGeom prst="line">
-            <a:avLst/>
-          </a:prstGeom>
-        </p:spPr>
-        <p:style>
-          <a:lnRef idx="2">
-            <a:schemeClr val="dk1"/>
-          </a:lnRef>
-          <a:fillRef idx="0">
-            <a:schemeClr val="dk1"/>
-          </a:fillRef>
-          <a:effectRef idx="1">
-            <a:schemeClr val="dk1"/>
-          </a:effectRef>
-          <a:fontRef idx="minor">
-            <a:schemeClr val="tx1"/>
-          </a:fontRef>
-        </p:style>
-      </p:cxnSp>
+        </p:grpSpPr>
+        <p:sp>
+          <p:nvSpPr>
+            <p:cNvPr id="1064" name="Rectangle 1063">
+              <a:extLst>
+                <a:ext uri="{FF2B5EF4-FFF2-40B4-BE49-F238E27FC236}">
+                  <a16:creationId xmlns:a16="http://schemas.microsoft.com/office/drawing/2014/main" id="{EBEBA19E-9E8B-3B6A-6741-D9CE029B3A78}"/>
+                </a:ext>
+              </a:extLst>
+            </p:cNvPr>
+            <p:cNvSpPr/>
+            <p:nvPr/>
+          </p:nvSpPr>
+          <p:spPr>
+            <a:xfrm>
+              <a:off x="3509640" y="4385784"/>
+              <a:ext cx="2965806" cy="1346329"/>
+            </a:xfrm>
+            <a:prstGeom prst="rect">
+              <a:avLst/>
+            </a:prstGeom>
+            <a:ln>
+              <a:solidFill>
+                <a:schemeClr val="tx1"/>
+              </a:solidFill>
+            </a:ln>
+          </p:spPr>
+          <p:style>
+            <a:lnRef idx="2">
+              <a:schemeClr val="accent6"/>
+            </a:lnRef>
+            <a:fillRef idx="1">
+              <a:schemeClr val="lt1"/>
+            </a:fillRef>
+            <a:effectRef idx="0">
+              <a:schemeClr val="accent6"/>
+            </a:effectRef>
+            <a:fontRef idx="minor">
+              <a:schemeClr val="dk1"/>
+            </a:fontRef>
+          </p:style>
+          <p:txBody>
+            <a:bodyPr rtlCol="0" anchor="ctr"/>
+            <a:lstStyle/>
+            <a:p>
+              <a:pPr algn="ctr"/>
+              <a:endParaRPr lang="en-DE"/>
+            </a:p>
+          </p:txBody>
+        </p:sp>
+        <p:sp>
+          <p:nvSpPr>
+            <p:cNvPr id="1067" name="TextBox 1066">
+              <a:extLst>
+                <a:ext uri="{FF2B5EF4-FFF2-40B4-BE49-F238E27FC236}">
+                  <a16:creationId xmlns:a16="http://schemas.microsoft.com/office/drawing/2014/main" id="{8F152305-4294-F0FE-6D16-42FA55AB29CC}"/>
+                </a:ext>
+              </a:extLst>
+            </p:cNvPr>
+            <p:cNvSpPr txBox="1"/>
+            <p:nvPr/>
+          </p:nvSpPr>
+          <p:spPr>
+            <a:xfrm>
+              <a:off x="3651257" y="4495013"/>
+              <a:ext cx="2711341" cy="292388"/>
+            </a:xfrm>
+            <a:prstGeom prst="rect">
+              <a:avLst/>
+            </a:prstGeom>
+            <a:noFill/>
+          </p:spPr>
+          <p:txBody>
+            <a:bodyPr wrap="square" rtlCol="0">
+              <a:spAutoFit/>
+            </a:bodyPr>
+            <a:lstStyle/>
+            <a:p>
+              <a:pPr algn="ctr"/>
+              <a:r>
+                <a:rPr lang="en-GB" sz="1300" dirty="0">
+                  <a:latin typeface="Crimson Pro" pitchFamily="2" charset="77"/>
+                  <a:ea typeface="JetBrainsMono NF" panose="02000009000000000000" pitchFamily="49" charset="0"/>
+                  <a:cs typeface="JetBrainsMono NF" panose="02000009000000000000" pitchFamily="49" charset="0"/>
+                </a:rPr>
+                <a:t>Cross-Validated Score Reconstruction</a:t>
+              </a:r>
+            </a:p>
+          </p:txBody>
+        </p:sp>
+        <p:pic>
+          <p:nvPicPr>
+            <p:cNvPr id="1071" name="Picture 1070" descr="A black background with a black square&#10;&#10;Description automatically generated with medium confidence">
+              <a:extLst>
+                <a:ext uri="{FF2B5EF4-FFF2-40B4-BE49-F238E27FC236}">
+                  <a16:creationId xmlns:a16="http://schemas.microsoft.com/office/drawing/2014/main" id="{5F276088-1C0C-AE42-AAC9-6C1D081EE6B1}"/>
+                </a:ext>
+              </a:extLst>
+            </p:cNvPr>
+            <p:cNvPicPr>
+              <a:picLocks noChangeAspect="1"/>
+            </p:cNvPicPr>
+            <p:nvPr/>
+          </p:nvPicPr>
+          <p:blipFill>
+            <a:blip r:embed="rId18"/>
+            <a:stretch>
+              <a:fillRect/>
+            </a:stretch>
+          </p:blipFill>
+          <p:spPr>
+            <a:xfrm>
+              <a:off x="5128237" y="5006399"/>
+              <a:ext cx="1088594" cy="360212"/>
+            </a:xfrm>
+            <a:prstGeom prst="rect">
+              <a:avLst/>
+            </a:prstGeom>
+          </p:spPr>
+        </p:pic>
+        <p:sp>
+          <p:nvSpPr>
+            <p:cNvPr id="1075" name="TextBox 1074">
+              <a:extLst>
+                <a:ext uri="{FF2B5EF4-FFF2-40B4-BE49-F238E27FC236}">
+                  <a16:creationId xmlns:a16="http://schemas.microsoft.com/office/drawing/2014/main" id="{215C6915-3822-FF05-C60C-4D2589F4EC62}"/>
+                </a:ext>
+              </a:extLst>
+            </p:cNvPr>
+            <p:cNvSpPr txBox="1"/>
+            <p:nvPr/>
+          </p:nvSpPr>
+          <p:spPr>
+            <a:xfrm>
+              <a:off x="3962886" y="4889665"/>
+              <a:ext cx="1088593" cy="253916"/>
+            </a:xfrm>
+            <a:prstGeom prst="rect">
+              <a:avLst/>
+            </a:prstGeom>
+            <a:noFill/>
+          </p:spPr>
+          <p:txBody>
+            <a:bodyPr wrap="square">
+              <a:spAutoFit/>
+            </a:bodyPr>
+            <a:lstStyle/>
+            <a:p>
+              <a:pPr algn="ctr"/>
+              <a:r>
+                <a:rPr lang="en-GB" sz="1050" dirty="0">
+                  <a:latin typeface="Crimson Pro" pitchFamily="2" charset="77"/>
+                  <a:ea typeface="JetBrainsMono NF" panose="02000009000000000000" pitchFamily="49" charset="0"/>
+                  <a:cs typeface="JetBrainsMono NF" panose="02000009000000000000" pitchFamily="49" charset="0"/>
+                </a:rPr>
+                <a:t>per benchmark</a:t>
+              </a:r>
+            </a:p>
+          </p:txBody>
+        </p:sp>
+        <p:pic>
+          <p:nvPicPr>
+            <p:cNvPr id="1077" name="Graphic 1076">
+              <a:extLst>
+                <a:ext uri="{FF2B5EF4-FFF2-40B4-BE49-F238E27FC236}">
+                  <a16:creationId xmlns:a16="http://schemas.microsoft.com/office/drawing/2014/main" id="{0923307F-4B77-B425-7380-4AF1627636CE}"/>
+                </a:ext>
+              </a:extLst>
+            </p:cNvPr>
+            <p:cNvPicPr>
+              <a:picLocks noChangeAspect="1"/>
+            </p:cNvPicPr>
+            <p:nvPr/>
+          </p:nvPicPr>
+          <p:blipFill>
+            <a:blip r:embed="rId19">
+              <a:extLst>
+                <a:ext uri="{96DAC541-7B7A-43D3-8B79-37D633B846F1}">
+                  <asvg:svgBlip xmlns:asvg="http://schemas.microsoft.com/office/drawing/2016/SVG/main" r:embed="rId20"/>
+                </a:ext>
+              </a:extLst>
+            </a:blip>
+            <a:stretch>
+              <a:fillRect/>
+            </a:stretch>
+          </p:blipFill>
+          <p:spPr>
+            <a:xfrm>
+              <a:off x="3722619" y="4897947"/>
+              <a:ext cx="274020" cy="274020"/>
+            </a:xfrm>
+            <a:prstGeom prst="rect">
+              <a:avLst/>
+            </a:prstGeom>
+          </p:spPr>
+        </p:pic>
+        <p:pic>
+          <p:nvPicPr>
+            <p:cNvPr id="1079" name="Graphic 1078">
+              <a:extLst>
+                <a:ext uri="{FF2B5EF4-FFF2-40B4-BE49-F238E27FC236}">
+                  <a16:creationId xmlns:a16="http://schemas.microsoft.com/office/drawing/2014/main" id="{4C710459-9AAF-66FD-D5A2-330375FDA496}"/>
+                </a:ext>
+              </a:extLst>
+            </p:cNvPr>
+            <p:cNvPicPr>
+              <a:picLocks noChangeAspect="1"/>
+            </p:cNvPicPr>
+            <p:nvPr/>
+          </p:nvPicPr>
+          <p:blipFill>
+            <a:blip r:embed="rId21">
+              <a:extLst>
+                <a:ext uri="{96DAC541-7B7A-43D3-8B79-37D633B846F1}">
+                  <asvg:svgBlip xmlns:asvg="http://schemas.microsoft.com/office/drawing/2016/SVG/main" r:embed="rId22"/>
+                </a:ext>
+              </a:extLst>
+            </a:blip>
+            <a:stretch>
+              <a:fillRect/>
+            </a:stretch>
+          </p:blipFill>
+          <p:spPr>
+            <a:xfrm>
+              <a:off x="3681888" y="5198647"/>
+              <a:ext cx="355481" cy="355481"/>
+            </a:xfrm>
+            <a:prstGeom prst="rect">
+              <a:avLst/>
+            </a:prstGeom>
+          </p:spPr>
+        </p:pic>
+        <p:sp>
+          <p:nvSpPr>
+            <p:cNvPr id="1080" name="TextBox 1079">
+              <a:extLst>
+                <a:ext uri="{FF2B5EF4-FFF2-40B4-BE49-F238E27FC236}">
+                  <a16:creationId xmlns:a16="http://schemas.microsoft.com/office/drawing/2014/main" id="{9E77C2D5-CBF9-F064-AD2D-704D5350C24A}"/>
+                </a:ext>
+              </a:extLst>
+            </p:cNvPr>
+            <p:cNvSpPr txBox="1"/>
+            <p:nvPr/>
+          </p:nvSpPr>
+          <p:spPr>
+            <a:xfrm>
+              <a:off x="3951719" y="5239521"/>
+              <a:ext cx="1088593" cy="253916"/>
+            </a:xfrm>
+            <a:prstGeom prst="rect">
+              <a:avLst/>
+            </a:prstGeom>
+            <a:noFill/>
+          </p:spPr>
+          <p:txBody>
+            <a:bodyPr wrap="square">
+              <a:spAutoFit/>
+            </a:bodyPr>
+            <a:lstStyle/>
+            <a:p>
+              <a:pPr algn="ctr"/>
+              <a:r>
+                <a:rPr lang="en-GB" sz="1050" dirty="0">
+                  <a:latin typeface="Crimson Pro" pitchFamily="2" charset="77"/>
+                  <a:ea typeface="JetBrainsMono NF" panose="02000009000000000000" pitchFamily="49" charset="0"/>
+                  <a:cs typeface="JetBrainsMono NF" panose="02000009000000000000" pitchFamily="49" charset="0"/>
+                </a:rPr>
+                <a:t>for their sum</a:t>
+              </a:r>
+            </a:p>
+          </p:txBody>
+        </p:sp>
+      </p:grpSp>
     </p:spTree>
     <p:extLst>
       <p:ext uri="{BB962C8B-B14F-4D97-AF65-F5344CB8AC3E}">
